--- a/Advanced Databases/Additional Notes/Nosql.pptx
+++ b/Advanced Databases/Additional Notes/Nosql.pptx
@@ -179,6 +179,22 @@
       </a:defRPr>
     </a:lvl9pPr>
   </p:defaultTextStyle>
+  <p:extLst>
+    <p:ext uri="{EFAFB233-063F-42B5-8137-9DF3F51BA10A}">
+      <p15:sldGuideLst xmlns:p15="http://schemas.microsoft.com/office/powerpoint/2012/main">
+        <p15:guide id="1" orient="horz" pos="2160">
+          <p15:clr>
+            <a:srgbClr val="A4A3A4"/>
+          </p15:clr>
+        </p15:guide>
+        <p15:guide id="2" pos="2880">
+          <p15:clr>
+            <a:srgbClr val="A4A3A4"/>
+          </p15:clr>
+        </p15:guide>
+      </p15:sldGuideLst>
+    </p:ext>
+  </p:extLst>
 </p:presentation>
 </file>
 
@@ -264,7 +280,7 @@
           <a:p>
             <a:fld id="{1F28BF68-8FD5-4E20-B171-A847030512CB}" type="datetimeFigureOut">
               <a:rPr lang="en-IN" smtClean="0"/>
-              <a:t>24-02-2023</a:t>
+              <a:t>29-05-2023</a:t>
             </a:fld>
             <a:endParaRPr lang="en-IN"/>
           </a:p>
@@ -328,35 +344,35 @@
           <a:p>
             <a:pPr lvl="0"/>
             <a:r>
-              <a:rPr lang="en-US" smtClean="0"/>
+              <a:rPr lang="en-US"/>
               <a:t>Click to edit Master text styles</a:t>
             </a:r>
           </a:p>
           <a:p>
             <a:pPr lvl="1"/>
             <a:r>
-              <a:rPr lang="en-US" smtClean="0"/>
+              <a:rPr lang="en-US"/>
               <a:t>Second level</a:t>
             </a:r>
           </a:p>
           <a:p>
             <a:pPr lvl="2"/>
             <a:r>
-              <a:rPr lang="en-US" smtClean="0"/>
+              <a:rPr lang="en-US"/>
               <a:t>Third level</a:t>
             </a:r>
           </a:p>
           <a:p>
             <a:pPr lvl="3"/>
             <a:r>
-              <a:rPr lang="en-US" smtClean="0"/>
+              <a:rPr lang="en-US"/>
               <a:t>Fourth level</a:t>
             </a:r>
           </a:p>
           <a:p>
             <a:pPr lvl="4"/>
             <a:r>
-              <a:rPr lang="en-US" smtClean="0"/>
+              <a:rPr lang="en-US"/>
               <a:t>Fifth level</a:t>
             </a:r>
             <a:endParaRPr lang="en-IN"/>
@@ -1969,7 +1985,7 @@
           </a:lstStyle>
           <a:p>
             <a:r>
-              <a:rPr lang="en-US" smtClean="0"/>
+              <a:rPr lang="en-US"/>
               <a:t>Click to edit Master title style</a:t>
             </a:r>
             <a:endParaRPr lang="en-US" dirty="0"/>
@@ -2088,7 +2104,7 @@
           </a:lstStyle>
           <a:p>
             <a:r>
-              <a:rPr lang="en-US" smtClean="0"/>
+              <a:rPr lang="en-US"/>
               <a:t>Click to edit Master subtitle style</a:t>
             </a:r>
             <a:endParaRPr lang="en-US" dirty="0"/>
@@ -2112,7 +2128,7 @@
           <a:p>
             <a:fld id="{41B3F226-7F03-4B0B-99E0-08603936052B}" type="datetimeFigureOut">
               <a:rPr lang="en-IN" smtClean="0"/>
-              <a:t>24-02-2023</a:t>
+              <a:t>29-05-2023</a:t>
             </a:fld>
             <a:endParaRPr lang="en-IN"/>
           </a:p>
@@ -2244,7 +2260,7 @@
           <a:lstStyle/>
           <a:p>
             <a:r>
-              <a:rPr lang="en-US" smtClean="0"/>
+              <a:rPr lang="en-US"/>
               <a:t>Click to edit Master title style</a:t>
             </a:r>
             <a:endParaRPr lang="en-US" dirty="0"/>
@@ -2273,38 +2289,37 @@
           <a:p>
             <a:pPr lvl="0"/>
             <a:r>
-              <a:rPr lang="en-US" smtClean="0"/>
+              <a:rPr lang="en-US"/>
               <a:t>Click to edit Master text styles</a:t>
             </a:r>
           </a:p>
           <a:p>
             <a:pPr lvl="1"/>
             <a:r>
-              <a:rPr lang="en-US" smtClean="0"/>
+              <a:rPr lang="en-US"/>
               <a:t>Second level</a:t>
             </a:r>
           </a:p>
           <a:p>
             <a:pPr lvl="2"/>
             <a:r>
-              <a:rPr lang="en-US" smtClean="0"/>
+              <a:rPr lang="en-US"/>
               <a:t>Third level</a:t>
             </a:r>
           </a:p>
           <a:p>
             <a:pPr lvl="3"/>
             <a:r>
-              <a:rPr lang="en-US" smtClean="0"/>
+              <a:rPr lang="en-US"/>
               <a:t>Fourth level</a:t>
             </a:r>
           </a:p>
           <a:p>
             <a:pPr lvl="4"/>
             <a:r>
-              <a:rPr lang="en-US" smtClean="0"/>
+              <a:rPr lang="en-US"/>
               <a:t>Fifth level</a:t>
             </a:r>
-            <a:endParaRPr lang="en-US"/>
           </a:p>
         </p:txBody>
       </p:sp>
@@ -2325,7 +2340,7 @@
           <a:p>
             <a:fld id="{41B3F226-7F03-4B0B-99E0-08603936052B}" type="datetimeFigureOut">
               <a:rPr lang="en-IN" smtClean="0"/>
-              <a:t>24-02-2023</a:t>
+              <a:t>29-05-2023</a:t>
             </a:fld>
             <a:endParaRPr lang="en-IN"/>
           </a:p>
@@ -2419,7 +2434,7 @@
           <a:lstStyle/>
           <a:p>
             <a:r>
-              <a:rPr lang="en-US" smtClean="0"/>
+              <a:rPr lang="en-US"/>
               <a:t>Click to edit Master title style</a:t>
             </a:r>
             <a:endParaRPr lang="en-US" dirty="0"/>
@@ -2448,38 +2463,37 @@
           <a:p>
             <a:pPr lvl="0"/>
             <a:r>
-              <a:rPr lang="en-US" smtClean="0"/>
+              <a:rPr lang="en-US"/>
               <a:t>Click to edit Master text styles</a:t>
             </a:r>
           </a:p>
           <a:p>
             <a:pPr lvl="1"/>
             <a:r>
-              <a:rPr lang="en-US" smtClean="0"/>
+              <a:rPr lang="en-US"/>
               <a:t>Second level</a:t>
             </a:r>
           </a:p>
           <a:p>
             <a:pPr lvl="2"/>
             <a:r>
-              <a:rPr lang="en-US" smtClean="0"/>
+              <a:rPr lang="en-US"/>
               <a:t>Third level</a:t>
             </a:r>
           </a:p>
           <a:p>
             <a:pPr lvl="3"/>
             <a:r>
-              <a:rPr lang="en-US" smtClean="0"/>
+              <a:rPr lang="en-US"/>
               <a:t>Fourth level</a:t>
             </a:r>
           </a:p>
           <a:p>
             <a:pPr lvl="4"/>
             <a:r>
-              <a:rPr lang="en-US" smtClean="0"/>
+              <a:rPr lang="en-US"/>
               <a:t>Fifth level</a:t>
             </a:r>
-            <a:endParaRPr lang="en-US"/>
           </a:p>
         </p:txBody>
       </p:sp>
@@ -2500,7 +2514,7 @@
           <a:p>
             <a:fld id="{41B3F226-7F03-4B0B-99E0-08603936052B}" type="datetimeFigureOut">
               <a:rPr lang="en-IN" smtClean="0"/>
-              <a:t>24-02-2023</a:t>
+              <a:t>29-05-2023</a:t>
             </a:fld>
             <a:endParaRPr lang="en-IN"/>
           </a:p>
@@ -2589,10 +2603,9 @@
           <a:lstStyle/>
           <a:p>
             <a:r>
-              <a:rPr lang="en-US" smtClean="0"/>
+              <a:rPr lang="en-US"/>
               <a:t>Click to edit Master title style</a:t>
             </a:r>
-            <a:endParaRPr lang="en-US"/>
           </a:p>
         </p:txBody>
       </p:sp>
@@ -2613,38 +2626,37 @@
           <a:p>
             <a:pPr lvl="0"/>
             <a:r>
-              <a:rPr lang="en-US" smtClean="0"/>
+              <a:rPr lang="en-US"/>
               <a:t>Click to edit Master text styles</a:t>
             </a:r>
           </a:p>
           <a:p>
             <a:pPr lvl="1"/>
             <a:r>
-              <a:rPr lang="en-US" smtClean="0"/>
+              <a:rPr lang="en-US"/>
               <a:t>Second level</a:t>
             </a:r>
           </a:p>
           <a:p>
             <a:pPr lvl="2"/>
             <a:r>
-              <a:rPr lang="en-US" smtClean="0"/>
+              <a:rPr lang="en-US"/>
               <a:t>Third level</a:t>
             </a:r>
           </a:p>
           <a:p>
             <a:pPr lvl="3"/>
             <a:r>
-              <a:rPr lang="en-US" smtClean="0"/>
+              <a:rPr lang="en-US"/>
               <a:t>Fourth level</a:t>
             </a:r>
           </a:p>
           <a:p>
             <a:pPr lvl="4"/>
             <a:r>
-              <a:rPr lang="en-US" smtClean="0"/>
+              <a:rPr lang="en-US"/>
               <a:t>Fifth level</a:t>
             </a:r>
-            <a:endParaRPr lang="en-US"/>
           </a:p>
         </p:txBody>
       </p:sp>
@@ -2665,7 +2677,7 @@
           <a:p>
             <a:fld id="{41B3F226-7F03-4B0B-99E0-08603936052B}" type="datetimeFigureOut">
               <a:rPr lang="en-IN" smtClean="0"/>
-              <a:t>24-02-2023</a:t>
+              <a:t>29-05-2023</a:t>
             </a:fld>
             <a:endParaRPr lang="en-IN"/>
           </a:p>
@@ -2806,7 +2818,7 @@
           </a:lstStyle>
           <a:p>
             <a:r>
-              <a:rPr lang="en-US" smtClean="0"/>
+              <a:rPr lang="en-US"/>
               <a:t>Click to edit Master title style</a:t>
             </a:r>
             <a:endParaRPr lang="en-US" dirty="0"/>
@@ -2926,7 +2938,7 @@
           <a:p>
             <a:pPr lvl="0"/>
             <a:r>
-              <a:rPr lang="en-US" smtClean="0"/>
+              <a:rPr lang="en-US"/>
               <a:t>Click to edit Master text styles</a:t>
             </a:r>
           </a:p>
@@ -2949,7 +2961,7 @@
           <a:p>
             <a:fld id="{41B3F226-7F03-4B0B-99E0-08603936052B}" type="datetimeFigureOut">
               <a:rPr lang="en-IN" smtClean="0"/>
-              <a:t>24-02-2023</a:t>
+              <a:t>29-05-2023</a:t>
             </a:fld>
             <a:endParaRPr lang="en-IN"/>
           </a:p>
@@ -3081,10 +3093,9 @@
           <a:lstStyle/>
           <a:p>
             <a:r>
-              <a:rPr lang="en-US" smtClean="0"/>
+              <a:rPr lang="en-US"/>
               <a:t>Click to edit Master title style</a:t>
             </a:r>
-            <a:endParaRPr lang="en-US"/>
           </a:p>
         </p:txBody>
       </p:sp>
@@ -3138,35 +3149,35 @@
           <a:p>
             <a:pPr lvl="0"/>
             <a:r>
-              <a:rPr lang="en-US" smtClean="0"/>
+              <a:rPr lang="en-US"/>
               <a:t>Click to edit Master text styles</a:t>
             </a:r>
           </a:p>
           <a:p>
             <a:pPr lvl="1"/>
             <a:r>
-              <a:rPr lang="en-US" smtClean="0"/>
+              <a:rPr lang="en-US"/>
               <a:t>Second level</a:t>
             </a:r>
           </a:p>
           <a:p>
             <a:pPr lvl="2"/>
             <a:r>
-              <a:rPr lang="en-US" smtClean="0"/>
+              <a:rPr lang="en-US"/>
               <a:t>Third level</a:t>
             </a:r>
           </a:p>
           <a:p>
             <a:pPr lvl="3"/>
             <a:r>
-              <a:rPr lang="en-US" smtClean="0"/>
+              <a:rPr lang="en-US"/>
               <a:t>Fourth level</a:t>
             </a:r>
           </a:p>
           <a:p>
             <a:pPr lvl="4"/>
             <a:r>
-              <a:rPr lang="en-US" smtClean="0"/>
+              <a:rPr lang="en-US"/>
               <a:t>Fifth level</a:t>
             </a:r>
             <a:endParaRPr lang="en-US" dirty="0"/>
@@ -3223,38 +3234,37 @@
           <a:p>
             <a:pPr lvl="0"/>
             <a:r>
-              <a:rPr lang="en-US" smtClean="0"/>
+              <a:rPr lang="en-US"/>
               <a:t>Click to edit Master text styles</a:t>
             </a:r>
           </a:p>
           <a:p>
             <a:pPr lvl="1"/>
             <a:r>
-              <a:rPr lang="en-US" smtClean="0"/>
+              <a:rPr lang="en-US"/>
               <a:t>Second level</a:t>
             </a:r>
           </a:p>
           <a:p>
             <a:pPr lvl="2"/>
             <a:r>
-              <a:rPr lang="en-US" smtClean="0"/>
+              <a:rPr lang="en-US"/>
               <a:t>Third level</a:t>
             </a:r>
           </a:p>
           <a:p>
             <a:pPr lvl="3"/>
             <a:r>
-              <a:rPr lang="en-US" smtClean="0"/>
+              <a:rPr lang="en-US"/>
               <a:t>Fourth level</a:t>
             </a:r>
           </a:p>
           <a:p>
             <a:pPr lvl="4"/>
             <a:r>
-              <a:rPr lang="en-US" smtClean="0"/>
+              <a:rPr lang="en-US"/>
               <a:t>Fifth level</a:t>
             </a:r>
-            <a:endParaRPr lang="en-US"/>
           </a:p>
         </p:txBody>
       </p:sp>
@@ -3275,7 +3285,7 @@
           <a:p>
             <a:fld id="{41B3F226-7F03-4B0B-99E0-08603936052B}" type="datetimeFigureOut">
               <a:rPr lang="en-IN" smtClean="0"/>
-              <a:t>24-02-2023</a:t>
+              <a:t>29-05-2023</a:t>
             </a:fld>
             <a:endParaRPr lang="en-IN"/>
           </a:p>
@@ -3368,7 +3378,7 @@
           </a:lstStyle>
           <a:p>
             <a:r>
-              <a:rPr lang="en-US" smtClean="0"/>
+              <a:rPr lang="en-US"/>
               <a:t>Click to edit Master title style</a:t>
             </a:r>
             <a:endParaRPr lang="en-US" dirty="0"/>
@@ -3438,7 +3448,7 @@
           <a:p>
             <a:pPr lvl="0"/>
             <a:r>
-              <a:rPr lang="en-US" smtClean="0"/>
+              <a:rPr lang="en-US"/>
               <a:t>Click to edit Master text styles</a:t>
             </a:r>
           </a:p>
@@ -3494,35 +3504,35 @@
           <a:p>
             <a:pPr lvl="0"/>
             <a:r>
-              <a:rPr lang="en-US" smtClean="0"/>
+              <a:rPr lang="en-US"/>
               <a:t>Click to edit Master text styles</a:t>
             </a:r>
           </a:p>
           <a:p>
             <a:pPr lvl="1"/>
             <a:r>
-              <a:rPr lang="en-US" smtClean="0"/>
+              <a:rPr lang="en-US"/>
               <a:t>Second level</a:t>
             </a:r>
           </a:p>
           <a:p>
             <a:pPr lvl="2"/>
             <a:r>
-              <a:rPr lang="en-US" smtClean="0"/>
+              <a:rPr lang="en-US"/>
               <a:t>Third level</a:t>
             </a:r>
           </a:p>
           <a:p>
             <a:pPr lvl="3"/>
             <a:r>
-              <a:rPr lang="en-US" smtClean="0"/>
+              <a:rPr lang="en-US"/>
               <a:t>Fourth level</a:t>
             </a:r>
           </a:p>
           <a:p>
             <a:pPr lvl="4"/>
             <a:r>
-              <a:rPr lang="en-US" smtClean="0"/>
+              <a:rPr lang="en-US"/>
               <a:t>Fifth level</a:t>
             </a:r>
             <a:endParaRPr lang="en-US" dirty="0"/>
@@ -3592,7 +3602,7 @@
           <a:p>
             <a:pPr lvl="0"/>
             <a:r>
-              <a:rPr lang="en-US" smtClean="0"/>
+              <a:rPr lang="en-US"/>
               <a:t>Click to edit Master text styles</a:t>
             </a:r>
           </a:p>
@@ -3648,38 +3658,37 @@
           <a:p>
             <a:pPr lvl="0"/>
             <a:r>
-              <a:rPr lang="en-US" smtClean="0"/>
+              <a:rPr lang="en-US"/>
               <a:t>Click to edit Master text styles</a:t>
             </a:r>
           </a:p>
           <a:p>
             <a:pPr lvl="1"/>
             <a:r>
-              <a:rPr lang="en-US" smtClean="0"/>
+              <a:rPr lang="en-US"/>
               <a:t>Second level</a:t>
             </a:r>
           </a:p>
           <a:p>
             <a:pPr lvl="2"/>
             <a:r>
-              <a:rPr lang="en-US" smtClean="0"/>
+              <a:rPr lang="en-US"/>
               <a:t>Third level</a:t>
             </a:r>
           </a:p>
           <a:p>
             <a:pPr lvl="3"/>
             <a:r>
-              <a:rPr lang="en-US" smtClean="0"/>
+              <a:rPr lang="en-US"/>
               <a:t>Fourth level</a:t>
             </a:r>
           </a:p>
           <a:p>
             <a:pPr lvl="4"/>
             <a:r>
-              <a:rPr lang="en-US" smtClean="0"/>
+              <a:rPr lang="en-US"/>
               <a:t>Fifth level</a:t>
             </a:r>
-            <a:endParaRPr lang="en-US"/>
           </a:p>
         </p:txBody>
       </p:sp>
@@ -3700,7 +3709,7 @@
           <a:p>
             <a:fld id="{41B3F226-7F03-4B0B-99E0-08603936052B}" type="datetimeFigureOut">
               <a:rPr lang="en-IN" smtClean="0"/>
-              <a:t>24-02-2023</a:t>
+              <a:t>29-05-2023</a:t>
             </a:fld>
             <a:endParaRPr lang="en-IN"/>
           </a:p>
@@ -3849,7 +3858,7 @@
           <a:lstStyle/>
           <a:p>
             <a:r>
-              <a:rPr lang="en-US" smtClean="0"/>
+              <a:rPr lang="en-US"/>
               <a:t>Click to edit Master title style</a:t>
             </a:r>
             <a:endParaRPr lang="en-US" dirty="0"/>
@@ -3873,7 +3882,7 @@
           <a:p>
             <a:fld id="{41B3F226-7F03-4B0B-99E0-08603936052B}" type="datetimeFigureOut">
               <a:rPr lang="en-IN" smtClean="0"/>
-              <a:t>24-02-2023</a:t>
+              <a:t>29-05-2023</a:t>
             </a:fld>
             <a:endParaRPr lang="en-IN"/>
           </a:p>
@@ -3963,7 +3972,7 @@
           <a:p>
             <a:fld id="{41B3F226-7F03-4B0B-99E0-08603936052B}" type="datetimeFigureOut">
               <a:rPr lang="en-IN" smtClean="0"/>
-              <a:t>24-02-2023</a:t>
+              <a:t>29-05-2023</a:t>
             </a:fld>
             <a:endParaRPr lang="en-IN"/>
           </a:p>
@@ -4063,10 +4072,9 @@
           </a:lstStyle>
           <a:p>
             <a:r>
-              <a:rPr lang="en-US" smtClean="0"/>
+              <a:rPr lang="en-US"/>
               <a:t>Click to edit Master title style</a:t>
             </a:r>
-            <a:endParaRPr lang="en-US"/>
           </a:p>
         </p:txBody>
       </p:sp>
@@ -4120,35 +4128,35 @@
           <a:p>
             <a:pPr lvl="0"/>
             <a:r>
-              <a:rPr lang="en-US" smtClean="0"/>
+              <a:rPr lang="en-US"/>
               <a:t>Click to edit Master text styles</a:t>
             </a:r>
           </a:p>
           <a:p>
             <a:pPr lvl="1"/>
             <a:r>
-              <a:rPr lang="en-US" smtClean="0"/>
+              <a:rPr lang="en-US"/>
               <a:t>Second level</a:t>
             </a:r>
           </a:p>
           <a:p>
             <a:pPr lvl="2"/>
             <a:r>
-              <a:rPr lang="en-US" smtClean="0"/>
+              <a:rPr lang="en-US"/>
               <a:t>Third level</a:t>
             </a:r>
           </a:p>
           <a:p>
             <a:pPr lvl="3"/>
             <a:r>
-              <a:rPr lang="en-US" smtClean="0"/>
+              <a:rPr lang="en-US"/>
               <a:t>Fourth level</a:t>
             </a:r>
           </a:p>
           <a:p>
             <a:pPr lvl="4"/>
             <a:r>
-              <a:rPr lang="en-US" smtClean="0"/>
+              <a:rPr lang="en-US"/>
               <a:t>Fifth level</a:t>
             </a:r>
             <a:endParaRPr lang="en-US" dirty="0"/>
@@ -4220,7 +4228,7 @@
           <a:p>
             <a:pPr lvl="0"/>
             <a:r>
-              <a:rPr lang="en-US" smtClean="0"/>
+              <a:rPr lang="en-US"/>
               <a:t>Click to edit Master text styles</a:t>
             </a:r>
           </a:p>
@@ -4243,7 +4251,7 @@
           <a:p>
             <a:fld id="{41B3F226-7F03-4B0B-99E0-08603936052B}" type="datetimeFigureOut">
               <a:rPr lang="en-IN" smtClean="0"/>
-              <a:t>24-02-2023</a:t>
+              <a:t>29-05-2023</a:t>
             </a:fld>
             <a:endParaRPr lang="en-IN"/>
           </a:p>
@@ -4381,7 +4389,7 @@
           </a:lstStyle>
           <a:p>
             <a:r>
-              <a:rPr lang="en-US" smtClean="0"/>
+              <a:rPr lang="en-US"/>
               <a:t>Click to edit Master title style</a:t>
             </a:r>
             <a:endParaRPr lang="en-US" dirty="0"/>
@@ -4451,10 +4459,9 @@
           </a:lstStyle>
           <a:p>
             <a:r>
-              <a:rPr lang="en-US" smtClean="0"/>
+              <a:rPr lang="en-US"/>
               <a:t>Click icon to add picture</a:t>
             </a:r>
-            <a:endParaRPr lang="en-US"/>
           </a:p>
         </p:txBody>
       </p:sp>
@@ -4519,7 +4526,7 @@
           <a:p>
             <a:pPr lvl="0"/>
             <a:r>
-              <a:rPr lang="en-US" smtClean="0"/>
+              <a:rPr lang="en-US"/>
               <a:t>Click to edit Master text styles</a:t>
             </a:r>
           </a:p>
@@ -4542,7 +4549,7 @@
           <a:p>
             <a:fld id="{41B3F226-7F03-4B0B-99E0-08603936052B}" type="datetimeFigureOut">
               <a:rPr lang="en-IN" smtClean="0"/>
-              <a:t>24-02-2023</a:t>
+              <a:t>29-05-2023</a:t>
             </a:fld>
             <a:endParaRPr lang="en-IN"/>
           </a:p>
@@ -4646,7 +4653,7 @@
           <a:lstStyle/>
           <a:p>
             <a:r>
-              <a:rPr lang="en-US" smtClean="0"/>
+              <a:rPr lang="en-US"/>
               <a:t>Click to edit Master title style</a:t>
             </a:r>
             <a:endParaRPr lang="en-US" dirty="0"/>
@@ -4680,35 +4687,35 @@
           <a:p>
             <a:pPr lvl="0"/>
             <a:r>
-              <a:rPr lang="en-US" smtClean="0"/>
+              <a:rPr lang="en-US"/>
               <a:t>Click to edit Master text styles</a:t>
             </a:r>
           </a:p>
           <a:p>
             <a:pPr lvl="1"/>
             <a:r>
-              <a:rPr lang="en-US" smtClean="0"/>
+              <a:rPr lang="en-US"/>
               <a:t>Second level</a:t>
             </a:r>
           </a:p>
           <a:p>
             <a:pPr lvl="2"/>
             <a:r>
-              <a:rPr lang="en-US" smtClean="0"/>
+              <a:rPr lang="en-US"/>
               <a:t>Third level</a:t>
             </a:r>
           </a:p>
           <a:p>
             <a:pPr lvl="3"/>
             <a:r>
-              <a:rPr lang="en-US" smtClean="0"/>
+              <a:rPr lang="en-US"/>
               <a:t>Fourth level</a:t>
             </a:r>
           </a:p>
           <a:p>
             <a:pPr lvl="4"/>
             <a:r>
-              <a:rPr lang="en-US" smtClean="0"/>
+              <a:rPr lang="en-US"/>
               <a:t>Fifth level</a:t>
             </a:r>
             <a:endParaRPr lang="en-US" dirty="0"/>
@@ -4752,7 +4759,7 @@
           <a:p>
             <a:fld id="{41B3F226-7F03-4B0B-99E0-08603936052B}" type="datetimeFigureOut">
               <a:rPr lang="en-IN" smtClean="0"/>
-              <a:t>24-02-2023</a:t>
+              <a:t>29-05-2023</a:t>
             </a:fld>
             <a:endParaRPr lang="en-IN"/>
           </a:p>
@@ -5315,7 +5322,7 @@
           <a:lstStyle/>
           <a:p>
             <a:r>
-              <a:rPr lang="en-IN" sz="4800" b="1" dirty="0" smtClean="0">
+              <a:rPr lang="en-IN" sz="4800" b="1" dirty="0">
                 <a:ln w="10541" cmpd="sng">
                   <a:solidFill>
                     <a:srgbClr val="7D7D7D">
@@ -5364,53 +5371,6 @@
               </a:rPr>
               <a:t>NoSQL </a:t>
             </a:r>
-            <a:endParaRPr lang="en-IN" sz="4800" b="1" dirty="0">
-              <a:ln w="10541" cmpd="sng">
-                <a:solidFill>
-                  <a:srgbClr val="7D7D7D">
-                    <a:tint val="100000"/>
-                    <a:shade val="100000"/>
-                    <a:satMod val="110000"/>
-                  </a:srgbClr>
-                </a:solidFill>
-                <a:prstDash val="solid"/>
-              </a:ln>
-              <a:gradFill>
-                <a:gsLst>
-                  <a:gs pos="0">
-                    <a:srgbClr val="FFFFFF">
-                      <a:tint val="40000"/>
-                      <a:satMod val="250000"/>
-                    </a:srgbClr>
-                  </a:gs>
-                  <a:gs pos="9000">
-                    <a:srgbClr val="FFFFFF">
-                      <a:tint val="52000"/>
-                      <a:satMod val="300000"/>
-                    </a:srgbClr>
-                  </a:gs>
-                  <a:gs pos="50000">
-                    <a:srgbClr val="FFFFFF">
-                      <a:shade val="20000"/>
-                      <a:satMod val="300000"/>
-                    </a:srgbClr>
-                  </a:gs>
-                  <a:gs pos="79000">
-                    <a:srgbClr val="FFFFFF">
-                      <a:tint val="52000"/>
-                      <a:satMod val="300000"/>
-                    </a:srgbClr>
-                  </a:gs>
-                  <a:gs pos="100000">
-                    <a:srgbClr val="FFFFFF">
-                      <a:tint val="40000"/>
-                      <a:satMod val="250000"/>
-                    </a:srgbClr>
-                  </a:gs>
-                </a:gsLst>
-                <a:lin ang="5400000"/>
-              </a:gradFill>
-            </a:endParaRPr>
           </a:p>
         </p:txBody>
       </p:sp>
@@ -5424,13 +5384,6 @@
   <p:clrMapOvr>
     <a:masterClrMapping/>
   </p:clrMapOvr>
-  <p:timing>
-    <p:tnLst>
-      <p:par>
-        <p:cTn id="1" dur="indefinite" restart="never" nodeType="tmRoot"/>
-      </p:par>
-    </p:tnLst>
-  </p:timing>
 </p:sld>
 </file>
 
@@ -5473,12 +5426,12 @@
           <a:lstStyle/>
           <a:p>
             <a:r>
-              <a:rPr lang="en-US" sz="2000" b="1" dirty="0" smtClean="0"/>
+              <a:rPr lang="en-US" sz="2000" b="1" dirty="0"/>
               <a:t>Types of NoSQL Databases</a:t>
             </a:r>
           </a:p>
           <a:p>
-            <a:endParaRPr lang="en-US" sz="2000" b="1" dirty="0" smtClean="0"/>
+            <a:endParaRPr lang="en-US" sz="2000" b="1" dirty="0"/>
           </a:p>
           <a:p>
             <a:pPr>
@@ -5487,21 +5440,21 @@
               </a:lnSpc>
             </a:pPr>
             <a:r>
-              <a:rPr lang="en-US" dirty="0" smtClean="0"/>
+              <a:rPr lang="en-US" dirty="0"/>
               <a:t>NoSQL Databases are mainly categorized into four types: Key-value pair, Column-oriented, Graph-based and Document-oriented. Every category has its unique attributes and limitations. None of the above-specified database is better to solve all the problems. Users should select the database based on their product needs.</a:t>
             </a:r>
           </a:p>
           <a:p>
-            <a:endParaRPr lang="en-US" dirty="0" smtClean="0"/>
-          </a:p>
-          <a:p>
-            <a:r>
-              <a:rPr lang="en-US" b="1" dirty="0" smtClean="0"/>
+            <a:endParaRPr lang="en-US" dirty="0"/>
+          </a:p>
+          <a:p>
+            <a:r>
+              <a:rPr lang="en-US" b="1" dirty="0"/>
               <a:t>Types of NoSQL Databases:</a:t>
             </a:r>
           </a:p>
           <a:p>
-            <a:endParaRPr lang="en-US" dirty="0" smtClean="0"/>
+            <a:endParaRPr lang="en-US" dirty="0"/>
           </a:p>
           <a:p>
             <a:pPr marL="285750" indent="-285750">
@@ -5512,7 +5465,7 @@
               <a:buChar char="•"/>
             </a:pPr>
             <a:r>
-              <a:rPr lang="en-US" dirty="0" smtClean="0"/>
+              <a:rPr lang="en-US" dirty="0"/>
               <a:t>Key-value Pair Based</a:t>
             </a:r>
           </a:p>
@@ -5525,7 +5478,7 @@
               <a:buChar char="•"/>
             </a:pPr>
             <a:r>
-              <a:rPr lang="en-US" dirty="0" smtClean="0"/>
+              <a:rPr lang="en-US" dirty="0"/>
               <a:t>Column-oriented Graph</a:t>
             </a:r>
           </a:p>
@@ -5538,7 +5491,7 @@
               <a:buChar char="•"/>
             </a:pPr>
             <a:r>
-              <a:rPr lang="en-US" dirty="0" smtClean="0"/>
+              <a:rPr lang="en-US" dirty="0"/>
               <a:t>Graphs based</a:t>
             </a:r>
           </a:p>
@@ -5551,7 +5504,7 @@
               <a:buChar char="•"/>
             </a:pPr>
             <a:r>
-              <a:rPr lang="en-US" dirty="0" smtClean="0"/>
+              <a:rPr lang="en-US" dirty="0"/>
               <a:t>Document-oriented</a:t>
             </a:r>
             <a:endParaRPr lang="en-IN" dirty="0"/>
@@ -5568,13 +5521,6 @@
   <p:clrMapOvr>
     <a:masterClrMapping/>
   </p:clrMapOvr>
-  <p:timing>
-    <p:tnLst>
-      <p:par>
-        <p:cTn id="1" dur="indefinite" restart="never" nodeType="tmRoot"/>
-      </p:par>
-    </p:tnLst>
-  </p:timing>
 </p:sld>
 </file>
 
@@ -5646,13 +5592,6 @@
   <p:clrMapOvr>
     <a:masterClrMapping/>
   </p:clrMapOvr>
-  <p:timing>
-    <p:tnLst>
-      <p:par>
-        <p:cTn id="1" dur="indefinite" restart="never" nodeType="tmRoot"/>
-      </p:par>
-    </p:tnLst>
-  </p:timing>
 </p:sld>
 </file>
 
@@ -5695,7 +5634,7 @@
           <a:lstStyle/>
           <a:p>
             <a:r>
-              <a:rPr lang="en-US" sz="2400" b="1" dirty="0" smtClean="0"/>
+              <a:rPr lang="en-US" sz="2400" b="1" dirty="0"/>
               <a:t>Key Value Pair Based</a:t>
             </a:r>
           </a:p>
@@ -5706,7 +5645,7 @@
               </a:lnSpc>
             </a:pPr>
             <a:r>
-              <a:rPr lang="en-US" dirty="0" smtClean="0"/>
+              <a:rPr lang="en-US" dirty="0"/>
               <a:t>Data is stored in key/value pairs. It is designed in such a way to handle lots of data and heavy load.</a:t>
             </a:r>
           </a:p>
@@ -5717,7 +5656,7 @@
               </a:lnSpc>
             </a:pPr>
             <a:r>
-              <a:rPr lang="en-US" dirty="0" smtClean="0"/>
+              <a:rPr lang="en-US" dirty="0"/>
               <a:t>Key-value pair storage databases store data as a hash table where each key is unique, and the value can be a JSON, BLOB(Binary Large Objects), string, etc.</a:t>
             </a:r>
           </a:p>
@@ -5728,10 +5667,9 @@
               </a:lnSpc>
             </a:pPr>
             <a:r>
-              <a:rPr lang="en-US" dirty="0" smtClean="0"/>
+              <a:rPr lang="en-US" dirty="0"/>
               <a:t>For example, a key-value pair may contain a key like “Website” associated with a value like “google”.</a:t>
             </a:r>
-            <a:endParaRPr lang="en-US" dirty="0"/>
           </a:p>
         </p:txBody>
       </p:sp>
@@ -5850,13 +5788,6 @@
   <p:clrMapOvr>
     <a:masterClrMapping/>
   </p:clrMapOvr>
-  <p:timing>
-    <p:tnLst>
-      <p:par>
-        <p:cTn id="1" dur="indefinite" restart="never" nodeType="tmRoot"/>
-      </p:par>
-    </p:tnLst>
-  </p:timing>
 </p:sld>
 </file>
 
@@ -5899,7 +5830,7 @@
           <a:lstStyle/>
           <a:p>
             <a:r>
-              <a:rPr lang="en-US" sz="2000" b="1" dirty="0" smtClean="0"/>
+              <a:rPr lang="en-US" sz="2000" b="1" dirty="0"/>
               <a:t>Column-based</a:t>
             </a:r>
           </a:p>
@@ -5910,18 +5841,17 @@
               </a:lnSpc>
             </a:pPr>
             <a:r>
-              <a:rPr lang="en-US" dirty="0" smtClean="0"/>
+              <a:rPr lang="en-US" dirty="0"/>
               <a:t>Column-oriented databases work on columns and are based on </a:t>
             </a:r>
             <a:r>
-              <a:rPr lang="en-US" dirty="0" err="1" smtClean="0"/>
+              <a:rPr lang="en-US" dirty="0" err="1"/>
               <a:t>BigTable</a:t>
             </a:r>
             <a:r>
-              <a:rPr lang="en-US" dirty="0" smtClean="0"/>
+              <a:rPr lang="en-US" dirty="0"/>
               <a:t> paper by Google. Every column is treated separately. Values of single column databases are stored contiguously.</a:t>
             </a:r>
-            <a:endParaRPr lang="en-US" dirty="0"/>
           </a:p>
         </p:txBody>
       </p:sp>
@@ -6023,7 +5953,7 @@
               <a:buChar char="•"/>
             </a:pPr>
             <a:r>
-              <a:rPr lang="en-IN" dirty="0" smtClean="0"/>
+              <a:rPr lang="en-IN" dirty="0"/>
               <a:t>They deliver high performance on aggregation queries like SUM, COUNT, AVG, MIN etc. as the data is readily available in a column.</a:t>
             </a:r>
           </a:p>
@@ -6036,42 +5966,41 @@
               <a:buChar char="•"/>
             </a:pPr>
             <a:r>
-              <a:rPr lang="en-IN" dirty="0" smtClean="0"/>
+              <a:rPr lang="en-IN" dirty="0"/>
               <a:t>Column-based NoSQL databases are widely used to manage data warehouses, business intelligence, CRM, Library card </a:t>
             </a:r>
             <a:r>
-              <a:rPr lang="en-IN" dirty="0" err="1" smtClean="0"/>
+              <a:rPr lang="en-IN" dirty="0" err="1"/>
               <a:t>catalogs</a:t>
             </a:r>
             <a:r>
-              <a:rPr lang="en-IN" dirty="0" smtClean="0"/>
+              <a:rPr lang="en-IN" dirty="0"/>
               <a:t> , </a:t>
             </a:r>
             <a:r>
-              <a:rPr lang="en-IN" dirty="0" err="1" smtClean="0"/>
+              <a:rPr lang="en-IN" dirty="0" err="1"/>
               <a:t>HBase</a:t>
             </a:r>
             <a:r>
-              <a:rPr lang="en-IN" dirty="0" smtClean="0"/>
+              <a:rPr lang="en-IN" dirty="0"/>
               <a:t>, Cassandra, </a:t>
             </a:r>
             <a:r>
-              <a:rPr lang="en-IN" dirty="0" err="1" smtClean="0"/>
+              <a:rPr lang="en-IN" dirty="0" err="1"/>
               <a:t>HBase</a:t>
             </a:r>
             <a:r>
-              <a:rPr lang="en-IN" dirty="0" smtClean="0"/>
+              <a:rPr lang="en-IN" dirty="0"/>
               <a:t>, </a:t>
             </a:r>
             <a:r>
-              <a:rPr lang="en-IN" dirty="0" err="1" smtClean="0"/>
+              <a:rPr lang="en-IN" dirty="0" err="1"/>
               <a:t>Hypertable</a:t>
             </a:r>
             <a:r>
-              <a:rPr lang="en-IN" dirty="0" smtClean="0"/>
+              <a:rPr lang="en-IN" dirty="0"/>
               <a:t> are NoSQL query examples of column based database</a:t>
             </a:r>
-            <a:endParaRPr lang="en-IN" dirty="0"/>
           </a:p>
         </p:txBody>
       </p:sp>
@@ -6085,13 +6014,6 @@
   <p:clrMapOvr>
     <a:masterClrMapping/>
   </p:clrMapOvr>
-  <p:timing>
-    <p:tnLst>
-      <p:par>
-        <p:cTn id="1" dur="indefinite" restart="never" nodeType="tmRoot"/>
-      </p:par>
-    </p:tnLst>
-  </p:timing>
 </p:sld>
 </file>
 
@@ -6134,7 +6056,7 @@
           <a:lstStyle/>
           <a:p>
             <a:r>
-              <a:rPr lang="en-US" sz="2000" b="1" dirty="0" smtClean="0"/>
+              <a:rPr lang="en-US" sz="2000" b="1" dirty="0"/>
               <a:t>Document-Oriented:</a:t>
             </a:r>
           </a:p>
@@ -6145,7 +6067,7 @@
               </a:lnSpc>
             </a:pPr>
             <a:r>
-              <a:rPr lang="en-US" dirty="0" smtClean="0"/>
+              <a:rPr lang="en-US" dirty="0"/>
               <a:t>Document-Oriented NoSQL DB stores and retrieves data as a key value pair but the value part is stored as a document. The document is stored in JSON or XML formats. The value is understood by the DB and can be queried.</a:t>
             </a:r>
             <a:endParaRPr lang="en-IN" dirty="0"/>
@@ -6231,13 +6153,6 @@
   <p:clrMapOvr>
     <a:masterClrMapping/>
   </p:clrMapOvr>
-  <p:timing>
-    <p:tnLst>
-      <p:par>
-        <p:cTn id="1" dur="indefinite" restart="never" nodeType="tmRoot"/>
-      </p:par>
-    </p:tnLst>
-  </p:timing>
 </p:sld>
 </file>
 
@@ -6347,13 +6262,6 @@
   <p:clrMapOvr>
     <a:masterClrMapping/>
   </p:clrMapOvr>
-  <p:timing>
-    <p:tnLst>
-      <p:par>
-        <p:cTn id="1" dur="indefinite" restart="never" nodeType="tmRoot"/>
-      </p:par>
-    </p:tnLst>
-  </p:timing>
 </p:sld>
 </file>
 
@@ -6396,7 +6304,7 @@
           <a:lstStyle/>
           <a:p>
             <a:r>
-              <a:rPr lang="en-US" b="1" dirty="0" smtClean="0"/>
+              <a:rPr lang="en-US" b="1" dirty="0"/>
               <a:t>Graph-Based</a:t>
             </a:r>
           </a:p>
@@ -6538,13 +6446,6 @@
   <p:clrMapOvr>
     <a:masterClrMapping/>
   </p:clrMapOvr>
-  <p:timing>
-    <p:tnLst>
-      <p:par>
-        <p:cTn id="1" dur="indefinite" restart="never" nodeType="tmRoot"/>
-      </p:par>
-    </p:tnLst>
-  </p:timing>
 </p:sld>
 </file>
 
@@ -6593,11 +6494,7 @@
             </a:pPr>
             <a:r>
               <a:rPr lang="en-US" b="1" dirty="0"/>
-              <a:t>Query Mechanism tools for </a:t>
-            </a:r>
-            <a:r>
-              <a:rPr lang="en-US" b="1" dirty="0" smtClean="0"/>
-              <a:t>NoSQL</a:t>
+              <a:t>Query Mechanism tools for NoSQL</a:t>
             </a:r>
           </a:p>
           <a:p>
@@ -6659,13 +6556,6 @@
   <p:clrMapOvr>
     <a:masterClrMapping/>
   </p:clrMapOvr>
-  <p:timing>
-    <p:tnLst>
-      <p:par>
-        <p:cTn id="1" dur="indefinite" restart="never" nodeType="tmRoot"/>
-      </p:par>
-    </p:tnLst>
-  </p:timing>
 </p:sld>
 </file>
 
@@ -6772,11 +6662,7 @@
             </a:pPr>
             <a:r>
               <a:rPr lang="en-US" dirty="0"/>
-              <a:t>Partition </a:t>
-            </a:r>
-            <a:r>
-              <a:rPr lang="en-US" dirty="0" smtClean="0"/>
-              <a:t>Tolerance</a:t>
+              <a:t>Partition Tolerance</a:t>
             </a:r>
           </a:p>
           <a:p>
@@ -6786,7 +6672,7 @@
               </a:lnSpc>
             </a:pPr>
             <a:r>
-              <a:rPr lang="en-US" b="1" dirty="0" smtClean="0"/>
+              <a:rPr lang="en-US" b="1" dirty="0"/>
               <a:t>Consistency:</a:t>
             </a:r>
             <a:endParaRPr lang="en-US" dirty="0"/>
@@ -6815,13 +6701,6 @@
   <p:clrMapOvr>
     <a:masterClrMapping/>
   </p:clrMapOvr>
-  <p:timing>
-    <p:tnLst>
-      <p:par>
-        <p:cTn id="1" dur="indefinite" restart="never" nodeType="tmRoot"/>
-      </p:par>
-    </p:tnLst>
-  </p:timing>
 </p:sld>
 </file>
 
@@ -6913,13 +6792,6 @@
   <p:clrMapOvr>
     <a:masterClrMapping/>
   </p:clrMapOvr>
-  <p:timing>
-    <p:tnLst>
-      <p:par>
-        <p:cTn id="1" dur="indefinite" restart="never" nodeType="tmRoot"/>
-      </p:par>
-    </p:tnLst>
-  </p:timing>
 </p:sld>
 </file>
 
@@ -7167,13 +7039,6 @@
   <p:clrMapOvr>
     <a:masterClrMapping/>
   </p:clrMapOvr>
-  <p:timing>
-    <p:tnLst>
-      <p:par>
-        <p:cTn id="1" dur="indefinite" restart="never" nodeType="tmRoot"/>
-      </p:par>
-    </p:tnLst>
-  </p:timing>
 </p:sld>
 </file>
 
@@ -7336,13 +7201,6 @@
   <p:clrMapOvr>
     <a:masterClrMapping/>
   </p:clrMapOvr>
-  <p:timing>
-    <p:tnLst>
-      <p:par>
-        <p:cTn id="1" dur="indefinite" restart="never" nodeType="tmRoot"/>
-      </p:par>
-    </p:tnLst>
-  </p:timing>
 </p:sld>
 </file>
 
@@ -7414,13 +7272,6 @@
   <p:clrMapOvr>
     <a:masterClrMapping/>
   </p:clrMapOvr>
-  <p:timing>
-    <p:tnLst>
-      <p:par>
-        <p:cTn id="1" dur="indefinite" restart="never" nodeType="tmRoot"/>
-      </p:par>
-    </p:tnLst>
-  </p:timing>
 </p:sld>
 </file>
 
@@ -7672,13 +7523,8 @@
             </a:pPr>
             <a:r>
               <a:rPr lang="en-US" dirty="0"/>
-              <a:t>Offers a flexible schema design which can easily be altered without downtime or service </a:t>
-            </a:r>
-            <a:r>
-              <a:rPr lang="en-US" dirty="0" smtClean="0"/>
-              <a:t>disruption</a:t>
-            </a:r>
-            <a:endParaRPr lang="en-US" dirty="0"/>
+              <a:t>Offers a flexible schema design which can easily be altered without downtime or service disruption</a:t>
+            </a:r>
           </a:p>
         </p:txBody>
       </p:sp>
@@ -7692,13 +7538,6 @@
   <p:clrMapOvr>
     <a:masterClrMapping/>
   </p:clrMapOvr>
-  <p:timing>
-    <p:tnLst>
-      <p:par>
-        <p:cTn id="1" dur="indefinite" restart="never" nodeType="tmRoot"/>
-      </p:par>
-    </p:tnLst>
-  </p:timing>
 </p:sld>
 </file>
 
@@ -7867,13 +7706,6 @@
   <p:clrMapOvr>
     <a:masterClrMapping/>
   </p:clrMapOvr>
-  <p:timing>
-    <p:tnLst>
-      <p:par>
-        <p:cTn id="1" dur="indefinite" restart="never" nodeType="tmRoot"/>
-      </p:par>
-    </p:tnLst>
-  </p:timing>
 </p:sld>
 </file>
 
@@ -7915,10 +7747,9 @@
           <a:lstStyle/>
           <a:p>
             <a:r>
-              <a:rPr lang="en-US" dirty="0" smtClean="0"/>
+              <a:rPr lang="en-US" dirty="0"/>
               <a:t>CAP Theorem</a:t>
             </a:r>
-            <a:endParaRPr lang="en-US" dirty="0"/>
           </a:p>
         </p:txBody>
       </p:sp>
@@ -7973,12 +7804,12 @@
               <a:buChar char="•"/>
             </a:pPr>
             <a:r>
-              <a:rPr lang="en-US" sz="2800" dirty="0" smtClean="0"/>
+              <a:rPr lang="en-US" sz="2800" dirty="0"/>
               <a:t>Conjectured by Prof. Eric Brewer at PODC (Principle of Distributed Computing) 2000 keynote talk</a:t>
             </a:r>
           </a:p>
           <a:p>
-            <a:endParaRPr lang="en-US" sz="2800" dirty="0" smtClean="0"/>
+            <a:endParaRPr lang="en-US" sz="2800" dirty="0"/>
           </a:p>
           <a:p>
             <a:pPr marL="285750" indent="-285750">
@@ -7986,16 +7817,16 @@
               <a:buChar char="•"/>
             </a:pPr>
             <a:r>
-              <a:rPr lang="en-US" sz="2800" dirty="0" smtClean="0"/>
+              <a:rPr lang="en-US" sz="2800" dirty="0"/>
               <a:t>Described the </a:t>
             </a:r>
             <a:r>
-              <a:rPr lang="en-US" sz="2800" i="1" dirty="0" smtClean="0"/>
+              <a:rPr lang="en-US" sz="2800" i="1" dirty="0"/>
               <a:t>trade-offs involved in distributed system</a:t>
             </a:r>
           </a:p>
           <a:p>
-            <a:endParaRPr lang="en-US" sz="2800" dirty="0" smtClean="0"/>
+            <a:endParaRPr lang="en-US" sz="2800" dirty="0"/>
           </a:p>
           <a:p>
             <a:pPr marL="285750" indent="-285750">
@@ -8003,15 +7834,15 @@
               <a:buChar char="•"/>
             </a:pPr>
             <a:r>
-              <a:rPr lang="en-US" sz="2800" dirty="0" smtClean="0"/>
+              <a:rPr lang="en-US" sz="2800" dirty="0"/>
               <a:t>It is impossible for a web service to provide following </a:t>
             </a:r>
             <a:r>
-              <a:rPr lang="en-US" sz="2800" i="1" dirty="0" smtClean="0"/>
+              <a:rPr lang="en-US" sz="2800" i="1" dirty="0"/>
               <a:t>three guarantees at the same time</a:t>
             </a:r>
             <a:r>
-              <a:rPr lang="en-US" sz="2800" dirty="0" smtClean="0"/>
+              <a:rPr lang="en-US" sz="2800" dirty="0"/>
               <a:t>:</a:t>
             </a:r>
           </a:p>
@@ -8021,7 +7852,7 @@
               <a:buChar char="•"/>
             </a:pPr>
             <a:r>
-              <a:rPr lang="en-US" sz="2800" b="1" dirty="0" smtClean="0"/>
+              <a:rPr lang="en-US" sz="2800" b="1" dirty="0"/>
               <a:t>Consistency</a:t>
             </a:r>
           </a:p>
@@ -8031,7 +7862,7 @@
               <a:buChar char="•"/>
             </a:pPr>
             <a:r>
-              <a:rPr lang="en-US" sz="2800" b="1" dirty="0" smtClean="0"/>
+              <a:rPr lang="en-US" sz="2800" b="1" dirty="0"/>
               <a:t>Availability</a:t>
             </a:r>
           </a:p>
@@ -8041,10 +7872,9 @@
               <a:buChar char="•"/>
             </a:pPr>
             <a:r>
-              <a:rPr lang="en-US" sz="2800" b="1" dirty="0" smtClean="0"/>
+              <a:rPr lang="en-US" sz="2800" b="1" dirty="0"/>
               <a:t>Partition-tolerance  </a:t>
             </a:r>
-            <a:endParaRPr lang="en-US" sz="2800" b="1" dirty="0"/>
           </a:p>
         </p:txBody>
       </p:sp>
@@ -8058,13 +7888,6 @@
   <p:clrMapOvr>
     <a:masterClrMapping/>
   </p:clrMapOvr>
-  <p:timing>
-    <p:tnLst>
-      <p:par>
-        <p:cTn id="1" dur="indefinite" restart="never" nodeType="tmRoot"/>
-      </p:par>
-    </p:tnLst>
-  </p:timing>
 </p:sld>
 </file>
 
@@ -8101,10 +7924,9 @@
           <a:lstStyle/>
           <a:p>
             <a:r>
-              <a:rPr lang="en-US" dirty="0" smtClean="0"/>
+              <a:rPr lang="en-US" dirty="0"/>
               <a:t>CAP Theorem</a:t>
             </a:r>
-            <a:endParaRPr lang="en-US" dirty="0"/>
           </a:p>
         </p:txBody>
       </p:sp>
@@ -8126,62 +7948,62 @@
           <a:lstStyle/>
           <a:p>
             <a:r>
-              <a:rPr lang="en-US" b="1" u="sng" dirty="0" smtClean="0"/>
+              <a:rPr lang="en-US" b="1" u="sng" dirty="0"/>
               <a:t>C</a:t>
             </a:r>
             <a:r>
-              <a:rPr lang="en-US" dirty="0" smtClean="0"/>
+              <a:rPr lang="en-US" dirty="0"/>
               <a:t>onsistency:</a:t>
             </a:r>
           </a:p>
           <a:p>
             <a:pPr lvl="1"/>
             <a:r>
-              <a:rPr lang="en-US" dirty="0" smtClean="0"/>
+              <a:rPr lang="en-US" dirty="0"/>
               <a:t>All nodes should see the same data at the same time</a:t>
             </a:r>
           </a:p>
           <a:p>
             <a:r>
-              <a:rPr lang="en-US" b="1" u="sng" dirty="0" smtClean="0"/>
+              <a:rPr lang="en-US" b="1" u="sng" dirty="0"/>
               <a:t>A</a:t>
             </a:r>
             <a:r>
-              <a:rPr lang="en-US" dirty="0" smtClean="0"/>
+              <a:rPr lang="en-US" dirty="0"/>
               <a:t>vailability:</a:t>
             </a:r>
           </a:p>
           <a:p>
             <a:pPr lvl="1"/>
             <a:r>
-              <a:rPr lang="en-US" dirty="0" smtClean="0"/>
+              <a:rPr lang="en-US" dirty="0"/>
               <a:t>Node failures do not prevent survivors from continuing to operate</a:t>
             </a:r>
           </a:p>
           <a:p>
             <a:r>
-              <a:rPr lang="en-US" b="1" u="sng" dirty="0" smtClean="0"/>
+              <a:rPr lang="en-US" b="1" u="sng" dirty="0"/>
               <a:t>P</a:t>
             </a:r>
             <a:r>
-              <a:rPr lang="en-US" dirty="0" smtClean="0"/>
+              <a:rPr lang="en-US" dirty="0"/>
               <a:t>artition-tolerance:</a:t>
             </a:r>
           </a:p>
           <a:p>
             <a:pPr lvl="1"/>
             <a:r>
-              <a:rPr lang="en-US" dirty="0" smtClean="0"/>
+              <a:rPr lang="en-US" dirty="0"/>
               <a:t>The system continues to operate despite network partitions</a:t>
             </a:r>
           </a:p>
           <a:p>
             <a:r>
-              <a:rPr lang="en-US" dirty="0" smtClean="0"/>
+              <a:rPr lang="en-US" dirty="0"/>
               <a:t>A distributed system can satisfy any two of these guarantees at the same time </a:t>
             </a:r>
             <a:r>
-              <a:rPr lang="en-US" b="1" dirty="0" smtClean="0"/>
+              <a:rPr lang="en-US" b="1" dirty="0"/>
               <a:t>but not all three</a:t>
             </a:r>
           </a:p>
@@ -8189,7 +8011,7 @@
             <a:pPr marL="457200" lvl="1" indent="0">
               <a:buNone/>
             </a:pPr>
-            <a:endParaRPr lang="en-US" dirty="0" smtClean="0"/>
+            <a:endParaRPr lang="en-US" dirty="0"/>
           </a:p>
         </p:txBody>
       </p:sp>
@@ -8203,13 +8025,6 @@
   <p:clrMapOvr>
     <a:masterClrMapping/>
   </p:clrMapOvr>
-  <p:timing>
-    <p:tnLst>
-      <p:par>
-        <p:cTn id="1" dur="indefinite" restart="never" nodeType="tmRoot"/>
-      </p:par>
-    </p:tnLst>
-  </p:timing>
 </p:sld>
 </file>
 
@@ -8251,10 +8066,9 @@
           <a:lstStyle/>
           <a:p>
             <a:r>
-              <a:rPr lang="en-US" dirty="0" smtClean="0"/>
+              <a:rPr lang="en-US" dirty="0"/>
               <a:t>CAP Theorem</a:t>
             </a:r>
-            <a:endParaRPr lang="en-US" dirty="0"/>
           </a:p>
         </p:txBody>
       </p:sp>
@@ -8348,10 +8162,9 @@
           <a:p>
             <a:pPr algn="ctr"/>
             <a:r>
-              <a:rPr lang="en-US" sz="6000" b="1" dirty="0" smtClean="0"/>
+              <a:rPr lang="en-US" sz="6000" b="1" dirty="0"/>
               <a:t>A</a:t>
             </a:r>
-            <a:endParaRPr lang="en-US" sz="6000" b="1" dirty="0"/>
           </a:p>
         </p:txBody>
       </p:sp>
@@ -8404,10 +8217,9 @@
           <a:p>
             <a:pPr algn="ctr"/>
             <a:r>
-              <a:rPr lang="en-US" sz="6000" b="1" dirty="0" smtClean="0"/>
+              <a:rPr lang="en-US" sz="6000" b="1" dirty="0"/>
               <a:t>P</a:t>
             </a:r>
-            <a:endParaRPr lang="en-US" sz="6000" b="1" dirty="0"/>
           </a:p>
         </p:txBody>
       </p:sp>
@@ -8462,13 +8274,6 @@
   <p:clrMapOvr>
     <a:masterClrMapping/>
   </p:clrMapOvr>
-  <p:timing>
-    <p:tnLst>
-      <p:par>
-        <p:cTn id="1" dur="indefinite" restart="never" nodeType="tmRoot"/>
-      </p:par>
-    </p:tnLst>
-  </p:timing>
 </p:sld>
 </file>
 
@@ -8505,10 +8310,9 @@
           <a:lstStyle/>
           <a:p>
             <a:r>
-              <a:rPr lang="en-US" dirty="0" smtClean="0"/>
+              <a:rPr lang="en-US" dirty="0"/>
               <a:t>CAP Theorem</a:t>
             </a:r>
-            <a:endParaRPr lang="en-US" dirty="0"/>
           </a:p>
         </p:txBody>
       </p:sp>
@@ -8533,10 +8337,9 @@
           <a:lstStyle/>
           <a:p>
             <a:r>
-              <a:rPr lang="en-US" dirty="0" smtClean="0"/>
+              <a:rPr lang="en-US" dirty="0"/>
               <a:t>A simple example:</a:t>
             </a:r>
-            <a:endParaRPr lang="en-US" dirty="0"/>
           </a:p>
         </p:txBody>
       </p:sp>
@@ -8563,14 +8366,13 @@
           <a:lstStyle/>
           <a:p>
             <a:r>
-              <a:rPr lang="en-US" sz="2800" b="1" dirty="0" smtClean="0"/>
+              <a:rPr lang="en-US" sz="2800" b="1" dirty="0"/>
               <a:t>Hotel Booking</a:t>
             </a:r>
             <a:r>
-              <a:rPr lang="en-US" sz="2800" dirty="0" smtClean="0"/>
+              <a:rPr lang="en-US" sz="2800" dirty="0"/>
               <a:t>: are we double-booking the same room?</a:t>
             </a:r>
-            <a:endParaRPr lang="en-US" sz="2800" dirty="0"/>
           </a:p>
         </p:txBody>
       </p:sp>
@@ -8597,10 +8399,9 @@
           <a:lstStyle/>
           <a:p>
             <a:r>
-              <a:rPr lang="en-US" sz="2800" dirty="0" smtClean="0"/>
+              <a:rPr lang="en-US" sz="2800" dirty="0"/>
               <a:t>Bob</a:t>
             </a:r>
-            <a:endParaRPr lang="en-US" sz="2800" dirty="0"/>
           </a:p>
         </p:txBody>
       </p:sp>
@@ -8627,10 +8428,9 @@
           <a:lstStyle/>
           <a:p>
             <a:r>
-              <a:rPr lang="en-US" sz="2800" dirty="0" smtClean="0"/>
+              <a:rPr lang="en-US" sz="2800" dirty="0"/>
               <a:t>Dong</a:t>
             </a:r>
-            <a:endParaRPr lang="en-US" sz="2800" dirty="0"/>
           </a:p>
         </p:txBody>
       </p:sp>
@@ -9172,10 +8972,9 @@
           <a:lstStyle/>
           <a:p>
             <a:r>
-              <a:rPr lang="en-US" dirty="0" smtClean="0"/>
+              <a:rPr lang="en-US" dirty="0"/>
               <a:t>CAP Theorem</a:t>
             </a:r>
-            <a:endParaRPr lang="en-US" dirty="0"/>
           </a:p>
         </p:txBody>
       </p:sp>
@@ -9200,10 +8999,9 @@
           <a:lstStyle/>
           <a:p>
             <a:r>
-              <a:rPr lang="en-US" dirty="0" smtClean="0"/>
+              <a:rPr lang="en-US" dirty="0"/>
               <a:t>A simple example:</a:t>
             </a:r>
-            <a:endParaRPr lang="en-US" dirty="0"/>
           </a:p>
         </p:txBody>
       </p:sp>
@@ -9230,14 +9028,13 @@
           <a:lstStyle/>
           <a:p>
             <a:r>
-              <a:rPr lang="en-US" sz="2800" b="1" dirty="0" smtClean="0"/>
+              <a:rPr lang="en-US" sz="2800" b="1" dirty="0"/>
               <a:t>Hotel Booking</a:t>
             </a:r>
             <a:r>
-              <a:rPr lang="en-US" sz="2800" dirty="0" smtClean="0"/>
+              <a:rPr lang="en-US" sz="2800" dirty="0"/>
               <a:t>: are we double-booking the same room?</a:t>
             </a:r>
-            <a:endParaRPr lang="en-US" sz="2800" dirty="0"/>
           </a:p>
         </p:txBody>
       </p:sp>
@@ -9264,10 +9061,9 @@
           <a:lstStyle/>
           <a:p>
             <a:r>
-              <a:rPr lang="en-US" sz="2800" dirty="0" smtClean="0"/>
+              <a:rPr lang="en-US" sz="2800" dirty="0"/>
               <a:t>Bob</a:t>
             </a:r>
-            <a:endParaRPr lang="en-US" sz="2800" dirty="0"/>
           </a:p>
         </p:txBody>
       </p:sp>
@@ -9294,10 +9090,9 @@
           <a:lstStyle/>
           <a:p>
             <a:r>
-              <a:rPr lang="en-US" sz="2800" dirty="0" smtClean="0"/>
+              <a:rPr lang="en-US" sz="2800" dirty="0"/>
               <a:t>Dong</a:t>
             </a:r>
-            <a:endParaRPr lang="en-US" sz="2800" dirty="0"/>
           </a:p>
         </p:txBody>
       </p:sp>
@@ -9772,13 +9567,6 @@
   <p:clrMapOvr>
     <a:masterClrMapping/>
   </p:clrMapOvr>
-  <p:timing>
-    <p:tnLst>
-      <p:par>
-        <p:cTn id="1" dur="indefinite" restart="never" nodeType="tmRoot"/>
-      </p:par>
-    </p:tnLst>
-  </p:timing>
 </p:sld>
 </file>
 
@@ -9815,10 +9603,9 @@
           <a:lstStyle/>
           <a:p>
             <a:r>
-              <a:rPr lang="en-US" dirty="0" smtClean="0"/>
+              <a:rPr lang="en-US" dirty="0"/>
               <a:t>CAP Theorem</a:t>
             </a:r>
-            <a:endParaRPr lang="en-US" dirty="0"/>
           </a:p>
         </p:txBody>
       </p:sp>
@@ -9843,10 +9630,9 @@
           <a:lstStyle/>
           <a:p>
             <a:r>
-              <a:rPr lang="en-US" dirty="0" smtClean="0"/>
+              <a:rPr lang="en-US" dirty="0"/>
               <a:t>A simple example:</a:t>
             </a:r>
-            <a:endParaRPr lang="en-US" dirty="0"/>
           </a:p>
         </p:txBody>
       </p:sp>
@@ -9873,14 +9659,13 @@
           <a:lstStyle/>
           <a:p>
             <a:r>
-              <a:rPr lang="en-US" sz="2800" b="1" dirty="0" smtClean="0"/>
+              <a:rPr lang="en-US" sz="2800" b="1" dirty="0"/>
               <a:t>Hotel Booking</a:t>
             </a:r>
             <a:r>
-              <a:rPr lang="en-US" sz="2800" dirty="0" smtClean="0"/>
+              <a:rPr lang="en-US" sz="2800" dirty="0"/>
               <a:t>: are we double-booking the same room?</a:t>
             </a:r>
-            <a:endParaRPr lang="en-US" sz="2800" dirty="0"/>
           </a:p>
         </p:txBody>
       </p:sp>
@@ -9907,10 +9692,9 @@
           <a:lstStyle/>
           <a:p>
             <a:r>
-              <a:rPr lang="en-US" sz="2800" dirty="0" smtClean="0"/>
+              <a:rPr lang="en-US" sz="2800" dirty="0"/>
               <a:t>Bob</a:t>
             </a:r>
-            <a:endParaRPr lang="en-US" sz="2800" dirty="0"/>
           </a:p>
         </p:txBody>
       </p:sp>
@@ -9937,10 +9721,9 @@
           <a:lstStyle/>
           <a:p>
             <a:r>
-              <a:rPr lang="en-US" sz="2800" dirty="0" smtClean="0"/>
+              <a:rPr lang="en-US" sz="2800" dirty="0"/>
               <a:t>Dong</a:t>
             </a:r>
-            <a:endParaRPr lang="en-US" sz="2800" dirty="0"/>
           </a:p>
         </p:txBody>
       </p:sp>
@@ -10371,13 +10154,6 @@
   <p:clrMapOvr>
     <a:masterClrMapping/>
   </p:clrMapOvr>
-  <p:timing>
-    <p:tnLst>
-      <p:par>
-        <p:cTn id="1" dur="indefinite" restart="never" nodeType="tmRoot"/>
-      </p:par>
-    </p:tnLst>
-  </p:timing>
 </p:sld>
 </file>
 
@@ -10427,7 +10203,7 @@
               <a:buChar char="•"/>
             </a:pPr>
             <a:r>
-              <a:rPr lang="en-US" dirty="0" smtClean="0"/>
+              <a:rPr lang="en-US" dirty="0"/>
               <a:t>NoSQL Database is a non-relational Data Management System, that does not require a fixed schema. It avoids joins, and is easy to scale.</a:t>
             </a:r>
           </a:p>
@@ -10440,7 +10216,7 @@
               <a:buChar char="•"/>
             </a:pPr>
             <a:r>
-              <a:rPr lang="en-US" dirty="0" smtClean="0"/>
+              <a:rPr lang="en-US" dirty="0"/>
               <a:t>NoSQL is used for Big data and real-time web apps.</a:t>
             </a:r>
           </a:p>
@@ -10453,7 +10229,7 @@
               <a:buChar char="•"/>
             </a:pPr>
             <a:r>
-              <a:rPr lang="en-US" dirty="0" smtClean="0"/>
+              <a:rPr lang="en-US" dirty="0"/>
               <a:t>For example, companies like Twitter, Facebook and Google collect terabytes of user data every single day.</a:t>
             </a:r>
             <a:endParaRPr lang="en-IN" dirty="0"/>
@@ -10470,13 +10246,6 @@
   <p:clrMapOvr>
     <a:masterClrMapping/>
   </p:clrMapOvr>
-  <p:timing>
-    <p:tnLst>
-      <p:par>
-        <p:cTn id="1" dur="indefinite" restart="never" nodeType="tmRoot"/>
-      </p:par>
-    </p:tnLst>
-  </p:timing>
 </p:sld>
 </file>
 
@@ -10513,10 +10282,9 @@
           <a:lstStyle/>
           <a:p>
             <a:r>
-              <a:rPr lang="en-US" dirty="0" smtClean="0"/>
+              <a:rPr lang="en-US" dirty="0"/>
               <a:t>CAP Theorem: Proof</a:t>
             </a:r>
-            <a:endParaRPr lang="en-US" dirty="0"/>
           </a:p>
         </p:txBody>
       </p:sp>
@@ -10543,7 +10311,7 @@
           <a:lstStyle/>
           <a:p>
             <a:r>
-              <a:rPr lang="en-US" dirty="0" smtClean="0"/>
+              <a:rPr lang="en-US" dirty="0"/>
               <a:t>2002: Proven by research conducted by Nancy Lynch and Seth Gilbert at MIT</a:t>
             </a:r>
           </a:p>
@@ -10599,10 +10367,9 @@
           <a:lstStyle/>
           <a:p>
             <a:r>
-              <a:rPr lang="en-US" sz="2400" dirty="0" smtClean="0"/>
+              <a:rPr lang="en-US" sz="2400" dirty="0"/>
               <a:t>Gilbert, Seth, and Nancy Lynch. "Brewer's conjecture and  the feasibility of consistent, available, partition-tolerant web services." ACM SIGACT News 33.2 (2002): 51-59.</a:t>
             </a:r>
-            <a:endParaRPr lang="en-US" sz="2400" dirty="0"/>
           </a:p>
         </p:txBody>
       </p:sp>
@@ -10616,13 +10383,6 @@
   <p:clrMapOvr>
     <a:masterClrMapping/>
   </p:clrMapOvr>
-  <p:timing>
-    <p:tnLst>
-      <p:par>
-        <p:cTn id="1" dur="indefinite" restart="never" nodeType="tmRoot"/>
-      </p:par>
-    </p:tnLst>
-  </p:timing>
 </p:sld>
 </file>
 
@@ -10659,10 +10419,9 @@
           <a:lstStyle/>
           <a:p>
             <a:r>
-              <a:rPr lang="en-US" dirty="0" smtClean="0"/>
+              <a:rPr lang="en-US" dirty="0"/>
               <a:t>CAP Theorem: Proof</a:t>
             </a:r>
-            <a:endParaRPr lang="en-US" dirty="0"/>
           </a:p>
         </p:txBody>
       </p:sp>
@@ -10689,7 +10448,7 @@
           <a:lstStyle/>
           <a:p>
             <a:r>
-              <a:rPr lang="en-US" dirty="0" smtClean="0"/>
+              <a:rPr lang="en-US" dirty="0"/>
               <a:t>A simple proof using two nodes:</a:t>
             </a:r>
           </a:p>
@@ -10733,18 +10492,13 @@
           <a:p>
             <a:pPr algn="ctr"/>
             <a:r>
-              <a:rPr lang="en-US" sz="3200" dirty="0" smtClean="0">
+              <a:rPr lang="en-US" sz="3200" dirty="0">
                 <a:solidFill>
                   <a:schemeClr val="tx1"/>
                 </a:solidFill>
               </a:rPr>
               <a:t>A</a:t>
             </a:r>
-            <a:endParaRPr lang="en-US" sz="3200" dirty="0">
-              <a:solidFill>
-                <a:schemeClr val="tx1"/>
-              </a:solidFill>
-            </a:endParaRPr>
           </a:p>
         </p:txBody>
       </p:sp>
@@ -10783,18 +10537,13 @@
           <a:p>
             <a:pPr algn="ctr"/>
             <a:r>
-              <a:rPr lang="en-US" sz="3200" dirty="0" smtClean="0">
+              <a:rPr lang="en-US" sz="3200" dirty="0">
                 <a:solidFill>
                   <a:srgbClr val="000000"/>
                 </a:solidFill>
               </a:rPr>
               <a:t>B</a:t>
             </a:r>
-            <a:endParaRPr lang="en-US" sz="3200" dirty="0">
-              <a:solidFill>
-                <a:srgbClr val="000000"/>
-              </a:solidFill>
-            </a:endParaRPr>
           </a:p>
         </p:txBody>
       </p:sp>
@@ -10913,13 +10662,6 @@
   <p:clrMapOvr>
     <a:masterClrMapping/>
   </p:clrMapOvr>
-  <p:timing>
-    <p:tnLst>
-      <p:par>
-        <p:cTn id="1" dur="indefinite" restart="never" nodeType="tmRoot"/>
-      </p:par>
-    </p:tnLst>
-  </p:timing>
 </p:sld>
 </file>
 
@@ -10956,10 +10698,9 @@
           <a:lstStyle/>
           <a:p>
             <a:r>
-              <a:rPr lang="en-US" dirty="0" smtClean="0"/>
+              <a:rPr lang="en-US" dirty="0"/>
               <a:t>CAP Theorem: Proof</a:t>
             </a:r>
-            <a:endParaRPr lang="en-US" dirty="0"/>
           </a:p>
         </p:txBody>
       </p:sp>
@@ -10986,7 +10727,7 @@
           <a:lstStyle/>
           <a:p>
             <a:r>
-              <a:rPr lang="en-US" dirty="0" smtClean="0"/>
+              <a:rPr lang="en-US" dirty="0"/>
               <a:t>A simple proof using two nodes:</a:t>
             </a:r>
           </a:p>
@@ -11030,18 +10771,13 @@
           <a:p>
             <a:pPr algn="ctr"/>
             <a:r>
-              <a:rPr lang="en-US" sz="3200" dirty="0" smtClean="0">
+              <a:rPr lang="en-US" sz="3200" dirty="0">
                 <a:solidFill>
                   <a:srgbClr val="000000"/>
                 </a:solidFill>
               </a:rPr>
               <a:t>A</a:t>
             </a:r>
-            <a:endParaRPr lang="en-US" sz="3200" dirty="0">
-              <a:solidFill>
-                <a:srgbClr val="000000"/>
-              </a:solidFill>
-            </a:endParaRPr>
           </a:p>
         </p:txBody>
       </p:sp>
@@ -11080,18 +10816,13 @@
           <a:p>
             <a:pPr algn="ctr"/>
             <a:r>
-              <a:rPr lang="en-US" sz="3200" dirty="0" smtClean="0">
+              <a:rPr lang="en-US" sz="3200" dirty="0">
                 <a:solidFill>
                   <a:srgbClr val="000000"/>
                 </a:solidFill>
               </a:rPr>
               <a:t>B</a:t>
             </a:r>
-            <a:endParaRPr lang="en-US" sz="3200" dirty="0">
-              <a:solidFill>
-                <a:srgbClr val="000000"/>
-              </a:solidFill>
-            </a:endParaRPr>
           </a:p>
         </p:txBody>
       </p:sp>
@@ -11297,10 +11028,9 @@
           <a:lstStyle/>
           <a:p>
             <a:r>
-              <a:rPr lang="en-US" sz="2800" b="1" u="sng" dirty="0" smtClean="0"/>
+              <a:rPr lang="en-US" sz="2800" b="1" u="sng" dirty="0"/>
               <a:t>Not Consistent!</a:t>
             </a:r>
-            <a:endParaRPr lang="en-US" sz="2800" b="1" u="sng" dirty="0"/>
           </a:p>
         </p:txBody>
       </p:sp>
@@ -11327,10 +11057,9 @@
           <a:lstStyle/>
           <a:p>
             <a:r>
-              <a:rPr lang="en-US" sz="2800" dirty="0" smtClean="0"/>
+              <a:rPr lang="en-US" sz="2800" dirty="0"/>
               <a:t>Respond to client</a:t>
             </a:r>
-            <a:endParaRPr lang="en-US" sz="2800" dirty="0"/>
           </a:p>
         </p:txBody>
       </p:sp>
@@ -11458,10 +11187,9 @@
           <a:lstStyle/>
           <a:p>
             <a:r>
-              <a:rPr lang="en-US" dirty="0" smtClean="0"/>
+              <a:rPr lang="en-US" dirty="0"/>
               <a:t>CAP Theorem: Proof</a:t>
             </a:r>
-            <a:endParaRPr lang="en-US" dirty="0"/>
           </a:p>
         </p:txBody>
       </p:sp>
@@ -11488,7 +11216,7 @@
           <a:lstStyle/>
           <a:p>
             <a:r>
-              <a:rPr lang="en-US" dirty="0" smtClean="0"/>
+              <a:rPr lang="en-US" dirty="0"/>
               <a:t>A simple proof using two nodes:</a:t>
             </a:r>
           </a:p>
@@ -11532,18 +11260,13 @@
           <a:p>
             <a:pPr algn="ctr"/>
             <a:r>
-              <a:rPr lang="en-US" sz="3200" dirty="0" smtClean="0">
+              <a:rPr lang="en-US" sz="3200" dirty="0">
                 <a:solidFill>
                   <a:srgbClr val="000000"/>
                 </a:solidFill>
               </a:rPr>
               <a:t>A</a:t>
             </a:r>
-            <a:endParaRPr lang="en-US" sz="3200" dirty="0">
-              <a:solidFill>
-                <a:srgbClr val="000000"/>
-              </a:solidFill>
-            </a:endParaRPr>
           </a:p>
         </p:txBody>
       </p:sp>
@@ -11582,18 +11305,13 @@
           <a:p>
             <a:pPr algn="ctr"/>
             <a:r>
-              <a:rPr lang="en-US" sz="3200" dirty="0" smtClean="0">
+              <a:rPr lang="en-US" sz="3200" dirty="0">
                 <a:solidFill>
                   <a:srgbClr val="000000"/>
                 </a:solidFill>
               </a:rPr>
               <a:t>B</a:t>
             </a:r>
-            <a:endParaRPr lang="en-US" sz="3200" dirty="0">
-              <a:solidFill>
-                <a:srgbClr val="000000"/>
-              </a:solidFill>
-            </a:endParaRPr>
           </a:p>
         </p:txBody>
       </p:sp>
@@ -11758,10 +11476,9 @@
           <a:lstStyle/>
           <a:p>
             <a:r>
-              <a:rPr lang="en-US" sz="2800" b="1" u="sng" dirty="0" smtClean="0"/>
+              <a:rPr lang="en-US" sz="2800" b="1" u="sng" dirty="0"/>
               <a:t>Not Available!</a:t>
             </a:r>
-            <a:endParaRPr lang="en-US" sz="2800" b="1" u="sng" dirty="0"/>
           </a:p>
         </p:txBody>
       </p:sp>
@@ -11812,10 +11529,9 @@
           <a:lstStyle/>
           <a:p>
             <a:r>
-              <a:rPr lang="en-US" sz="2800" dirty="0" smtClean="0"/>
+              <a:rPr lang="en-US" sz="2800" dirty="0"/>
               <a:t>Wait to be updated</a:t>
             </a:r>
-            <a:endParaRPr lang="en-US" sz="2800" dirty="0"/>
           </a:p>
         </p:txBody>
       </p:sp>
@@ -11943,10 +11659,9 @@
           <a:lstStyle/>
           <a:p>
             <a:r>
-              <a:rPr lang="en-US" dirty="0" smtClean="0"/>
+              <a:rPr lang="en-US" dirty="0"/>
               <a:t>CAP Theorem: Proof</a:t>
             </a:r>
-            <a:endParaRPr lang="en-US" dirty="0"/>
           </a:p>
         </p:txBody>
       </p:sp>
@@ -11973,7 +11688,7 @@
           <a:lstStyle/>
           <a:p>
             <a:r>
-              <a:rPr lang="en-US" dirty="0" smtClean="0"/>
+              <a:rPr lang="en-US" dirty="0"/>
               <a:t>A simple proof using two nodes:</a:t>
             </a:r>
           </a:p>
@@ -12017,18 +11732,13 @@
           <a:p>
             <a:pPr algn="ctr"/>
             <a:r>
-              <a:rPr lang="en-US" sz="3200" dirty="0" smtClean="0">
+              <a:rPr lang="en-US" sz="3200" dirty="0">
                 <a:solidFill>
                   <a:srgbClr val="000000"/>
                 </a:solidFill>
               </a:rPr>
               <a:t>A</a:t>
             </a:r>
-            <a:endParaRPr lang="en-US" sz="3200" dirty="0">
-              <a:solidFill>
-                <a:srgbClr val="000000"/>
-              </a:solidFill>
-            </a:endParaRPr>
           </a:p>
         </p:txBody>
       </p:sp>
@@ -12067,18 +11777,13 @@
           <a:p>
             <a:pPr algn="ctr"/>
             <a:r>
-              <a:rPr lang="en-US" sz="3200" dirty="0" smtClean="0">
+              <a:rPr lang="en-US" sz="3200" dirty="0">
                 <a:solidFill>
                   <a:srgbClr val="000000"/>
                 </a:solidFill>
               </a:rPr>
               <a:t>B</a:t>
             </a:r>
-            <a:endParaRPr lang="en-US" sz="3200" dirty="0">
-              <a:solidFill>
-                <a:srgbClr val="000000"/>
-              </a:solidFill>
-            </a:endParaRPr>
           </a:p>
         </p:txBody>
       </p:sp>
@@ -12212,10 +11917,9 @@
           <a:lstStyle/>
           <a:p>
             <a:r>
-              <a:rPr lang="en-US" sz="2800" b="1" u="sng" dirty="0" smtClean="0"/>
+              <a:rPr lang="en-US" sz="2800" b="1" u="sng" dirty="0"/>
               <a:t>Not Partition Tolerant!</a:t>
             </a:r>
-            <a:endParaRPr lang="en-US" sz="2800" b="1" u="sng" dirty="0"/>
           </a:p>
         </p:txBody>
       </p:sp>
@@ -12242,10 +11946,9 @@
           <a:lstStyle/>
           <a:p>
             <a:r>
-              <a:rPr lang="en-US" sz="2800" dirty="0" smtClean="0"/>
+              <a:rPr lang="en-US" sz="2800" dirty="0"/>
               <a:t>A gets updated from B</a:t>
             </a:r>
-            <a:endParaRPr lang="en-US" sz="2800" dirty="0"/>
           </a:p>
         </p:txBody>
       </p:sp>
@@ -12488,10 +12191,9 @@
           <a:lstStyle/>
           <a:p>
             <a:r>
-              <a:rPr lang="en-US" dirty="0" smtClean="0"/>
+              <a:rPr lang="en-US" dirty="0"/>
               <a:t>Why this is important?</a:t>
             </a:r>
-            <a:endParaRPr lang="en-US" dirty="0"/>
           </a:p>
         </p:txBody>
       </p:sp>
@@ -12518,64 +12220,63 @@
           <a:lstStyle/>
           <a:p>
             <a:r>
-              <a:rPr lang="en-US" dirty="0" smtClean="0"/>
+              <a:rPr lang="en-US" dirty="0"/>
               <a:t>The future of databases is </a:t>
             </a:r>
             <a:r>
-              <a:rPr lang="en-US" b="1" dirty="0" smtClean="0"/>
+              <a:rPr lang="en-US" b="1" dirty="0"/>
               <a:t>distributed</a:t>
             </a:r>
             <a:r>
-              <a:rPr lang="en-US" dirty="0" smtClean="0"/>
+              <a:rPr lang="en-US" dirty="0"/>
               <a:t> (Big Data Trend, etc.)</a:t>
             </a:r>
           </a:p>
           <a:p>
             <a:r>
-              <a:rPr lang="en-US" dirty="0" smtClean="0"/>
+              <a:rPr lang="en-US" dirty="0"/>
               <a:t>CAP theorem describes the </a:t>
             </a:r>
             <a:r>
-              <a:rPr lang="en-US" b="1" dirty="0" smtClean="0"/>
+              <a:rPr lang="en-US" b="1" dirty="0"/>
               <a:t>trade-offs </a:t>
             </a:r>
             <a:r>
-              <a:rPr lang="en-US" dirty="0" smtClean="0"/>
+              <a:rPr lang="en-US" dirty="0"/>
               <a:t>involved in distributed systems</a:t>
             </a:r>
           </a:p>
           <a:p>
             <a:r>
-              <a:rPr lang="en-US" dirty="0" smtClean="0"/>
+              <a:rPr lang="en-US" dirty="0"/>
               <a:t>A proper understanding of CAP theorem is essential to </a:t>
             </a:r>
             <a:r>
-              <a:rPr lang="en-US" b="1" dirty="0" smtClean="0"/>
+              <a:rPr lang="en-US" b="1" dirty="0"/>
               <a:t>making decisions </a:t>
             </a:r>
             <a:r>
-              <a:rPr lang="en-US" dirty="0" smtClean="0"/>
+              <a:rPr lang="en-US" dirty="0"/>
               <a:t>about the future of distributed database </a:t>
             </a:r>
             <a:r>
-              <a:rPr lang="en-US" b="1" dirty="0" smtClean="0"/>
+              <a:rPr lang="en-US" b="1" dirty="0"/>
               <a:t>design</a:t>
             </a:r>
           </a:p>
           <a:p>
             <a:r>
-              <a:rPr lang="en-US" dirty="0" smtClean="0"/>
+              <a:rPr lang="en-US" dirty="0"/>
               <a:t>Misunderstanding can lead to </a:t>
             </a:r>
             <a:r>
-              <a:rPr lang="en-US" b="1" dirty="0" smtClean="0"/>
+              <a:rPr lang="en-US" b="1" dirty="0"/>
               <a:t>erroneous or inappropriate</a:t>
             </a:r>
             <a:r>
-              <a:rPr lang="en-US" dirty="0" smtClean="0"/>
+              <a:rPr lang="en-US" dirty="0"/>
               <a:t> design choices</a:t>
             </a:r>
-            <a:endParaRPr lang="en-US" dirty="0"/>
           </a:p>
         </p:txBody>
       </p:sp>
@@ -12589,13 +12290,6 @@
   <p:clrMapOvr>
     <a:masterClrMapping/>
   </p:clrMapOvr>
-  <p:timing>
-    <p:tnLst>
-      <p:par>
-        <p:cTn id="1" dur="indefinite" restart="never" nodeType="tmRoot"/>
-      </p:par>
-    </p:tnLst>
-  </p:timing>
 </p:sld>
 </file>
 
@@ -12639,10 +12333,9 @@
           <a:lstStyle/>
           <a:p>
             <a:r>
-              <a:rPr lang="en-US" dirty="0" smtClean="0"/>
+              <a:rPr lang="en-US" dirty="0"/>
               <a:t>Problem for Relational Database to Scale</a:t>
             </a:r>
-            <a:endParaRPr lang="en-US" dirty="0"/>
           </a:p>
         </p:txBody>
       </p:sp>
@@ -12662,46 +12355,45 @@
           <a:lstStyle/>
           <a:p>
             <a:r>
-              <a:rPr lang="en-US" dirty="0" smtClean="0"/>
+              <a:rPr lang="en-US" dirty="0"/>
               <a:t>The Relational Database is built on the principle of </a:t>
             </a:r>
             <a:r>
-              <a:rPr lang="en-US" b="1" dirty="0" smtClean="0"/>
+              <a:rPr lang="en-US" b="1" dirty="0"/>
               <a:t>ACID</a:t>
             </a:r>
             <a:r>
-              <a:rPr lang="en-US" dirty="0" smtClean="0"/>
+              <a:rPr lang="en-US" dirty="0"/>
               <a:t> (Atomicity, Consistency, Isolation, Durability)</a:t>
             </a:r>
           </a:p>
           <a:p>
             <a:r>
-              <a:rPr lang="en-US" dirty="0" smtClean="0"/>
+              <a:rPr lang="en-US" dirty="0"/>
               <a:t>It implies that a truly distributed relational database should have </a:t>
             </a:r>
             <a:r>
-              <a:rPr lang="en-US" b="1" dirty="0" smtClean="0"/>
+              <a:rPr lang="en-US" b="1" dirty="0"/>
               <a:t>availability, consistency and partition tolerance</a:t>
             </a:r>
             <a:r>
-              <a:rPr lang="en-US" dirty="0" smtClean="0"/>
+              <a:rPr lang="en-US" dirty="0"/>
               <a:t>.</a:t>
             </a:r>
           </a:p>
           <a:p>
             <a:r>
-              <a:rPr lang="en-US" dirty="0" smtClean="0"/>
+              <a:rPr lang="en-US" dirty="0"/>
               <a:t>Which unfortunately is </a:t>
             </a:r>
             <a:r>
-              <a:rPr lang="en-US" b="1" dirty="0" smtClean="0"/>
+              <a:rPr lang="en-US" b="1" dirty="0"/>
               <a:t>impossible</a:t>
             </a:r>
             <a:r>
-              <a:rPr lang="en-US" dirty="0" smtClean="0"/>
+              <a:rPr lang="en-US" dirty="0"/>
               <a:t> …</a:t>
             </a:r>
-            <a:endParaRPr lang="en-US" dirty="0"/>
           </a:p>
         </p:txBody>
       </p:sp>
@@ -12715,13 +12407,6 @@
   <p:clrMapOvr>
     <a:masterClrMapping/>
   </p:clrMapOvr>
-  <p:timing>
-    <p:tnLst>
-      <p:par>
-        <p:cTn id="1" dur="indefinite" restart="never" nodeType="tmRoot"/>
-      </p:par>
-    </p:tnLst>
-  </p:timing>
 </p:sld>
 </file>
 
@@ -12765,10 +12450,9 @@
           <a:lstStyle/>
           <a:p>
             <a:r>
-              <a:rPr lang="en-US" dirty="0" smtClean="0"/>
+              <a:rPr lang="en-US" dirty="0"/>
               <a:t>Revisit CAP Theorem</a:t>
             </a:r>
-            <a:endParaRPr lang="en-US" dirty="0"/>
           </a:p>
         </p:txBody>
       </p:sp>
@@ -12876,10 +12560,9 @@
             <a:p>
               <a:pPr algn="ctr"/>
               <a:r>
-                <a:rPr lang="en-US" sz="6000" b="1" dirty="0" smtClean="0"/>
+                <a:rPr lang="en-US" sz="6000" b="1" dirty="0"/>
                 <a:t>A</a:t>
               </a:r>
-              <a:endParaRPr lang="en-US" sz="6000" b="1" dirty="0"/>
             </a:p>
           </p:txBody>
         </p:sp>
@@ -12932,10 +12615,9 @@
             <a:p>
               <a:pPr algn="ctr"/>
               <a:r>
-                <a:rPr lang="en-US" sz="6000" b="1" dirty="0" smtClean="0"/>
+                <a:rPr lang="en-US" sz="6000" b="1" dirty="0"/>
                 <a:t>P</a:t>
               </a:r>
-              <a:endParaRPr lang="en-US" sz="6000" b="1" dirty="0"/>
             </a:p>
           </p:txBody>
         </p:sp>
@@ -13008,7 +12690,7 @@
               <a:buChar char="•"/>
             </a:pPr>
             <a:r>
-              <a:rPr lang="en-US" sz="2800" dirty="0" smtClean="0"/>
+              <a:rPr lang="en-US" sz="2800" dirty="0"/>
               <a:t>Of the following three guarantees potentially offered a by distributed systems:</a:t>
             </a:r>
           </a:p>
@@ -13018,7 +12700,7 @@
               <a:buChar char="•"/>
             </a:pPr>
             <a:r>
-              <a:rPr lang="en-US" sz="2800" dirty="0" smtClean="0"/>
+              <a:rPr lang="en-US" sz="2800" dirty="0"/>
               <a:t>Consistency</a:t>
             </a:r>
           </a:p>
@@ -13028,7 +12710,7 @@
               <a:buChar char="•"/>
             </a:pPr>
             <a:r>
-              <a:rPr lang="en-US" sz="2800" dirty="0" smtClean="0"/>
+              <a:rPr lang="en-US" sz="2800" dirty="0"/>
               <a:t>Availability</a:t>
             </a:r>
           </a:p>
@@ -13038,13 +12720,13 @@
               <a:buChar char="•"/>
             </a:pPr>
             <a:r>
-              <a:rPr lang="en-US" sz="2800" dirty="0" smtClean="0"/>
+              <a:rPr lang="en-US" sz="2800" dirty="0"/>
               <a:t>Partition tolerance</a:t>
             </a:r>
           </a:p>
           <a:p>
             <a:pPr lvl="1"/>
-            <a:endParaRPr lang="en-US" sz="1200" dirty="0" smtClean="0"/>
+            <a:endParaRPr lang="en-US" sz="1200" dirty="0"/>
           </a:p>
           <a:p>
             <a:pPr marL="285750" indent="-285750">
@@ -13052,12 +12734,12 @@
               <a:buChar char="•"/>
             </a:pPr>
             <a:r>
-              <a:rPr lang="en-US" sz="2800" dirty="0" smtClean="0"/>
+              <a:rPr lang="en-US" sz="2800" dirty="0"/>
               <a:t>Pick two</a:t>
             </a:r>
           </a:p>
           <a:p>
-            <a:endParaRPr lang="en-US" sz="1200" dirty="0" smtClean="0"/>
+            <a:endParaRPr lang="en-US" sz="1200" dirty="0"/>
           </a:p>
           <a:p>
             <a:pPr marL="285750" indent="-285750">
@@ -13065,7 +12747,7 @@
               <a:buChar char="•"/>
             </a:pPr>
             <a:r>
-              <a:rPr lang="en-US" sz="2800" dirty="0" smtClean="0"/>
+              <a:rPr lang="en-US" sz="2800" dirty="0"/>
               <a:t>This suggests there are three kinds of distributed systems:</a:t>
             </a:r>
           </a:p>
@@ -13075,7 +12757,7 @@
               <a:buChar char="•"/>
             </a:pPr>
             <a:r>
-              <a:rPr lang="en-US" sz="2800" dirty="0" smtClean="0"/>
+              <a:rPr lang="en-US" sz="2800" dirty="0"/>
               <a:t>CP</a:t>
             </a:r>
           </a:p>
@@ -13085,7 +12767,7 @@
               <a:buChar char="•"/>
             </a:pPr>
             <a:r>
-              <a:rPr lang="en-US" sz="2800" dirty="0" smtClean="0"/>
+              <a:rPr lang="en-US" sz="2800" dirty="0"/>
               <a:t>AP</a:t>
             </a:r>
           </a:p>
@@ -13095,10 +12777,9 @@
               <a:buChar char="•"/>
             </a:pPr>
             <a:r>
-              <a:rPr lang="en-US" sz="2800" dirty="0" smtClean="0"/>
+              <a:rPr lang="en-US" sz="2800" dirty="0"/>
               <a:t>CA</a:t>
             </a:r>
-            <a:endParaRPr lang="en-US" sz="2800" dirty="0"/>
           </a:p>
         </p:txBody>
       </p:sp>
@@ -13137,18 +12818,13 @@
           <a:p>
             <a:pPr algn="ctr"/>
             <a:r>
-              <a:rPr lang="en-US" sz="2800" b="1" i="1" dirty="0" smtClean="0">
+              <a:rPr lang="en-US" sz="2800" b="1" i="1" dirty="0">
                 <a:solidFill>
                   <a:srgbClr val="000000"/>
                 </a:solidFill>
               </a:rPr>
               <a:t>Any problems?</a:t>
             </a:r>
-            <a:endParaRPr lang="en-US" sz="2800" b="1" i="1" dirty="0">
-              <a:solidFill>
-                <a:srgbClr val="000000"/>
-              </a:solidFill>
-            </a:endParaRPr>
           </a:p>
         </p:txBody>
       </p:sp>
@@ -13278,10 +12954,9 @@
           <a:lstStyle/>
           <a:p>
             <a:r>
-              <a:rPr lang="en-US" dirty="0" smtClean="0"/>
+              <a:rPr lang="en-US" dirty="0"/>
               <a:t>A popular misconception: 2 out 3</a:t>
             </a:r>
-            <a:endParaRPr lang="en-US" dirty="0"/>
           </a:p>
         </p:txBody>
       </p:sp>
@@ -13306,16 +12981,15 @@
           <a:lstStyle/>
           <a:p>
             <a:r>
-              <a:rPr lang="en-US" dirty="0" smtClean="0"/>
+              <a:rPr lang="en-US" dirty="0"/>
               <a:t>How about CA?</a:t>
             </a:r>
           </a:p>
           <a:p>
             <a:r>
-              <a:rPr lang="en-US" dirty="0" smtClean="0"/>
+              <a:rPr lang="en-US" dirty="0"/>
               <a:t>Can a distributed system (with unreliable network) really be not tolerant of partitions?</a:t>
             </a:r>
-            <a:endParaRPr lang="en-US" dirty="0"/>
           </a:p>
         </p:txBody>
       </p:sp>
@@ -13409,10 +13083,9 @@
           <a:p>
             <a:pPr algn="ctr"/>
             <a:r>
-              <a:rPr lang="en-US" sz="6000" b="1" dirty="0" smtClean="0"/>
+              <a:rPr lang="en-US" sz="6000" b="1" dirty="0"/>
               <a:t>A</a:t>
             </a:r>
-            <a:endParaRPr lang="en-US" sz="6000" b="1" dirty="0"/>
           </a:p>
         </p:txBody>
       </p:sp>
@@ -13426,13 +13099,6 @@
   <p:clrMapOvr>
     <a:masterClrMapping/>
   </p:clrMapOvr>
-  <p:timing>
-    <p:tnLst>
-      <p:par>
-        <p:cTn id="1" dur="indefinite" restart="never" nodeType="tmRoot"/>
-      </p:par>
-    </p:tnLst>
-  </p:timing>
 </p:sld>
 </file>
 
@@ -13469,10 +13135,9 @@
           <a:lstStyle/>
           <a:p>
             <a:r>
-              <a:rPr lang="en-US" dirty="0" smtClean="0"/>
+              <a:rPr lang="en-US" dirty="0"/>
               <a:t>A few witnesses</a:t>
             </a:r>
-            <a:endParaRPr lang="en-US" dirty="0"/>
           </a:p>
         </p:txBody>
       </p:sp>
@@ -13499,22 +13164,22 @@
           <a:lstStyle/>
           <a:p>
             <a:r>
-              <a:rPr lang="en-US" dirty="0" smtClean="0"/>
+              <a:rPr lang="en-US" dirty="0"/>
               <a:t>Coda Hale, Yammer software engineer:</a:t>
             </a:r>
           </a:p>
           <a:p>
             <a:pPr lvl="1"/>
             <a:r>
-              <a:rPr lang="en-US" dirty="0" smtClean="0"/>
+              <a:rPr lang="en-US" dirty="0"/>
               <a:t>“Of the CAP theorem’s Consistency, Availability, and Partition Tolerance, </a:t>
             </a:r>
             <a:r>
-              <a:rPr lang="en-US" b="1" dirty="0" smtClean="0"/>
+              <a:rPr lang="en-US" b="1" dirty="0"/>
               <a:t>Partition Tolerance is mandatory in distributed systems</a:t>
             </a:r>
             <a:r>
-              <a:rPr lang="en-US" dirty="0" smtClean="0"/>
+              <a:rPr lang="en-US" dirty="0"/>
               <a:t>. You cannot not choose it.”</a:t>
             </a:r>
           </a:p>
@@ -13543,16 +13208,15 @@
           <a:lstStyle/>
           <a:p>
             <a:r>
-              <a:rPr lang="en-US" sz="2000" dirty="0" smtClean="0">
+              <a:rPr lang="en-US" sz="2000" dirty="0">
                 <a:hlinkClick r:id="rId2"/>
               </a:rPr>
               <a:t>http://codahale.com/you-cant-sacrifice-partition-tolerance/</a:t>
             </a:r>
             <a:r>
-              <a:rPr lang="en-US" sz="2000" dirty="0" smtClean="0"/>
+              <a:rPr lang="en-US" sz="2000" dirty="0"/>
               <a:t> </a:t>
             </a:r>
-            <a:endParaRPr lang="en-US" sz="2000" dirty="0"/>
           </a:p>
         </p:txBody>
       </p:sp>
@@ -13590,13 +13254,6 @@
   <p:clrMapOvr>
     <a:masterClrMapping/>
   </p:clrMapOvr>
-  <p:timing>
-    <p:tnLst>
-      <p:par>
-        <p:cTn id="1" dur="indefinite" restart="never" nodeType="tmRoot"/>
-      </p:par>
-    </p:tnLst>
-  </p:timing>
 </p:sld>
 </file>
 
@@ -13644,16 +13301,8 @@
               </a:lnSpc>
             </a:pPr>
             <a:r>
-              <a:rPr lang="en-US" dirty="0" smtClean="0"/>
-              <a:t> </a:t>
-            </a:r>
-            <a:r>
-              <a:rPr lang="en-US" dirty="0"/>
-              <a:t>NoSQL database system encompasses a wide range of database technologies that can store structured, semi-structured, unstructured and polymorphic data</a:t>
-            </a:r>
-            <a:r>
-              <a:rPr lang="en-US" dirty="0" smtClean="0"/>
-              <a:t>. </a:t>
+              <a:rPr lang="en-US" dirty="0"/>
+              <a:t> NoSQL database system encompasses a wide range of database technologies that can store structured, semi-structured, unstructured and polymorphic data. </a:t>
             </a:r>
             <a:endParaRPr lang="en-IN" dirty="0"/>
           </a:p>
@@ -13710,13 +13359,6 @@
   <p:clrMapOvr>
     <a:masterClrMapping/>
   </p:clrMapOvr>
-  <p:timing>
-    <p:tnLst>
-      <p:par>
-        <p:cTn id="1" dur="indefinite" restart="never" nodeType="tmRoot"/>
-      </p:par>
-    </p:tnLst>
-  </p:timing>
 </p:sld>
 </file>
 
@@ -13753,10 +13395,9 @@
           <a:lstStyle/>
           <a:p>
             <a:r>
-              <a:rPr lang="en-US" dirty="0" smtClean="0"/>
+              <a:rPr lang="en-US" dirty="0"/>
               <a:t>A few witnesses</a:t>
             </a:r>
-            <a:endParaRPr lang="en-US" dirty="0"/>
           </a:p>
         </p:txBody>
       </p:sp>
@@ -13776,30 +13417,30 @@
           <a:lstStyle/>
           <a:p>
             <a:r>
-              <a:rPr lang="en-US" dirty="0" smtClean="0"/>
+              <a:rPr lang="en-US" dirty="0"/>
               <a:t>Werner </a:t>
             </a:r>
             <a:r>
-              <a:rPr lang="en-US" dirty="0" err="1" smtClean="0"/>
+              <a:rPr lang="en-US" dirty="0" err="1"/>
               <a:t>Vogels</a:t>
             </a:r>
             <a:r>
-              <a:rPr lang="en-US" dirty="0" smtClean="0"/>
+              <a:rPr lang="en-US" dirty="0"/>
               <a:t>, Amazon CTO</a:t>
             </a:r>
           </a:p>
           <a:p>
             <a:pPr lvl="1"/>
             <a:r>
-              <a:rPr lang="en-US" dirty="0" smtClean="0"/>
+              <a:rPr lang="en-US" dirty="0"/>
               <a:t>“An important observation is that in larger distributed-scale systems, network partitions are a given; therefore, </a:t>
             </a:r>
             <a:r>
-              <a:rPr lang="en-US" b="1" dirty="0" smtClean="0"/>
+              <a:rPr lang="en-US" b="1" dirty="0"/>
               <a:t>consistency and availability cannot be achieved at the same time</a:t>
             </a:r>
             <a:r>
-              <a:rPr lang="en-US" dirty="0" smtClean="0"/>
+              <a:rPr lang="en-US" dirty="0"/>
               <a:t>.”</a:t>
             </a:r>
           </a:p>
@@ -13858,16 +13499,15 @@
           <a:lstStyle/>
           <a:p>
             <a:r>
-              <a:rPr lang="en-US" sz="2000" dirty="0" smtClean="0">
+              <a:rPr lang="en-US" sz="2000" dirty="0">
                 <a:hlinkClick r:id="rId3"/>
               </a:rPr>
               <a:t>http://www.allthingsdistributed.com/2008/12/eventually_consistent.html</a:t>
             </a:r>
             <a:r>
-              <a:rPr lang="en-US" sz="2000" dirty="0" smtClean="0"/>
+              <a:rPr lang="en-US" sz="2000" dirty="0"/>
               <a:t> </a:t>
             </a:r>
-            <a:endParaRPr lang="en-US" sz="2000" dirty="0"/>
           </a:p>
         </p:txBody>
       </p:sp>
@@ -13881,13 +13521,6 @@
   <p:clrMapOvr>
     <a:masterClrMapping/>
   </p:clrMapOvr>
-  <p:timing>
-    <p:tnLst>
-      <p:par>
-        <p:cTn id="1" dur="indefinite" restart="never" nodeType="tmRoot"/>
-      </p:par>
-    </p:tnLst>
-  </p:timing>
 </p:sld>
 </file>
 
@@ -13924,10 +13557,9 @@
           <a:lstStyle/>
           <a:p>
             <a:r>
-              <a:rPr lang="en-US" dirty="0" smtClean="0"/>
+              <a:rPr lang="en-US" dirty="0"/>
               <a:t>A few witnesses</a:t>
             </a:r>
-            <a:endParaRPr lang="en-US" dirty="0"/>
           </a:p>
         </p:txBody>
       </p:sp>
@@ -13947,35 +13579,35 @@
           <a:lstStyle/>
           <a:p>
             <a:r>
-              <a:rPr lang="en-US" dirty="0" err="1" smtClean="0"/>
+              <a:rPr lang="en-US" dirty="0" err="1"/>
               <a:t>Daneil</a:t>
             </a:r>
             <a:r>
-              <a:rPr lang="en-US" dirty="0" smtClean="0"/>
+              <a:rPr lang="en-US" dirty="0"/>
               <a:t> </a:t>
             </a:r>
             <a:r>
-              <a:rPr lang="en-US" dirty="0" err="1" smtClean="0"/>
+              <a:rPr lang="en-US" dirty="0" err="1"/>
               <a:t>Abadi</a:t>
             </a:r>
             <a:r>
-              <a:rPr lang="en-US" dirty="0" smtClean="0"/>
+              <a:rPr lang="en-US" dirty="0"/>
               <a:t>, Co-founder of </a:t>
             </a:r>
             <a:r>
-              <a:rPr lang="en-US" dirty="0" err="1" smtClean="0"/>
+              <a:rPr lang="en-US" dirty="0" err="1"/>
               <a:t>Hadapt</a:t>
             </a:r>
-            <a:endParaRPr lang="en-US" dirty="0" smtClean="0"/>
+            <a:endParaRPr lang="en-US" dirty="0"/>
           </a:p>
           <a:p>
             <a:pPr lvl="1"/>
             <a:r>
-              <a:rPr lang="en-US" dirty="0" smtClean="0"/>
+              <a:rPr lang="en-US" dirty="0"/>
               <a:t>So in reality, there are only two types of systems ... I.e., if there is a partition, </a:t>
             </a:r>
             <a:r>
-              <a:rPr lang="en-US" b="1" dirty="0" smtClean="0"/>
+              <a:rPr lang="en-US" b="1" dirty="0"/>
               <a:t>does the system give up availability or consistency? </a:t>
             </a:r>
           </a:p>
@@ -14004,16 +13636,15 @@
           <a:lstStyle/>
           <a:p>
             <a:r>
-              <a:rPr lang="en-US" sz="2000" dirty="0" smtClean="0">
+              <a:rPr lang="en-US" sz="2000" dirty="0">
                 <a:hlinkClick r:id="rId3"/>
               </a:rPr>
               <a:t>http://dbmsmusings.blogspot.com/2010/04/problems-with-cap-and-yahoos-little.html</a:t>
             </a:r>
             <a:r>
-              <a:rPr lang="en-US" sz="2000" dirty="0" smtClean="0"/>
+              <a:rPr lang="en-US" sz="2000" dirty="0"/>
               <a:t> </a:t>
             </a:r>
-            <a:endParaRPr lang="en-US" sz="2000" dirty="0"/>
           </a:p>
         </p:txBody>
       </p:sp>
@@ -14051,13 +13682,6 @@
   <p:clrMapOvr>
     <a:masterClrMapping/>
   </p:clrMapOvr>
-  <p:timing>
-    <p:tnLst>
-      <p:par>
-        <p:cTn id="1" dur="indefinite" restart="never" nodeType="tmRoot"/>
-      </p:par>
-    </p:tnLst>
-  </p:timing>
 </p:sld>
 </file>
 
@@ -14096,10 +13720,9 @@
           <a:lstStyle/>
           <a:p>
             <a:r>
-              <a:rPr lang="en-US" dirty="0" smtClean="0"/>
+              <a:rPr lang="en-US" dirty="0"/>
               <a:t>CAP Theorem 12 year later</a:t>
             </a:r>
-            <a:endParaRPr lang="en-US" dirty="0"/>
           </a:p>
         </p:txBody>
       </p:sp>
@@ -14154,7 +13777,7 @@
               <a:buChar char="•"/>
             </a:pPr>
             <a:r>
-              <a:rPr lang="en-US" sz="2800" dirty="0" smtClean="0"/>
+              <a:rPr lang="en-US" sz="2800" dirty="0"/>
               <a:t>Prof. Eric Brewer: father of CAP theorem</a:t>
             </a:r>
           </a:p>
@@ -14164,15 +13787,15 @@
               <a:buChar char="•"/>
             </a:pPr>
             <a:r>
-              <a:rPr lang="en-US" sz="2800" dirty="0" smtClean="0"/>
+              <a:rPr lang="en-US" sz="2800" dirty="0"/>
               <a:t>“The “2 of 3” formulation was always </a:t>
             </a:r>
             <a:r>
-              <a:rPr lang="en-US" sz="2800" b="1" dirty="0" smtClean="0"/>
+              <a:rPr lang="en-US" sz="2800" b="1" dirty="0"/>
               <a:t>misleading</a:t>
             </a:r>
             <a:r>
-              <a:rPr lang="en-US" sz="2800" dirty="0" smtClean="0"/>
+              <a:rPr lang="en-US" sz="2800" dirty="0"/>
               <a:t> because it tended to oversimplify the tensions among properties. ...</a:t>
             </a:r>
           </a:p>
@@ -14182,19 +13805,19 @@
               <a:buChar char="•"/>
             </a:pPr>
             <a:r>
-              <a:rPr lang="en-US" sz="2800" b="1" dirty="0" smtClean="0"/>
+              <a:rPr lang="en-US" sz="2800" b="1" dirty="0"/>
               <a:t>CAP prohibits only a tiny part of the design space</a:t>
             </a:r>
             <a:r>
-              <a:rPr lang="en-US" sz="2800" dirty="0" smtClean="0"/>
+              <a:rPr lang="en-US" sz="2800" dirty="0"/>
               <a:t>: </a:t>
             </a:r>
             <a:r>
-              <a:rPr lang="en-US" sz="2800" i="1" dirty="0" smtClean="0"/>
+              <a:rPr lang="en-US" sz="2800" i="1" dirty="0"/>
               <a:t>perfect availability and consistency in the presence of partitions</a:t>
             </a:r>
             <a:r>
-              <a:rPr lang="en-US" sz="2800" dirty="0" smtClean="0"/>
+              <a:rPr lang="en-US" sz="2800" dirty="0"/>
               <a:t>, which are rare.”</a:t>
             </a:r>
           </a:p>
@@ -14223,16 +13846,15 @@
           <a:lstStyle/>
           <a:p>
             <a:r>
-              <a:rPr lang="en-US" sz="2000" dirty="0" smtClean="0">
+              <a:rPr lang="en-US" sz="2000" dirty="0">
                 <a:hlinkClick r:id="rId3"/>
               </a:rPr>
               <a:t>http://www.infoq.com/articles/cap-twelve-years-later-how-the-rules-have-changed</a:t>
             </a:r>
             <a:r>
-              <a:rPr lang="en-US" sz="2000" dirty="0" smtClean="0"/>
+              <a:rPr lang="en-US" sz="2000" dirty="0"/>
               <a:t> </a:t>
             </a:r>
-            <a:endParaRPr lang="en-US" sz="2000" dirty="0"/>
           </a:p>
         </p:txBody>
       </p:sp>
@@ -14246,13 +13868,6 @@
   <p:clrMapOvr>
     <a:masterClrMapping/>
   </p:clrMapOvr>
-  <p:timing>
-    <p:tnLst>
-      <p:par>
-        <p:cTn id="1" dur="indefinite" restart="never" nodeType="tmRoot"/>
-      </p:par>
-    </p:tnLst>
-  </p:timing>
 </p:sld>
 </file>
 
@@ -14296,10 +13911,9 @@
           <a:lstStyle/>
           <a:p>
             <a:r>
-              <a:rPr lang="en-US" dirty="0" smtClean="0"/>
+              <a:rPr lang="en-US" dirty="0"/>
               <a:t>Consistency or Availability</a:t>
             </a:r>
-            <a:endParaRPr lang="en-US" dirty="0"/>
           </a:p>
         </p:txBody>
       </p:sp>
@@ -14407,10 +14021,9 @@
             <a:p>
               <a:pPr algn="ctr"/>
               <a:r>
-                <a:rPr lang="en-US" sz="6000" b="1" dirty="0" smtClean="0"/>
+                <a:rPr lang="en-US" sz="6000" b="1" dirty="0"/>
                 <a:t>A</a:t>
               </a:r>
-              <a:endParaRPr lang="en-US" sz="6000" b="1" dirty="0"/>
             </a:p>
           </p:txBody>
         </p:sp>
@@ -14463,10 +14076,9 @@
             <a:p>
               <a:pPr algn="ctr"/>
               <a:r>
-                <a:rPr lang="en-US" sz="6000" b="1" dirty="0" smtClean="0"/>
+                <a:rPr lang="en-US" sz="6000" b="1" dirty="0"/>
                 <a:t>P</a:t>
               </a:r>
-              <a:endParaRPr lang="en-US" sz="6000" b="1" dirty="0"/>
             </a:p>
           </p:txBody>
         </p:sp>
@@ -14539,13 +14151,13 @@
               <a:buChar char="•"/>
             </a:pPr>
             <a:r>
-              <a:rPr lang="en-US" sz="2800" dirty="0" smtClean="0"/>
+              <a:rPr lang="en-US" sz="2800" dirty="0"/>
               <a:t>Consistency and Availability is not “binary” decision</a:t>
             </a:r>
           </a:p>
           <a:p>
             <a:pPr lvl="1"/>
-            <a:endParaRPr lang="en-US" sz="1200" dirty="0" smtClean="0"/>
+            <a:endParaRPr lang="en-US" sz="1200" dirty="0"/>
           </a:p>
           <a:p>
             <a:pPr marL="285750" indent="-285750">
@@ -14553,12 +14165,12 @@
               <a:buChar char="•"/>
             </a:pPr>
             <a:r>
-              <a:rPr lang="en-US" sz="2800" dirty="0" smtClean="0"/>
+              <a:rPr lang="en-US" sz="2800" dirty="0"/>
               <a:t>AP systems relax consistency in favor of availability – but are not inconsistent</a:t>
             </a:r>
           </a:p>
           <a:p>
-            <a:endParaRPr lang="en-US" sz="1200" dirty="0" smtClean="0"/>
+            <a:endParaRPr lang="en-US" sz="1200" dirty="0"/>
           </a:p>
           <a:p>
             <a:pPr marL="285750" indent="-285750">
@@ -14566,12 +14178,12 @@
               <a:buChar char="•"/>
             </a:pPr>
             <a:r>
-              <a:rPr lang="en-US" sz="2800" dirty="0" smtClean="0"/>
+              <a:rPr lang="en-US" sz="2800" dirty="0"/>
               <a:t>CP systems sacrifice availability for consistency- but are not unavailable</a:t>
             </a:r>
           </a:p>
           <a:p>
-            <a:endParaRPr lang="en-US" sz="1200" dirty="0" smtClean="0"/>
+            <a:endParaRPr lang="en-US" sz="1200" dirty="0"/>
           </a:p>
           <a:p>
             <a:pPr marL="285750" indent="-285750">
@@ -14579,10 +14191,9 @@
               <a:buChar char="•"/>
             </a:pPr>
             <a:r>
-              <a:rPr lang="en-US" sz="2800" dirty="0" smtClean="0"/>
+              <a:rPr lang="en-US" sz="2800" dirty="0"/>
               <a:t>This suggests both AP and CP systems can offer a degree of consistency, and availability, as well as partition tolerance</a:t>
             </a:r>
-            <a:endParaRPr lang="en-US" sz="2800" dirty="0"/>
           </a:p>
         </p:txBody>
       </p:sp>
@@ -14596,13 +14207,6 @@
   <p:clrMapOvr>
     <a:masterClrMapping/>
   </p:clrMapOvr>
-  <p:timing>
-    <p:tnLst>
-      <p:par>
-        <p:cTn id="1" dur="indefinite" restart="never" nodeType="tmRoot"/>
-      </p:par>
-    </p:tnLst>
-  </p:timing>
 </p:sld>
 </file>
 
@@ -14641,18 +14245,9 @@
           <a:lstStyle/>
           <a:p>
             <a:r>
-              <a:rPr lang="en-US" dirty="0" smtClean="0"/>
-              <a:t>AP: Best Effort </a:t>
-            </a:r>
-            <a:r>
-              <a:rPr lang="en-US" dirty="0"/>
-              <a:t>C</a:t>
-            </a:r>
-            <a:r>
-              <a:rPr lang="en-US" dirty="0" smtClean="0"/>
-              <a:t>onsistency</a:t>
-            </a:r>
-            <a:endParaRPr lang="en-US" dirty="0"/>
+              <a:rPr lang="en-US" dirty="0"/>
+              <a:t>AP: Best Effort Consistency</a:t>
+            </a:r>
           </a:p>
         </p:txBody>
       </p:sp>
@@ -14672,48 +14267,48 @@
           <a:lstStyle/>
           <a:p>
             <a:r>
-              <a:rPr lang="en-US" dirty="0" smtClean="0"/>
+              <a:rPr lang="en-US" dirty="0"/>
               <a:t>Example:</a:t>
             </a:r>
           </a:p>
           <a:p>
             <a:pPr lvl="1"/>
             <a:r>
-              <a:rPr lang="en-US" dirty="0" smtClean="0"/>
+              <a:rPr lang="en-US" dirty="0"/>
               <a:t>Web Caching</a:t>
             </a:r>
           </a:p>
           <a:p>
             <a:pPr lvl="1"/>
             <a:r>
-              <a:rPr lang="en-US" dirty="0" smtClean="0"/>
+              <a:rPr lang="en-US" dirty="0"/>
               <a:t>DNS</a:t>
             </a:r>
           </a:p>
           <a:p>
             <a:r>
-              <a:rPr lang="en-US" dirty="0" smtClean="0"/>
+              <a:rPr lang="en-US" dirty="0"/>
               <a:t>Trait:</a:t>
             </a:r>
           </a:p>
           <a:p>
             <a:pPr lvl="1"/>
             <a:r>
-              <a:rPr lang="en-US" dirty="0" smtClean="0"/>
+              <a:rPr lang="en-US" dirty="0"/>
               <a:t>Optimistic</a:t>
             </a:r>
           </a:p>
           <a:p>
             <a:pPr lvl="1"/>
             <a:r>
-              <a:rPr lang="en-US" dirty="0" smtClean="0"/>
+              <a:rPr lang="en-US" dirty="0"/>
               <a:t>Expiration/Time-to-live</a:t>
             </a:r>
           </a:p>
           <a:p>
             <a:pPr lvl="1"/>
             <a:r>
-              <a:rPr lang="en-US" dirty="0" smtClean="0"/>
+              <a:rPr lang="en-US" dirty="0"/>
               <a:t>Conflict resolution</a:t>
             </a:r>
           </a:p>
@@ -14729,13 +14324,6 @@
   <p:clrMapOvr>
     <a:masterClrMapping/>
   </p:clrMapOvr>
-  <p:timing>
-    <p:tnLst>
-      <p:par>
-        <p:cTn id="1" dur="indefinite" restart="never" nodeType="tmRoot"/>
-      </p:par>
-    </p:tnLst>
-  </p:timing>
 </p:sld>
 </file>
 
@@ -14775,13 +14363,8 @@
           <a:p>
             <a:r>
               <a:rPr lang="en-US" dirty="0"/>
-              <a:t>C</a:t>
-            </a:r>
-            <a:r>
-              <a:rPr lang="en-US" dirty="0" smtClean="0"/>
-              <a:t>P: Best Effort Availability</a:t>
-            </a:r>
-            <a:endParaRPr lang="en-US" dirty="0"/>
+              <a:t>CP: Best Effort Availability</a:t>
+            </a:r>
           </a:p>
         </p:txBody>
       </p:sp>
@@ -14801,41 +14384,41 @@
           <a:lstStyle/>
           <a:p>
             <a:r>
-              <a:rPr lang="en-US" dirty="0" smtClean="0"/>
+              <a:rPr lang="en-US" dirty="0"/>
               <a:t>Example:</a:t>
             </a:r>
           </a:p>
           <a:p>
             <a:pPr lvl="1"/>
             <a:r>
-              <a:rPr lang="en-US" dirty="0" smtClean="0"/>
+              <a:rPr lang="en-US" dirty="0"/>
               <a:t>Majority protocols</a:t>
             </a:r>
           </a:p>
           <a:p>
             <a:pPr lvl="1"/>
             <a:r>
-              <a:rPr lang="en-US" dirty="0" smtClean="0"/>
+              <a:rPr lang="en-US" dirty="0"/>
               <a:t>Distributed Locking (Google Chubby Lock service)</a:t>
             </a:r>
           </a:p>
           <a:p>
             <a:r>
-              <a:rPr lang="en-US" dirty="0" smtClean="0"/>
+              <a:rPr lang="en-US" dirty="0"/>
               <a:t>Trait:</a:t>
             </a:r>
           </a:p>
           <a:p>
             <a:pPr lvl="1"/>
             <a:r>
-              <a:rPr lang="en-US" dirty="0" smtClean="0"/>
+              <a:rPr lang="en-US" dirty="0"/>
               <a:t>Pessimistic locking</a:t>
             </a:r>
           </a:p>
           <a:p>
             <a:pPr lvl="1"/>
             <a:r>
-              <a:rPr lang="en-US" dirty="0" smtClean="0"/>
+              <a:rPr lang="en-US" dirty="0"/>
               <a:t>Make minority partition unavailable</a:t>
             </a:r>
           </a:p>
@@ -14851,13 +14434,6 @@
   <p:clrMapOvr>
     <a:masterClrMapping/>
   </p:clrMapOvr>
-  <p:timing>
-    <p:tnLst>
-      <p:par>
-        <p:cTn id="1" dur="indefinite" restart="never" nodeType="tmRoot"/>
-      </p:par>
-    </p:tnLst>
-  </p:timing>
 </p:sld>
 </file>
 
@@ -14894,10 +14470,9 @@
           <a:lstStyle/>
           <a:p>
             <a:r>
-              <a:rPr lang="en-US" dirty="0" smtClean="0"/>
+              <a:rPr lang="en-US" dirty="0"/>
               <a:t>Types of Consistency</a:t>
             </a:r>
-            <a:endParaRPr lang="en-US" dirty="0"/>
           </a:p>
         </p:txBody>
       </p:sp>
@@ -14924,98 +14499,97 @@
           <a:lstStyle/>
           <a:p>
             <a:r>
-              <a:rPr lang="en-US" dirty="0" smtClean="0"/>
+              <a:rPr lang="en-US" dirty="0"/>
               <a:t>Strong Consistency</a:t>
             </a:r>
           </a:p>
           <a:p>
             <a:pPr lvl="1"/>
             <a:r>
-              <a:rPr lang="en-US" dirty="0" smtClean="0"/>
+              <a:rPr lang="en-US" dirty="0"/>
               <a:t>After the update completes, </a:t>
             </a:r>
             <a:r>
-              <a:rPr lang="en-US" b="1" dirty="0" smtClean="0"/>
+              <a:rPr lang="en-US" b="1" dirty="0"/>
               <a:t>any subsequent access</a:t>
             </a:r>
             <a:r>
-              <a:rPr lang="en-US" dirty="0" smtClean="0"/>
+              <a:rPr lang="en-US" dirty="0"/>
               <a:t> will return the </a:t>
             </a:r>
             <a:r>
-              <a:rPr lang="en-US" b="1" dirty="0" smtClean="0"/>
+              <a:rPr lang="en-US" b="1" dirty="0"/>
               <a:t>same</a:t>
             </a:r>
             <a:r>
-              <a:rPr lang="en-US" dirty="0" smtClean="0"/>
+              <a:rPr lang="en-US" dirty="0"/>
               <a:t> updated value.</a:t>
             </a:r>
           </a:p>
           <a:p>
             <a:r>
-              <a:rPr lang="en-US" dirty="0" smtClean="0"/>
+              <a:rPr lang="en-US" dirty="0"/>
               <a:t>Weak Consistency</a:t>
             </a:r>
           </a:p>
           <a:p>
             <a:pPr lvl="1"/>
             <a:r>
-              <a:rPr lang="en-US" dirty="0" smtClean="0"/>
+              <a:rPr lang="en-US" dirty="0"/>
               <a:t>It is </a:t>
             </a:r>
             <a:r>
-              <a:rPr lang="en-US" b="1" dirty="0" smtClean="0"/>
+              <a:rPr lang="en-US" b="1" dirty="0"/>
               <a:t>not guaranteed </a:t>
             </a:r>
             <a:r>
-              <a:rPr lang="en-US" dirty="0" smtClean="0"/>
+              <a:rPr lang="en-US" dirty="0"/>
               <a:t>that subsequent accesses will return the updated value.</a:t>
             </a:r>
           </a:p>
           <a:p>
             <a:r>
-              <a:rPr lang="en-US" b="1" dirty="0" smtClean="0"/>
+              <a:rPr lang="en-US" b="1" dirty="0"/>
               <a:t>Eventual Consistency</a:t>
             </a:r>
           </a:p>
           <a:p>
             <a:pPr lvl="1"/>
             <a:r>
-              <a:rPr lang="en-US" dirty="0" smtClean="0"/>
+              <a:rPr lang="en-US" dirty="0"/>
               <a:t>Specific form of weak consistency</a:t>
             </a:r>
           </a:p>
           <a:p>
             <a:pPr lvl="1"/>
             <a:r>
-              <a:rPr lang="en-US" dirty="0" smtClean="0"/>
+              <a:rPr lang="en-US" dirty="0"/>
               <a:t>It is guaranteed that if </a:t>
             </a:r>
             <a:r>
-              <a:rPr lang="en-US" b="1" dirty="0" smtClean="0"/>
+              <a:rPr lang="en-US" b="1" dirty="0"/>
               <a:t>no new updates </a:t>
             </a:r>
             <a:r>
-              <a:rPr lang="en-US" dirty="0" smtClean="0"/>
+              <a:rPr lang="en-US" dirty="0"/>
               <a:t>are made to object, </a:t>
             </a:r>
             <a:r>
-              <a:rPr lang="en-US" b="1" dirty="0" smtClean="0"/>
+              <a:rPr lang="en-US" b="1" dirty="0"/>
               <a:t>eventually</a:t>
             </a:r>
             <a:r>
-              <a:rPr lang="en-US" dirty="0" smtClean="0"/>
+              <a:rPr lang="en-US" dirty="0"/>
               <a:t> all accesses will return the last updated value (e.g., </a:t>
             </a:r>
             <a:r>
-              <a:rPr lang="en-US" i="1" dirty="0" smtClean="0"/>
+              <a:rPr lang="en-US" i="1" dirty="0"/>
               <a:t>propagate updates to replicas in a lazy fashion</a:t>
             </a:r>
             <a:r>
-              <a:rPr lang="en-US" dirty="0" smtClean="0"/>
+              <a:rPr lang="en-US" dirty="0"/>
               <a:t>)</a:t>
             </a:r>
-            <a:endParaRPr lang="en-US" dirty="0"/>
           </a:p>
         </p:txBody>
       </p:sp>
@@ -15029,13 +14603,6 @@
   <p:clrMapOvr>
     <a:masterClrMapping/>
   </p:clrMapOvr>
-  <p:timing>
-    <p:tnLst>
-      <p:par>
-        <p:cTn id="1" dur="indefinite" restart="never" nodeType="tmRoot"/>
-      </p:par>
-    </p:tnLst>
-  </p:timing>
 </p:sld>
 </file>
 
@@ -15074,10 +14641,9 @@
           <a:lstStyle/>
           <a:p>
             <a:r>
-              <a:rPr lang="en-US" dirty="0" smtClean="0"/>
+              <a:rPr lang="en-US" dirty="0"/>
               <a:t>Eventual Consistency Variations</a:t>
             </a:r>
-            <a:endParaRPr lang="en-US" dirty="0"/>
           </a:p>
         </p:txBody>
       </p:sp>
@@ -15104,50 +14670,49 @@
           <a:lstStyle/>
           <a:p>
             <a:r>
-              <a:rPr lang="en-US" dirty="0" smtClean="0"/>
+              <a:rPr lang="en-US" dirty="0"/>
               <a:t>Causal consistency</a:t>
             </a:r>
           </a:p>
           <a:p>
             <a:pPr lvl="1"/>
             <a:r>
-              <a:rPr lang="en-US" dirty="0" smtClean="0"/>
+              <a:rPr lang="en-US" dirty="0"/>
               <a:t>Processes that have causal relationship will see consistent data</a:t>
             </a:r>
           </a:p>
           <a:p>
             <a:r>
-              <a:rPr lang="en-US" dirty="0" smtClean="0"/>
+              <a:rPr lang="en-US" dirty="0"/>
               <a:t>Read-your-write consistency</a:t>
             </a:r>
           </a:p>
           <a:p>
             <a:pPr lvl="1"/>
             <a:r>
-              <a:rPr lang="en-US" dirty="0" smtClean="0"/>
+              <a:rPr lang="en-US" dirty="0"/>
               <a:t>A process always accesses the data item after it’s update operation and never sees an older value</a:t>
             </a:r>
           </a:p>
           <a:p>
             <a:r>
-              <a:rPr lang="en-US" dirty="0" smtClean="0"/>
+              <a:rPr lang="en-US" dirty="0"/>
               <a:t>Session consistency</a:t>
             </a:r>
           </a:p>
           <a:p>
             <a:pPr lvl="1"/>
             <a:r>
-              <a:rPr lang="en-US" dirty="0" smtClean="0"/>
+              <a:rPr lang="en-US" dirty="0"/>
               <a:t>As long as session exists, system guarantees read-your-write consistency</a:t>
             </a:r>
           </a:p>
           <a:p>
             <a:pPr lvl="1"/>
             <a:r>
-              <a:rPr lang="en-US" dirty="0" smtClean="0"/>
+              <a:rPr lang="en-US" dirty="0"/>
               <a:t>Guarantees do not overlap sessions</a:t>
             </a:r>
-            <a:endParaRPr lang="en-US" dirty="0"/>
           </a:p>
         </p:txBody>
       </p:sp>
@@ -15161,13 +14726,6 @@
   <p:clrMapOvr>
     <a:masterClrMapping/>
   </p:clrMapOvr>
-  <p:timing>
-    <p:tnLst>
-      <p:par>
-        <p:cTn id="1" dur="indefinite" restart="never" nodeType="tmRoot"/>
-      </p:par>
-    </p:tnLst>
-  </p:timing>
 </p:sld>
 </file>
 
@@ -15206,10 +14764,9 @@
           <a:lstStyle/>
           <a:p>
             <a:r>
-              <a:rPr lang="en-US" dirty="0" smtClean="0"/>
+              <a:rPr lang="en-US" dirty="0"/>
               <a:t>Eventual Consistency Variations</a:t>
             </a:r>
-            <a:endParaRPr lang="en-US" dirty="0"/>
           </a:p>
         </p:txBody>
       </p:sp>
@@ -15236,66 +14793,57 @@
           <a:lstStyle/>
           <a:p>
             <a:r>
-              <a:rPr lang="en-US" dirty="0" smtClean="0"/>
+              <a:rPr lang="en-US" dirty="0"/>
               <a:t>Monotonic read consistency</a:t>
             </a:r>
           </a:p>
           <a:p>
             <a:pPr lvl="1"/>
             <a:r>
-              <a:rPr lang="en-US" dirty="0" smtClean="0"/>
+              <a:rPr lang="en-US" dirty="0"/>
               <a:t>If a process has seen a particular value of data item, any subsequent processes will never return any previous values</a:t>
             </a:r>
           </a:p>
           <a:p>
             <a:r>
               <a:rPr lang="en-US" dirty="0"/>
-              <a:t>Monotonic </a:t>
-            </a:r>
-            <a:r>
-              <a:rPr lang="en-US" dirty="0" smtClean="0"/>
-              <a:t>write </a:t>
-            </a:r>
-            <a:r>
-              <a:rPr lang="en-US" dirty="0"/>
-              <a:t>consistency</a:t>
+              <a:t>Monotonic write consistency</a:t>
             </a:r>
           </a:p>
           <a:p>
             <a:pPr lvl="1"/>
             <a:r>
-              <a:rPr lang="en-US" dirty="0" smtClean="0"/>
+              <a:rPr lang="en-US" dirty="0"/>
               <a:t>The system guarantees to serialize the writes by the </a:t>
             </a:r>
             <a:r>
-              <a:rPr lang="en-US" i="1" dirty="0" smtClean="0"/>
+              <a:rPr lang="en-US" i="1" dirty="0"/>
               <a:t>same</a:t>
             </a:r>
             <a:r>
-              <a:rPr lang="en-US" dirty="0" smtClean="0"/>
+              <a:rPr lang="en-US" dirty="0"/>
               <a:t> process </a:t>
             </a:r>
           </a:p>
           <a:p>
             <a:r>
-              <a:rPr lang="en-US" dirty="0" smtClean="0"/>
+              <a:rPr lang="en-US" dirty="0"/>
               <a:t>In practice </a:t>
             </a:r>
           </a:p>
           <a:p>
             <a:pPr lvl="1"/>
             <a:r>
-              <a:rPr lang="en-US" dirty="0" smtClean="0"/>
+              <a:rPr lang="en-US" dirty="0"/>
               <a:t>A number of these properties can be combined</a:t>
             </a:r>
           </a:p>
           <a:p>
             <a:pPr lvl="1"/>
             <a:r>
-              <a:rPr lang="en-US" dirty="0" smtClean="0"/>
+              <a:rPr lang="en-US" dirty="0"/>
               <a:t>Monotonic reads and read-your-writes are most desirable</a:t>
             </a:r>
-            <a:endParaRPr lang="en-US" dirty="0"/>
           </a:p>
         </p:txBody>
       </p:sp>
@@ -15309,13 +14857,6 @@
   <p:clrMapOvr>
     <a:masterClrMapping/>
   </p:clrMapOvr>
-  <p:timing>
-    <p:tnLst>
-      <p:par>
-        <p:cTn id="1" dur="indefinite" restart="never" nodeType="tmRoot"/>
-      </p:par>
-    </p:tnLst>
-  </p:timing>
 </p:sld>
 </file>
 
@@ -15354,17 +14895,16 @@
           <a:lstStyle/>
           <a:p>
             <a:r>
-              <a:rPr lang="en-US" dirty="0" smtClean="0"/>
+              <a:rPr lang="en-US" dirty="0"/>
               <a:t>Eventual Consistency</a:t>
             </a:r>
             <a:br>
-              <a:rPr lang="en-US" dirty="0" smtClean="0"/>
+              <a:rPr lang="en-US" dirty="0"/>
             </a:br>
             <a:r>
-              <a:rPr lang="en-US" dirty="0" smtClean="0"/>
+              <a:rPr lang="en-US" dirty="0"/>
               <a:t>- A Facebook Example</a:t>
             </a:r>
-            <a:endParaRPr lang="en-US" dirty="0"/>
           </a:p>
         </p:txBody>
       </p:sp>
@@ -15384,36 +14924,20 @@
           <a:lstStyle/>
           <a:p>
             <a:r>
-              <a:rPr lang="en-US" dirty="0" smtClean="0"/>
-              <a:t>Bob finds an interesting story and shares with Alice by posting on her </a:t>
-            </a:r>
-            <a:r>
-              <a:rPr lang="en-US" dirty="0"/>
-              <a:t>F</a:t>
-            </a:r>
-            <a:r>
-              <a:rPr lang="en-US" dirty="0" smtClean="0"/>
-              <a:t>acebook wall</a:t>
-            </a:r>
-          </a:p>
-          <a:p>
-            <a:r>
-              <a:rPr lang="en-US" dirty="0" smtClean="0"/>
+              <a:rPr lang="en-US" dirty="0"/>
+              <a:t>Bob finds an interesting story and shares with Alice by posting on her Facebook wall</a:t>
+            </a:r>
+          </a:p>
+          <a:p>
+            <a:r>
+              <a:rPr lang="en-US" dirty="0"/>
               <a:t>Bob asks Alice to check it out</a:t>
             </a:r>
           </a:p>
           <a:p>
             <a:r>
-              <a:rPr lang="en-US" dirty="0" smtClean="0"/>
-              <a:t>Alice logs in her account, checks her </a:t>
-            </a:r>
-            <a:r>
-              <a:rPr lang="en-US" dirty="0"/>
-              <a:t>F</a:t>
-            </a:r>
-            <a:r>
-              <a:rPr lang="en-US" dirty="0" smtClean="0"/>
-              <a:t>acebook wall but finds:</a:t>
+              <a:rPr lang="en-US" dirty="0"/>
+              <a:t>Alice logs in her account, checks her Facebook wall but finds:</a:t>
             </a:r>
           </a:p>
           <a:p>
@@ -15421,14 +14945,13 @@
               <a:buNone/>
             </a:pPr>
             <a:r>
-              <a:rPr lang="en-US" dirty="0" smtClean="0"/>
+              <a:rPr lang="en-US" dirty="0"/>
               <a:t>	- </a:t>
             </a:r>
             <a:r>
-              <a:rPr lang="en-US" b="1" dirty="0" smtClean="0"/>
+              <a:rPr lang="en-US" b="1" dirty="0"/>
               <a:t>Nothing is there!</a:t>
             </a:r>
-            <a:endParaRPr lang="en-US" b="1" dirty="0"/>
           </a:p>
         </p:txBody>
       </p:sp>
@@ -15607,7 +15130,7 @@
           <a:p>
             <a:pPr algn="ctr"/>
             <a:r>
-              <a:rPr lang="en-US" sz="5400" b="1" cap="none" spc="0" dirty="0" smtClean="0">
+              <a:rPr lang="en-US" sz="5400" b="1" cap="none" spc="0" dirty="0">
                 <a:ln w="12700">
                   <a:solidFill>
                     <a:schemeClr val="tx2">
@@ -15629,26 +15152,6 @@
               </a:rPr>
               <a:t>?</a:t>
             </a:r>
-            <a:endParaRPr lang="en-US" sz="5400" b="1" cap="none" spc="0" dirty="0">
-              <a:ln w="12700">
-                <a:solidFill>
-                  <a:schemeClr val="tx2">
-                    <a:satMod val="155000"/>
-                  </a:schemeClr>
-                </a:solidFill>
-                <a:prstDash val="solid"/>
-              </a:ln>
-              <a:solidFill>
-                <a:schemeClr val="accent5"/>
-              </a:solidFill>
-              <a:effectLst>
-                <a:outerShdw blurRad="41275" dist="20320" dir="1800000" algn="tl" rotWithShape="0">
-                  <a:srgbClr val="000000">
-                    <a:alpha val="40000"/>
-                  </a:srgbClr>
-                </a:outerShdw>
-              </a:effectLst>
-            </a:endParaRPr>
           </a:p>
         </p:txBody>
       </p:sp>
@@ -15662,13 +15165,6 @@
   <p:clrMapOvr>
     <a:masterClrMapping/>
   </p:clrMapOvr>
-  <p:timing>
-    <p:tnLst>
-      <p:par>
-        <p:cTn id="1" dur="indefinite" restart="never" nodeType="tmRoot"/>
-      </p:par>
-    </p:tnLst>
-  </p:timing>
 </p:sld>
 </file>
 
@@ -15716,7 +15212,7 @@
               </a:lnSpc>
             </a:pPr>
             <a:r>
-              <a:rPr lang="en-US" sz="2400" b="1" dirty="0" smtClean="0"/>
+              <a:rPr lang="en-US" sz="2400" b="1" dirty="0"/>
               <a:t>Brief History of NoSQL Databases</a:t>
             </a:r>
           </a:p>
@@ -15727,15 +15223,15 @@
               </a:lnSpc>
             </a:pPr>
             <a:r>
-              <a:rPr lang="en-US" dirty="0" smtClean="0"/>
+              <a:rPr lang="en-US" dirty="0"/>
               <a:t>1998- Carlo </a:t>
             </a:r>
             <a:r>
-              <a:rPr lang="en-US" dirty="0" err="1" smtClean="0"/>
+              <a:rPr lang="en-US" dirty="0" err="1"/>
               <a:t>Strozzi</a:t>
             </a:r>
             <a:r>
-              <a:rPr lang="en-US" dirty="0" smtClean="0"/>
+              <a:rPr lang="en-US" dirty="0"/>
               <a:t> use the term NoSQL for his lightweight, open-source relational  </a:t>
             </a:r>
           </a:p>
@@ -15747,11 +15243,7 @@
             </a:pPr>
             <a:r>
               <a:rPr lang="en-US" dirty="0"/>
-              <a:t> </a:t>
-            </a:r>
-            <a:r>
-              <a:rPr lang="en-US" dirty="0" smtClean="0"/>
-              <a:t>          database</a:t>
+              <a:t>           database</a:t>
             </a:r>
           </a:p>
           <a:p>
@@ -15761,7 +15253,7 @@
               </a:lnSpc>
             </a:pPr>
             <a:r>
-              <a:rPr lang="en-US" dirty="0" smtClean="0"/>
+              <a:rPr lang="en-US" dirty="0"/>
               <a:t>2000- Graph database Neo4j is launched</a:t>
             </a:r>
           </a:p>
@@ -15772,15 +15264,15 @@
               </a:lnSpc>
             </a:pPr>
             <a:r>
-              <a:rPr lang="en-US" dirty="0" smtClean="0"/>
+              <a:rPr lang="en-US" dirty="0"/>
               <a:t>2004- Google </a:t>
             </a:r>
             <a:r>
-              <a:rPr lang="en-US" dirty="0" err="1" smtClean="0"/>
+              <a:rPr lang="en-US" dirty="0" err="1"/>
               <a:t>BigTable</a:t>
             </a:r>
             <a:r>
-              <a:rPr lang="en-US" dirty="0" smtClean="0"/>
+              <a:rPr lang="en-US" dirty="0"/>
               <a:t> is launched</a:t>
             </a:r>
           </a:p>
@@ -15791,15 +15283,15 @@
               </a:lnSpc>
             </a:pPr>
             <a:r>
-              <a:rPr lang="en-US" dirty="0" smtClean="0"/>
+              <a:rPr lang="en-US" dirty="0"/>
               <a:t>2005- </a:t>
             </a:r>
             <a:r>
-              <a:rPr lang="en-US" dirty="0" err="1" smtClean="0"/>
+              <a:rPr lang="en-US" dirty="0" err="1"/>
               <a:t>CouchDB</a:t>
             </a:r>
             <a:r>
-              <a:rPr lang="en-US" dirty="0" smtClean="0"/>
+              <a:rPr lang="en-US" dirty="0"/>
               <a:t> is launched</a:t>
             </a:r>
           </a:p>
@@ -15810,7 +15302,7 @@
               </a:lnSpc>
             </a:pPr>
             <a:r>
-              <a:rPr lang="en-US" dirty="0" smtClean="0"/>
+              <a:rPr lang="en-US" dirty="0"/>
               <a:t>2007- The research paper on Amazon Dynamo is released</a:t>
             </a:r>
           </a:p>
@@ -15821,7 +15313,7 @@
               </a:lnSpc>
             </a:pPr>
             <a:r>
-              <a:rPr lang="en-US" dirty="0" smtClean="0"/>
+              <a:rPr lang="en-US" dirty="0"/>
               <a:t>2008- Facebooks open sources the Cassandra project</a:t>
             </a:r>
           </a:p>
@@ -15832,7 +15324,7 @@
               </a:lnSpc>
             </a:pPr>
             <a:r>
-              <a:rPr lang="en-US" dirty="0" smtClean="0"/>
+              <a:rPr lang="en-US" dirty="0"/>
               <a:t>2009- The term NoSQL was reintroduced</a:t>
             </a:r>
             <a:endParaRPr lang="en-IN" dirty="0"/>
@@ -15849,13 +15341,6 @@
   <p:clrMapOvr>
     <a:masterClrMapping/>
   </p:clrMapOvr>
-  <p:timing>
-    <p:tnLst>
-      <p:par>
-        <p:cTn id="1" dur="indefinite" restart="never" nodeType="tmRoot"/>
-      </p:par>
-    </p:tnLst>
-  </p:timing>
 </p:sld>
 </file>
 
@@ -15894,17 +15379,16 @@
           <a:lstStyle/>
           <a:p>
             <a:r>
-              <a:rPr lang="en-US" dirty="0" smtClean="0"/>
+              <a:rPr lang="en-US" dirty="0"/>
               <a:t>Eventual Consistency</a:t>
             </a:r>
             <a:br>
-              <a:rPr lang="en-US" dirty="0" smtClean="0"/>
+              <a:rPr lang="en-US" dirty="0"/>
             </a:br>
             <a:r>
-              <a:rPr lang="en-US" dirty="0" smtClean="0"/>
+              <a:rPr lang="en-US" dirty="0"/>
               <a:t>- A Facebook Example</a:t>
             </a:r>
-            <a:endParaRPr lang="en-US" dirty="0"/>
           </a:p>
         </p:txBody>
       </p:sp>
@@ -15924,13 +15408,13 @@
           <a:lstStyle/>
           <a:p>
             <a:r>
-              <a:rPr lang="en-US" dirty="0" smtClean="0"/>
+              <a:rPr lang="en-US" dirty="0"/>
               <a:t>Bob tells Alice to wait a bit and check out later</a:t>
             </a:r>
           </a:p>
           <a:p>
             <a:r>
-              <a:rPr lang="en-US" dirty="0" smtClean="0"/>
+              <a:rPr lang="en-US" dirty="0"/>
               <a:t>Alice waits for a minute or so and checks back:</a:t>
             </a:r>
           </a:p>
@@ -15939,14 +15423,13 @@
               <a:buNone/>
             </a:pPr>
             <a:r>
-              <a:rPr lang="en-US" dirty="0" smtClean="0"/>
+              <a:rPr lang="en-US" dirty="0"/>
               <a:t>	- </a:t>
             </a:r>
             <a:r>
-              <a:rPr lang="en-US" b="1" dirty="0" smtClean="0"/>
+              <a:rPr lang="en-US" b="1" dirty="0"/>
               <a:t>She finds the story Bob shared with her!</a:t>
             </a:r>
-            <a:endParaRPr lang="en-US" b="1" dirty="0"/>
           </a:p>
         </p:txBody>
       </p:sp>
@@ -16132,13 +15615,6 @@
   <p:clrMapOvr>
     <a:masterClrMapping/>
   </p:clrMapOvr>
-  <p:timing>
-    <p:tnLst>
-      <p:par>
-        <p:cTn id="1" dur="indefinite" restart="never" nodeType="tmRoot"/>
-      </p:par>
-    </p:tnLst>
-  </p:timing>
 </p:sld>
 </file>
 
@@ -16177,17 +15653,16 @@
           <a:lstStyle/>
           <a:p>
             <a:r>
-              <a:rPr lang="en-US" dirty="0" smtClean="0"/>
+              <a:rPr lang="en-US" dirty="0"/>
               <a:t>Eventual Consistency</a:t>
             </a:r>
             <a:br>
-              <a:rPr lang="en-US" dirty="0" smtClean="0"/>
+              <a:rPr lang="en-US" dirty="0"/>
             </a:br>
             <a:r>
-              <a:rPr lang="en-US" dirty="0" smtClean="0"/>
+              <a:rPr lang="en-US" dirty="0"/>
               <a:t>- A Facebook Example</a:t>
             </a:r>
-            <a:endParaRPr lang="en-US" dirty="0"/>
           </a:p>
         </p:txBody>
       </p:sp>
@@ -16209,42 +15684,42 @@
           <a:lstStyle/>
           <a:p>
             <a:r>
-              <a:rPr lang="en-US" dirty="0" smtClean="0"/>
+              <a:rPr lang="en-US" dirty="0"/>
               <a:t>Reason: it is possible because Facebook uses an </a:t>
             </a:r>
             <a:r>
-              <a:rPr lang="en-US" b="1" dirty="0" smtClean="0"/>
+              <a:rPr lang="en-US" b="1" dirty="0"/>
               <a:t>eventual consistent model</a:t>
             </a:r>
           </a:p>
           <a:p>
             <a:r>
-              <a:rPr lang="en-US" dirty="0" smtClean="0"/>
+              <a:rPr lang="en-US" dirty="0"/>
               <a:t>Why Facebook chooses eventual consistent model over the strong consistent one?</a:t>
             </a:r>
           </a:p>
           <a:p>
             <a:pPr lvl="1"/>
             <a:r>
-              <a:rPr lang="en-US" dirty="0" smtClean="0"/>
+              <a:rPr lang="en-US" dirty="0"/>
               <a:t>Facebook has more than 1 billion active users</a:t>
             </a:r>
           </a:p>
           <a:p>
             <a:pPr lvl="1"/>
             <a:r>
-              <a:rPr lang="en-US" dirty="0" smtClean="0"/>
+              <a:rPr lang="en-US" dirty="0"/>
               <a:t>It is non-trivial to efficiently and reliably store the huge amount of data generated at any given time</a:t>
             </a:r>
           </a:p>
           <a:p>
             <a:pPr lvl="1"/>
             <a:r>
-              <a:rPr lang="en-US" dirty="0" smtClean="0"/>
+              <a:rPr lang="en-US" dirty="0"/>
               <a:t>Eventual consistent model offers the option to </a:t>
             </a:r>
             <a:r>
-              <a:rPr lang="en-US" b="1" dirty="0" smtClean="0"/>
+              <a:rPr lang="en-US" b="1" dirty="0"/>
               <a:t>reduce the load and improve availability </a:t>
             </a:r>
           </a:p>
@@ -16439,25 +15914,24 @@
           <a:lstStyle/>
           <a:p>
             <a:r>
-              <a:rPr lang="en-US" dirty="0" smtClean="0"/>
+              <a:rPr lang="en-US" dirty="0"/>
               <a:t>Eventual Consistency</a:t>
             </a:r>
             <a:br>
-              <a:rPr lang="en-US" dirty="0" smtClean="0"/>
+              <a:rPr lang="en-US" dirty="0"/>
             </a:br>
             <a:r>
-              <a:rPr lang="en-US" dirty="0" smtClean="0"/>
+              <a:rPr lang="en-US" dirty="0"/>
               <a:t>- A </a:t>
             </a:r>
             <a:r>
-              <a:rPr lang="en-US" dirty="0" err="1" smtClean="0"/>
+              <a:rPr lang="en-US" dirty="0" err="1"/>
               <a:t>Dropbox</a:t>
             </a:r>
             <a:r>
-              <a:rPr lang="en-US" dirty="0" smtClean="0"/>
+              <a:rPr lang="en-US" dirty="0"/>
               <a:t> Example</a:t>
             </a:r>
-            <a:endParaRPr lang="en-US" dirty="0"/>
           </a:p>
         </p:txBody>
       </p:sp>
@@ -16477,17 +15951,17 @@
           <a:lstStyle/>
           <a:p>
             <a:r>
-              <a:rPr lang="en-US" dirty="0" err="1" smtClean="0"/>
+              <a:rPr lang="en-US" dirty="0" err="1"/>
               <a:t>Dropbox</a:t>
             </a:r>
             <a:r>
-              <a:rPr lang="en-US" dirty="0" smtClean="0"/>
+              <a:rPr lang="en-US" dirty="0"/>
               <a:t> enabled immediate consistency via synchronization in many cases.</a:t>
             </a:r>
           </a:p>
           <a:p>
             <a:r>
-              <a:rPr lang="en-US" dirty="0" smtClean="0"/>
+              <a:rPr lang="en-US" dirty="0"/>
               <a:t>However, what happens in case of a network partition? </a:t>
             </a:r>
           </a:p>
@@ -16575,13 +16049,6 @@
   <p:clrMapOvr>
     <a:masterClrMapping/>
   </p:clrMapOvr>
-  <p:timing>
-    <p:tnLst>
-      <p:par>
-        <p:cTn id="1" dur="indefinite" restart="never" nodeType="tmRoot"/>
-      </p:par>
-    </p:tnLst>
-  </p:timing>
 </p:sld>
 </file>
 
@@ -16620,25 +16087,24 @@
           <a:lstStyle/>
           <a:p>
             <a:r>
-              <a:rPr lang="en-US" dirty="0" smtClean="0"/>
+              <a:rPr lang="en-US" dirty="0"/>
               <a:t>Eventual Consistency</a:t>
             </a:r>
             <a:br>
-              <a:rPr lang="en-US" dirty="0" smtClean="0"/>
+              <a:rPr lang="en-US" dirty="0"/>
             </a:br>
             <a:r>
-              <a:rPr lang="en-US" dirty="0" smtClean="0"/>
+              <a:rPr lang="en-US" dirty="0"/>
               <a:t>- A </a:t>
             </a:r>
             <a:r>
-              <a:rPr lang="en-US" dirty="0" err="1" smtClean="0"/>
+              <a:rPr lang="en-US" dirty="0" err="1"/>
               <a:t>Dropbox</a:t>
             </a:r>
             <a:r>
-              <a:rPr lang="en-US" dirty="0" smtClean="0"/>
+              <a:rPr lang="en-US" dirty="0"/>
               <a:t> Example</a:t>
             </a:r>
-            <a:endParaRPr lang="en-US" dirty="0"/>
           </a:p>
         </p:txBody>
       </p:sp>
@@ -16660,51 +16126,51 @@
           <a:lstStyle/>
           <a:p>
             <a:r>
-              <a:rPr lang="en-US" dirty="0" smtClean="0"/>
+              <a:rPr lang="en-US" dirty="0"/>
               <a:t>Let’s do a simple experiment here:</a:t>
             </a:r>
           </a:p>
           <a:p>
             <a:pPr lvl="1"/>
             <a:r>
-              <a:rPr lang="en-US" dirty="0" smtClean="0"/>
+              <a:rPr lang="en-US" dirty="0"/>
               <a:t>Open a file in your drop box</a:t>
             </a:r>
           </a:p>
           <a:p>
             <a:pPr lvl="1"/>
             <a:r>
-              <a:rPr lang="en-US" dirty="0" smtClean="0"/>
+              <a:rPr lang="en-US" dirty="0"/>
               <a:t>Disable your network connection (e.g., </a:t>
             </a:r>
             <a:r>
-              <a:rPr lang="en-US" dirty="0" err="1" smtClean="0"/>
+              <a:rPr lang="en-US" dirty="0" err="1"/>
               <a:t>WiFi</a:t>
             </a:r>
             <a:r>
-              <a:rPr lang="en-US" dirty="0" smtClean="0"/>
+              <a:rPr lang="en-US" dirty="0"/>
               <a:t>, 4G) </a:t>
             </a:r>
           </a:p>
           <a:p>
             <a:pPr lvl="1"/>
             <a:r>
-              <a:rPr lang="en-US" dirty="0" smtClean="0"/>
+              <a:rPr lang="en-US" dirty="0"/>
               <a:t>Try to edit the file in the drop box: can you do that?</a:t>
             </a:r>
           </a:p>
           <a:p>
             <a:pPr lvl="1"/>
             <a:r>
-              <a:rPr lang="en-US" dirty="0" smtClean="0"/>
+              <a:rPr lang="en-US" dirty="0"/>
               <a:t>Re-enable your network connection: what happens to your </a:t>
             </a:r>
             <a:r>
-              <a:rPr lang="en-US" dirty="0" err="1" smtClean="0"/>
+              <a:rPr lang="en-US" dirty="0" err="1"/>
               <a:t>dropbox</a:t>
             </a:r>
             <a:r>
-              <a:rPr lang="en-US" dirty="0" smtClean="0"/>
+              <a:rPr lang="en-US" dirty="0"/>
               <a:t> folder?</a:t>
             </a:r>
           </a:p>
@@ -16720,13 +16186,6 @@
   <p:clrMapOvr>
     <a:masterClrMapping/>
   </p:clrMapOvr>
-  <p:timing>
-    <p:tnLst>
-      <p:par>
-        <p:cTn id="1" dur="indefinite" restart="never" nodeType="tmRoot"/>
-      </p:par>
-    </p:tnLst>
-  </p:timing>
 </p:sld>
 </file>
 
@@ -16765,25 +16224,24 @@
           <a:lstStyle/>
           <a:p>
             <a:r>
-              <a:rPr lang="en-US" dirty="0" smtClean="0"/>
+              <a:rPr lang="en-US" dirty="0"/>
               <a:t>Eventual Consistency</a:t>
             </a:r>
             <a:br>
-              <a:rPr lang="en-US" dirty="0" smtClean="0"/>
+              <a:rPr lang="en-US" dirty="0"/>
             </a:br>
             <a:r>
-              <a:rPr lang="en-US" dirty="0" smtClean="0"/>
+              <a:rPr lang="en-US" dirty="0"/>
               <a:t>- A </a:t>
             </a:r>
             <a:r>
-              <a:rPr lang="en-US" dirty="0" err="1" smtClean="0"/>
+              <a:rPr lang="en-US" dirty="0" err="1"/>
               <a:t>Dropbox</a:t>
             </a:r>
             <a:r>
-              <a:rPr lang="en-US" dirty="0" smtClean="0"/>
+              <a:rPr lang="en-US" dirty="0"/>
               <a:t> Example</a:t>
             </a:r>
-            <a:endParaRPr lang="en-US" dirty="0"/>
           </a:p>
         </p:txBody>
       </p:sp>
@@ -16805,11 +16263,11 @@
           <a:lstStyle/>
           <a:p>
             <a:r>
-              <a:rPr lang="en-US" dirty="0" err="1" smtClean="0"/>
+              <a:rPr lang="en-US" dirty="0" err="1"/>
               <a:t>Dropbox</a:t>
             </a:r>
             <a:r>
-              <a:rPr lang="en-US" dirty="0" smtClean="0"/>
+              <a:rPr lang="en-US" dirty="0"/>
               <a:t> embraces eventual consistency:</a:t>
             </a:r>
           </a:p>
@@ -16851,11 +16309,7 @@
             </a:r>
             <a:r>
               <a:rPr lang="en-US" dirty="0"/>
-              <a:t>, not on collaboration, so it is </a:t>
-            </a:r>
-            <a:r>
-              <a:rPr lang="en-US" dirty="0" smtClean="0"/>
-              <a:t>not a real limitation.</a:t>
+              <a:t>, not on collaboration, so it is not a real limitation.</a:t>
             </a:r>
           </a:p>
         </p:txBody>
@@ -16870,13 +16324,6 @@
   <p:clrMapOvr>
     <a:masterClrMapping/>
   </p:clrMapOvr>
-  <p:timing>
-    <p:tnLst>
-      <p:par>
-        <p:cTn id="1" dur="indefinite" restart="never" nodeType="tmRoot"/>
-      </p:par>
-    </p:tnLst>
-  </p:timing>
 </p:sld>
 </file>
 
@@ -16920,17 +16367,16 @@
           <a:lstStyle/>
           <a:p>
             <a:r>
-              <a:rPr lang="en-US" dirty="0" smtClean="0"/>
+              <a:rPr lang="en-US" dirty="0"/>
               <a:t>Eventual Consistency</a:t>
             </a:r>
             <a:br>
-              <a:rPr lang="en-US" dirty="0" smtClean="0"/>
+              <a:rPr lang="en-US" dirty="0"/>
             </a:br>
             <a:r>
-              <a:rPr lang="en-US" dirty="0" smtClean="0"/>
+              <a:rPr lang="en-US" dirty="0"/>
               <a:t>- An ATM Example</a:t>
             </a:r>
-            <a:endParaRPr lang="en-US" dirty="0"/>
           </a:p>
         </p:txBody>
       </p:sp>
@@ -16957,71 +16403,69 @@
           <a:lstStyle/>
           <a:p>
             <a:r>
-              <a:rPr lang="en-US" dirty="0" smtClean="0"/>
+              <a:rPr lang="en-US" dirty="0"/>
               <a:t>In design of automated teller machine (ATM):</a:t>
             </a:r>
           </a:p>
           <a:p>
             <a:pPr lvl="1"/>
             <a:r>
-              <a:rPr lang="en-US" dirty="0" smtClean="0"/>
+              <a:rPr lang="en-US" dirty="0"/>
               <a:t>Strong consistency appear to be a nature choice</a:t>
             </a:r>
-            <a:endParaRPr lang="en-US" dirty="0"/>
           </a:p>
           <a:p>
             <a:pPr lvl="1"/>
             <a:r>
-              <a:rPr lang="en-US" dirty="0" smtClean="0"/>
+              <a:rPr lang="en-US" dirty="0"/>
               <a:t>However, in practice, </a:t>
             </a:r>
             <a:r>
-              <a:rPr lang="en-US" b="1" dirty="0" smtClean="0"/>
+              <a:rPr lang="en-US" b="1" dirty="0"/>
               <a:t>A beats C</a:t>
             </a:r>
-            <a:endParaRPr lang="en-US" b="1" dirty="0"/>
           </a:p>
           <a:p>
             <a:pPr lvl="1"/>
             <a:r>
-              <a:rPr lang="en-US" dirty="0" smtClean="0"/>
+              <a:rPr lang="en-US" dirty="0"/>
               <a:t>Higher availability means </a:t>
             </a:r>
             <a:r>
-              <a:rPr lang="en-US" b="1" dirty="0" smtClean="0"/>
+              <a:rPr lang="en-US" b="1" dirty="0"/>
               <a:t>higher revenue</a:t>
             </a:r>
           </a:p>
           <a:p>
             <a:pPr lvl="1"/>
             <a:r>
-              <a:rPr lang="en-US" dirty="0" smtClean="0"/>
+              <a:rPr lang="en-US" dirty="0"/>
               <a:t>ATM will allow you to withdraw money </a:t>
             </a:r>
             <a:r>
-              <a:rPr lang="en-US" i="1" dirty="0" smtClean="0"/>
+              <a:rPr lang="en-US" i="1" dirty="0"/>
               <a:t>even if the machine is partitioned from the network</a:t>
             </a:r>
           </a:p>
           <a:p>
             <a:pPr lvl="1"/>
             <a:r>
-              <a:rPr lang="en-US" dirty="0" smtClean="0"/>
+              <a:rPr lang="en-US" dirty="0"/>
               <a:t>However, it puts </a:t>
             </a:r>
             <a:r>
-              <a:rPr lang="en-US" b="1" dirty="0" smtClean="0"/>
+              <a:rPr lang="en-US" b="1" dirty="0"/>
               <a:t>a limit </a:t>
             </a:r>
             <a:r>
-              <a:rPr lang="en-US" dirty="0" smtClean="0"/>
+              <a:rPr lang="en-US" dirty="0"/>
               <a:t>on the amount of withdraw (e.g., $200)</a:t>
             </a:r>
           </a:p>
           <a:p>
             <a:pPr lvl="1"/>
             <a:r>
-              <a:rPr lang="en-US" dirty="0" smtClean="0"/>
+              <a:rPr lang="en-US" dirty="0"/>
               <a:t>The bank might also charge you a fee when a overdraft happens</a:t>
             </a:r>
           </a:p>
@@ -17029,7 +16473,7 @@
             <a:pPr marL="0" indent="0">
               <a:buNone/>
             </a:pPr>
-            <a:endParaRPr lang="en-US" dirty="0" smtClean="0"/>
+            <a:endParaRPr lang="en-US" dirty="0"/>
           </a:p>
         </p:txBody>
       </p:sp>
@@ -17326,22 +16770,21 @@
           <a:lstStyle/>
           <a:p>
             <a:r>
-              <a:rPr lang="en-US" dirty="0" smtClean="0"/>
+              <a:rPr lang="en-US" dirty="0"/>
               <a:t>Dynamic Tradeoff between </a:t>
             </a:r>
             <a:r>
-              <a:rPr lang="en-US" b="1" dirty="0" smtClean="0"/>
+              <a:rPr lang="en-US" b="1" dirty="0"/>
               <a:t>C</a:t>
             </a:r>
             <a:r>
-              <a:rPr lang="en-US" dirty="0" smtClean="0"/>
+              <a:rPr lang="en-US" dirty="0"/>
               <a:t> and </a:t>
             </a:r>
             <a:r>
-              <a:rPr lang="en-US" b="1" dirty="0" smtClean="0"/>
+              <a:rPr lang="en-US" b="1" dirty="0"/>
               <a:t>A</a:t>
             </a:r>
-            <a:endParaRPr lang="en-US" b="1" dirty="0"/>
           </a:p>
         </p:txBody>
       </p:sp>
@@ -17363,27 +16806,27 @@
           <a:lstStyle/>
           <a:p>
             <a:r>
-              <a:rPr lang="en-US" dirty="0" smtClean="0"/>
+              <a:rPr lang="en-US" dirty="0"/>
               <a:t>An airline reservation system:</a:t>
             </a:r>
           </a:p>
           <a:p>
             <a:pPr lvl="1"/>
             <a:r>
-              <a:rPr lang="en-US" dirty="0" smtClean="0"/>
+              <a:rPr lang="en-US" dirty="0"/>
               <a:t>When most of seats are available: it is ok to rely on somewhat out-of-date data, availability is more critical</a:t>
             </a:r>
           </a:p>
           <a:p>
             <a:pPr lvl="1"/>
             <a:r>
-              <a:rPr lang="en-US" dirty="0" smtClean="0"/>
+              <a:rPr lang="en-US" dirty="0"/>
               <a:t>When the plane is close to be filled: it needs more accurate data to ensure the plane is not overbooked, consistency is more critical</a:t>
             </a:r>
           </a:p>
           <a:p>
             <a:r>
-              <a:rPr lang="en-US" dirty="0" smtClean="0"/>
+              <a:rPr lang="en-US" dirty="0"/>
               <a:t>Neither strong consistency nor guaranteed availability, but it may significantly increase the tolerance of network disruption</a:t>
             </a:r>
           </a:p>
@@ -17399,13 +16842,6 @@
   <p:clrMapOvr>
     <a:masterClrMapping/>
   </p:clrMapOvr>
-  <p:timing>
-    <p:tnLst>
-      <p:par>
-        <p:cTn id="1" dur="indefinite" restart="never" nodeType="tmRoot"/>
-      </p:par>
-    </p:tnLst>
-  </p:timing>
 </p:sld>
 </file>
 
@@ -17444,22 +16880,21 @@
           <a:lstStyle/>
           <a:p>
             <a:r>
-              <a:rPr lang="en-US" dirty="0" smtClean="0"/>
+              <a:rPr lang="en-US" dirty="0"/>
               <a:t>Heterogeneity: Segmenting </a:t>
             </a:r>
             <a:r>
-              <a:rPr lang="en-US" b="1" dirty="0" smtClean="0"/>
+              <a:rPr lang="en-US" b="1" dirty="0"/>
               <a:t>C</a:t>
             </a:r>
             <a:r>
-              <a:rPr lang="en-US" dirty="0" smtClean="0"/>
+              <a:rPr lang="en-US" dirty="0"/>
               <a:t> and </a:t>
             </a:r>
             <a:r>
-              <a:rPr lang="en-US" b="1" dirty="0" smtClean="0"/>
+              <a:rPr lang="en-US" b="1" dirty="0"/>
               <a:t>A</a:t>
             </a:r>
-            <a:endParaRPr lang="en-US" b="1" dirty="0"/>
           </a:p>
         </p:txBody>
       </p:sp>
@@ -17481,53 +16916,53 @@
           <a:lstStyle/>
           <a:p>
             <a:r>
-              <a:rPr lang="en-US" dirty="0" smtClean="0"/>
+              <a:rPr lang="en-US" dirty="0"/>
               <a:t>No single uniform requirement</a:t>
             </a:r>
           </a:p>
           <a:p>
             <a:pPr lvl="1"/>
             <a:r>
-              <a:rPr lang="en-US" dirty="0" smtClean="0"/>
+              <a:rPr lang="en-US" dirty="0"/>
               <a:t>Some aspects require strong consistency</a:t>
             </a:r>
           </a:p>
           <a:p>
             <a:pPr lvl="1"/>
             <a:r>
-              <a:rPr lang="en-US" dirty="0" smtClean="0"/>
+              <a:rPr lang="en-US" dirty="0"/>
               <a:t>Others require high availability</a:t>
             </a:r>
           </a:p>
           <a:p>
             <a:r>
-              <a:rPr lang="en-US" dirty="0" smtClean="0"/>
+              <a:rPr lang="en-US" dirty="0"/>
               <a:t>Segment the system into different components</a:t>
             </a:r>
           </a:p>
           <a:p>
             <a:pPr lvl="1"/>
             <a:r>
-              <a:rPr lang="en-US" dirty="0" smtClean="0"/>
+              <a:rPr lang="en-US" dirty="0"/>
               <a:t>Each provides different types of guarantees </a:t>
             </a:r>
           </a:p>
           <a:p>
             <a:r>
-              <a:rPr lang="en-US" dirty="0" smtClean="0"/>
+              <a:rPr lang="en-US" dirty="0"/>
               <a:t>Overall guarantees neither consistency nor availability</a:t>
             </a:r>
           </a:p>
           <a:p>
             <a:pPr lvl="1"/>
             <a:r>
-              <a:rPr lang="en-US" dirty="0" smtClean="0"/>
+              <a:rPr lang="en-US" dirty="0"/>
               <a:t>Each part of the service gets exactly what it needs 	</a:t>
             </a:r>
           </a:p>
           <a:p>
             <a:r>
-              <a:rPr lang="en-US" dirty="0" smtClean="0"/>
+              <a:rPr lang="en-US" dirty="0"/>
               <a:t>Can be partitioned along different dimensions</a:t>
             </a:r>
           </a:p>
@@ -17546,13 +16981,6 @@
   <p:clrMapOvr>
     <a:masterClrMapping/>
   </p:clrMapOvr>
-  <p:timing>
-    <p:tnLst>
-      <p:par>
-        <p:cTn id="1" dur="indefinite" restart="never" nodeType="tmRoot"/>
-      </p:par>
-    </p:tnLst>
-  </p:timing>
 </p:sld>
 </file>
 
@@ -17589,10 +17017,9 @@
           <a:lstStyle/>
           <a:p>
             <a:r>
-              <a:rPr lang="en-US" dirty="0" smtClean="0"/>
+              <a:rPr lang="en-US" dirty="0"/>
               <a:t>Discussion</a:t>
             </a:r>
-            <a:endParaRPr lang="en-US" dirty="0"/>
           </a:p>
         </p:txBody>
       </p:sp>
@@ -17619,52 +17046,51 @@
           <a:lstStyle/>
           <a:p>
             <a:r>
-              <a:rPr lang="en-US" dirty="0" smtClean="0"/>
+              <a:rPr lang="en-US" dirty="0"/>
               <a:t>In an e-commercial system (e.g., Amazon, e-Bay, </a:t>
             </a:r>
             <a:r>
-              <a:rPr lang="en-US" dirty="0" err="1" smtClean="0"/>
+              <a:rPr lang="en-US" dirty="0" err="1"/>
               <a:t>etc</a:t>
             </a:r>
             <a:r>
-              <a:rPr lang="en-US" dirty="0" smtClean="0"/>
+              <a:rPr lang="en-US" dirty="0"/>
               <a:t>), what are the trade-offs between consistency and availability you can think of? What is your strategy?</a:t>
             </a:r>
           </a:p>
           <a:p>
             <a:r>
-              <a:rPr lang="en-US" dirty="0" smtClean="0"/>
+              <a:rPr lang="en-US" dirty="0"/>
               <a:t>Hint -&gt; Things you might want to consider:</a:t>
             </a:r>
           </a:p>
           <a:p>
             <a:pPr lvl="1"/>
             <a:r>
-              <a:rPr lang="en-US" dirty="0" smtClean="0"/>
+              <a:rPr lang="en-US" dirty="0"/>
               <a:t>Different types of data (e.g., shopping cart, billing, product, etc.)</a:t>
             </a:r>
           </a:p>
           <a:p>
             <a:pPr lvl="1"/>
             <a:r>
-              <a:rPr lang="en-US" dirty="0" smtClean="0"/>
+              <a:rPr lang="en-US" dirty="0"/>
               <a:t>Different types of operations (e.g., query, purchase, etc.)</a:t>
             </a:r>
           </a:p>
           <a:p>
             <a:pPr lvl="1"/>
             <a:r>
-              <a:rPr lang="en-US" dirty="0" smtClean="0"/>
+              <a:rPr lang="en-US" dirty="0"/>
               <a:t>Different types of services (e.g., distributed lock, DNS, etc.)</a:t>
             </a:r>
           </a:p>
           <a:p>
             <a:pPr lvl="1"/>
             <a:r>
-              <a:rPr lang="en-US" dirty="0" smtClean="0"/>
+              <a:rPr lang="en-US" dirty="0"/>
               <a:t>Different groups of users (e.g., users in different geographic areas, etc.)</a:t>
             </a:r>
-            <a:endParaRPr lang="en-US" dirty="0"/>
           </a:p>
         </p:txBody>
       </p:sp>
@@ -17678,13 +17104,6 @@
   <p:clrMapOvr>
     <a:masterClrMapping/>
   </p:clrMapOvr>
-  <p:timing>
-    <p:tnLst>
-      <p:par>
-        <p:cTn id="1" dur="indefinite" restart="never" nodeType="tmRoot"/>
-      </p:par>
-    </p:tnLst>
-  </p:timing>
 </p:sld>
 </file>
 
@@ -17721,10 +17140,9 @@
           <a:lstStyle/>
           <a:p>
             <a:r>
-              <a:rPr lang="en-US" dirty="0" smtClean="0"/>
+              <a:rPr lang="en-US" dirty="0"/>
               <a:t>Partitioning Examples</a:t>
             </a:r>
-            <a:endParaRPr lang="en-US" dirty="0"/>
           </a:p>
         </p:txBody>
       </p:sp>
@@ -17744,31 +17162,31 @@
           <a:lstStyle/>
           <a:p>
             <a:r>
-              <a:rPr lang="en-US" dirty="0" smtClean="0"/>
+              <a:rPr lang="en-US" dirty="0"/>
               <a:t>Data Partitioning</a:t>
             </a:r>
           </a:p>
           <a:p>
             <a:r>
-              <a:rPr lang="en-US" dirty="0" smtClean="0"/>
+              <a:rPr lang="en-US" dirty="0"/>
               <a:t>Operational Partitioning</a:t>
             </a:r>
           </a:p>
           <a:p>
             <a:r>
-              <a:rPr lang="en-US" dirty="0" smtClean="0"/>
+              <a:rPr lang="en-US" dirty="0"/>
               <a:t>Functional Partitioning</a:t>
             </a:r>
           </a:p>
           <a:p>
             <a:r>
-              <a:rPr lang="en-US" dirty="0" smtClean="0"/>
+              <a:rPr lang="en-US" dirty="0"/>
               <a:t>User Partitioning</a:t>
             </a:r>
           </a:p>
           <a:p>
             <a:r>
-              <a:rPr lang="en-US" dirty="0" smtClean="0"/>
+              <a:rPr lang="en-US" dirty="0"/>
               <a:t>Hierarchical Partitioning</a:t>
             </a:r>
           </a:p>
@@ -17784,13 +17202,6 @@
   <p:clrMapOvr>
     <a:masterClrMapping/>
   </p:clrMapOvr>
-  <p:timing>
-    <p:tnLst>
-      <p:par>
-        <p:cTn id="1" dur="indefinite" restart="never" nodeType="tmRoot"/>
-      </p:par>
-    </p:tnLst>
-  </p:timing>
 </p:sld>
 </file>
 
@@ -17838,7 +17249,7 @@
               </a:lnSpc>
             </a:pPr>
             <a:r>
-              <a:rPr lang="en-US" sz="2000" b="1" dirty="0" smtClean="0"/>
+              <a:rPr lang="en-US" sz="2000" b="1" dirty="0"/>
               <a:t>Features of NoSQL</a:t>
             </a:r>
           </a:p>
@@ -17849,12 +17260,12 @@
               </a:lnSpc>
             </a:pPr>
             <a:r>
-              <a:rPr lang="en-US" sz="2000" b="1" dirty="0" smtClean="0"/>
+              <a:rPr lang="en-US" sz="2000" b="1" dirty="0"/>
               <a:t>Non-relational</a:t>
             </a:r>
           </a:p>
           <a:p>
-            <a:endParaRPr lang="en-US" dirty="0" smtClean="0"/>
+            <a:endParaRPr lang="en-US" dirty="0"/>
           </a:p>
           <a:p>
             <a:pPr marL="285750" indent="-285750">
@@ -17865,7 +17276,7 @@
               <a:buChar char="•"/>
             </a:pPr>
             <a:r>
-              <a:rPr lang="en-US" dirty="0" smtClean="0"/>
+              <a:rPr lang="en-US" dirty="0"/>
               <a:t>NoSQL databases never follow the relational model</a:t>
             </a:r>
           </a:p>
@@ -17878,7 +17289,7 @@
               <a:buChar char="•"/>
             </a:pPr>
             <a:r>
-              <a:rPr lang="en-US" dirty="0" smtClean="0"/>
+              <a:rPr lang="en-US" dirty="0"/>
               <a:t>Never provide tables with flat fixed-column records</a:t>
             </a:r>
           </a:p>
@@ -17891,7 +17302,7 @@
               <a:buChar char="•"/>
             </a:pPr>
             <a:r>
-              <a:rPr lang="en-US" dirty="0" smtClean="0"/>
+              <a:rPr lang="en-US" dirty="0"/>
               <a:t>Work with self-contained aggregates or BLOBs</a:t>
             </a:r>
           </a:p>
@@ -17904,7 +17315,7 @@
               <a:buChar char="•"/>
             </a:pPr>
             <a:r>
-              <a:rPr lang="en-US" dirty="0" smtClean="0"/>
+              <a:rPr lang="en-US" dirty="0"/>
               <a:t>Doesn’t require object-relational mapping and data normalization</a:t>
             </a:r>
           </a:p>
@@ -17917,7 +17328,7 @@
               <a:buChar char="•"/>
             </a:pPr>
             <a:r>
-              <a:rPr lang="en-US" dirty="0" smtClean="0"/>
+              <a:rPr lang="en-US" dirty="0"/>
               <a:t>No complex features like query languages, query planners , referential integrity joins, ACID</a:t>
             </a:r>
           </a:p>
@@ -17926,12 +17337,12 @@
           </a:p>
           <a:p>
             <a:r>
-              <a:rPr lang="en-US" sz="2000" b="1" dirty="0" smtClean="0"/>
+              <a:rPr lang="en-US" sz="2000" b="1" dirty="0"/>
               <a:t>Schema-free</a:t>
             </a:r>
           </a:p>
           <a:p>
-            <a:endParaRPr lang="en-US" dirty="0" smtClean="0"/>
+            <a:endParaRPr lang="en-US" dirty="0"/>
           </a:p>
           <a:p>
             <a:pPr marL="285750" indent="-285750">
@@ -17942,7 +17353,7 @@
               <a:buChar char="•"/>
             </a:pPr>
             <a:r>
-              <a:rPr lang="en-US" dirty="0" smtClean="0"/>
+              <a:rPr lang="en-US" dirty="0"/>
               <a:t>NoSQL databases are either schema-free or have relaxed schemas</a:t>
             </a:r>
           </a:p>
@@ -17955,7 +17366,7 @@
               <a:buChar char="•"/>
             </a:pPr>
             <a:r>
-              <a:rPr lang="en-US" dirty="0" smtClean="0"/>
+              <a:rPr lang="en-US" dirty="0"/>
               <a:t>Do not require any sort of definition of the schema of the data</a:t>
             </a:r>
           </a:p>
@@ -17968,7 +17379,7 @@
               <a:buChar char="•"/>
             </a:pPr>
             <a:r>
-              <a:rPr lang="en-US" dirty="0" smtClean="0"/>
+              <a:rPr lang="en-US" dirty="0"/>
               <a:t>Offers heterogeneous structures of data in the same domain</a:t>
             </a:r>
             <a:endParaRPr lang="en-IN" dirty="0"/>
@@ -17985,13 +17396,6 @@
   <p:clrMapOvr>
     <a:masterClrMapping/>
   </p:clrMapOvr>
-  <p:timing>
-    <p:tnLst>
-      <p:par>
-        <p:cTn id="1" dur="indefinite" restart="never" nodeType="tmRoot"/>
-      </p:par>
-    </p:tnLst>
-  </p:timing>
 </p:sld>
 </file>
 
@@ -18028,10 +17432,9 @@
           <a:lstStyle/>
           <a:p>
             <a:r>
-              <a:rPr lang="en-US" dirty="0" smtClean="0"/>
+              <a:rPr lang="en-US" dirty="0"/>
               <a:t>Partitioning Examples</a:t>
             </a:r>
-            <a:endParaRPr lang="en-US" dirty="0"/>
           </a:p>
         </p:txBody>
       </p:sp>
@@ -18056,7 +17459,7 @@
               <a:buNone/>
             </a:pPr>
             <a:r>
-              <a:rPr lang="en-US" dirty="0" smtClean="0"/>
+              <a:rPr lang="en-US" dirty="0"/>
               <a:t>Data Partitioning</a:t>
             </a:r>
           </a:p>
@@ -18066,7 +17469,7 @@
               <a:buChar char="•"/>
             </a:pPr>
             <a:r>
-              <a:rPr lang="en-US" dirty="0" smtClean="0"/>
+              <a:rPr lang="en-US" dirty="0"/>
               <a:t>Different data may require different consistency and availability</a:t>
             </a:r>
           </a:p>
@@ -18076,7 +17479,7 @@
               <a:buChar char="•"/>
             </a:pPr>
             <a:r>
-              <a:rPr lang="en-US" dirty="0" smtClean="0"/>
+              <a:rPr lang="en-US" dirty="0"/>
               <a:t>Example:</a:t>
             </a:r>
           </a:p>
@@ -18086,7 +17489,7 @@
               <a:buChar char="•"/>
             </a:pPr>
             <a:r>
-              <a:rPr lang="en-US" dirty="0" smtClean="0"/>
+              <a:rPr lang="en-US" dirty="0"/>
               <a:t>Shopping cart: high availability, responsive, can sometimes suffer anomalies</a:t>
             </a:r>
           </a:p>
@@ -18096,7 +17499,7 @@
               <a:buChar char="•"/>
             </a:pPr>
             <a:r>
-              <a:rPr lang="en-US" dirty="0" smtClean="0"/>
+              <a:rPr lang="en-US" dirty="0"/>
               <a:t>Product information need to be available, slight variation in inventory is sufferable</a:t>
             </a:r>
           </a:p>
@@ -18106,7 +17509,7 @@
               <a:buChar char="•"/>
             </a:pPr>
             <a:r>
-              <a:rPr lang="en-US" dirty="0" smtClean="0"/>
+              <a:rPr lang="en-US" dirty="0"/>
               <a:t>Checkout, billing, shipping records must be consistent</a:t>
             </a:r>
           </a:p>
@@ -18122,13 +17525,6 @@
   <p:clrMapOvr>
     <a:masterClrMapping/>
   </p:clrMapOvr>
-  <p:timing>
-    <p:tnLst>
-      <p:par>
-        <p:cTn id="1" dur="indefinite" restart="never" nodeType="tmRoot"/>
-      </p:par>
-    </p:tnLst>
-  </p:timing>
 </p:sld>
 </file>
 
@@ -18165,10 +17561,9 @@
           <a:lstStyle/>
           <a:p>
             <a:r>
-              <a:rPr lang="en-US" dirty="0" smtClean="0"/>
+              <a:rPr lang="en-US" dirty="0"/>
               <a:t>Partitioning Examples</a:t>
             </a:r>
-            <a:endParaRPr lang="en-US" dirty="0"/>
           </a:p>
         </p:txBody>
       </p:sp>
@@ -18193,7 +17588,7 @@
               <a:buNone/>
             </a:pPr>
             <a:r>
-              <a:rPr lang="en-US" dirty="0" smtClean="0"/>
+              <a:rPr lang="en-US" dirty="0"/>
               <a:t>Operational Partitioning</a:t>
             </a:r>
           </a:p>
@@ -18203,7 +17598,7 @@
               <a:buChar char="•"/>
             </a:pPr>
             <a:r>
-              <a:rPr lang="en-US" dirty="0" smtClean="0"/>
+              <a:rPr lang="en-US" dirty="0"/>
               <a:t>Each operation may require different balance between consistency and availability</a:t>
             </a:r>
           </a:p>
@@ -18213,7 +17608,7 @@
               <a:buChar char="•"/>
             </a:pPr>
             <a:r>
-              <a:rPr lang="en-US" dirty="0" smtClean="0"/>
+              <a:rPr lang="en-US" dirty="0"/>
               <a:t>Example:</a:t>
             </a:r>
           </a:p>
@@ -18223,7 +17618,7 @@
               <a:buChar char="•"/>
             </a:pPr>
             <a:r>
-              <a:rPr lang="en-US" dirty="0" smtClean="0"/>
+              <a:rPr lang="en-US" dirty="0"/>
               <a:t>Reads: high availability; e.g.., “query”</a:t>
             </a:r>
           </a:p>
@@ -18233,7 +17628,7 @@
               <a:buChar char="•"/>
             </a:pPr>
             <a:r>
-              <a:rPr lang="en-US" dirty="0" smtClean="0"/>
+              <a:rPr lang="en-US" dirty="0"/>
               <a:t>Writes: high consistency, lock when writing; e.g., “purchase”</a:t>
             </a:r>
           </a:p>
@@ -18249,13 +17644,6 @@
   <p:clrMapOvr>
     <a:masterClrMapping/>
   </p:clrMapOvr>
-  <p:timing>
-    <p:tnLst>
-      <p:par>
-        <p:cTn id="1" dur="indefinite" restart="never" nodeType="tmRoot"/>
-      </p:par>
-    </p:tnLst>
-  </p:timing>
 </p:sld>
 </file>
 
@@ -18292,10 +17680,9 @@
           <a:lstStyle/>
           <a:p>
             <a:r>
-              <a:rPr lang="en-US" dirty="0" smtClean="0"/>
+              <a:rPr lang="en-US" dirty="0"/>
               <a:t>Partitioning Examples</a:t>
             </a:r>
-            <a:endParaRPr lang="en-US" dirty="0"/>
           </a:p>
         </p:txBody>
       </p:sp>
@@ -18320,7 +17707,7 @@
               <a:buNone/>
             </a:pPr>
             <a:r>
-              <a:rPr lang="en-US" dirty="0" smtClean="0"/>
+              <a:rPr lang="en-US" dirty="0"/>
               <a:t>Functional Partitioning</a:t>
             </a:r>
           </a:p>
@@ -18330,7 +17717,7 @@
               <a:buChar char="•"/>
             </a:pPr>
             <a:r>
-              <a:rPr lang="en-US" dirty="0" smtClean="0"/>
+              <a:rPr lang="en-US" dirty="0"/>
               <a:t>System consists of sub-services</a:t>
             </a:r>
           </a:p>
@@ -18340,44 +17727,43 @@
               <a:buChar char="•"/>
             </a:pPr>
             <a:r>
-              <a:rPr lang="en-US" dirty="0" smtClean="0"/>
+              <a:rPr lang="en-US" dirty="0"/>
               <a:t>Different sub-services provide different balances</a:t>
             </a:r>
           </a:p>
           <a:p>
             <a:r>
-              <a:rPr lang="en-US" dirty="0" smtClean="0"/>
+              <a:rPr lang="en-US" dirty="0"/>
               <a:t>Example: A comprehensive distributed system</a:t>
             </a:r>
           </a:p>
           <a:p>
             <a:pPr lvl="1"/>
             <a:r>
-              <a:rPr lang="en-US" dirty="0" smtClean="0"/>
+              <a:rPr lang="en-US" dirty="0"/>
               <a:t>Distributed lock service (e.g., Chubby) :</a:t>
             </a:r>
           </a:p>
           <a:p>
             <a:pPr lvl="2"/>
             <a:r>
-              <a:rPr lang="en-US" dirty="0" smtClean="0"/>
+              <a:rPr lang="en-US" dirty="0"/>
               <a:t>Strong consistency</a:t>
             </a:r>
           </a:p>
           <a:p>
             <a:pPr lvl="1"/>
             <a:r>
-              <a:rPr lang="en-US" dirty="0" smtClean="0"/>
+              <a:rPr lang="en-US" dirty="0"/>
               <a:t>DNS service:</a:t>
             </a:r>
           </a:p>
           <a:p>
             <a:pPr lvl="2"/>
             <a:r>
-              <a:rPr lang="en-US" dirty="0" smtClean="0"/>
+              <a:rPr lang="en-US" dirty="0"/>
               <a:t>High availability</a:t>
             </a:r>
-            <a:endParaRPr lang="en-US" dirty="0"/>
           </a:p>
         </p:txBody>
       </p:sp>
@@ -18391,13 +17777,6 @@
   <p:clrMapOvr>
     <a:masterClrMapping/>
   </p:clrMapOvr>
-  <p:timing>
-    <p:tnLst>
-      <p:par>
-        <p:cTn id="1" dur="indefinite" restart="never" nodeType="tmRoot"/>
-      </p:par>
-    </p:tnLst>
-  </p:timing>
 </p:sld>
 </file>
 
@@ -18434,10 +17813,9 @@
           <a:lstStyle/>
           <a:p>
             <a:r>
-              <a:rPr lang="en-US" dirty="0" smtClean="0"/>
+              <a:rPr lang="en-US" dirty="0"/>
               <a:t>Partitioning Examples</a:t>
             </a:r>
-            <a:endParaRPr lang="en-US" dirty="0"/>
           </a:p>
         </p:txBody>
       </p:sp>
@@ -18462,7 +17840,7 @@
               <a:buNone/>
             </a:pPr>
             <a:r>
-              <a:rPr lang="en-US" dirty="0" smtClean="0"/>
+              <a:rPr lang="en-US" dirty="0"/>
               <a:t>User Partitioning</a:t>
             </a:r>
           </a:p>
@@ -18472,47 +17850,47 @@
               <a:buChar char="•"/>
             </a:pPr>
             <a:r>
-              <a:rPr lang="en-US" dirty="0" smtClean="0"/>
+              <a:rPr lang="en-US" dirty="0"/>
               <a:t>Try to keep related data close together to assure better performance</a:t>
             </a:r>
           </a:p>
           <a:p>
             <a:r>
-              <a:rPr lang="en-US" dirty="0" smtClean="0"/>
+              <a:rPr lang="en-US" dirty="0"/>
               <a:t>Example: </a:t>
             </a:r>
             <a:r>
-              <a:rPr lang="en-US" dirty="0" err="1" smtClean="0"/>
+              <a:rPr lang="en-US" dirty="0" err="1"/>
               <a:t>Craglist</a:t>
             </a:r>
-            <a:endParaRPr lang="en-US" dirty="0" smtClean="0"/>
+            <a:endParaRPr lang="en-US" dirty="0"/>
           </a:p>
           <a:p>
             <a:pPr lvl="1"/>
             <a:r>
-              <a:rPr lang="en-US" dirty="0" smtClean="0"/>
+              <a:rPr lang="en-US" dirty="0"/>
               <a:t>Might want to divide its service into several data centers,  e.g., east coast and west coast</a:t>
             </a:r>
           </a:p>
           <a:p>
             <a:pPr lvl="2"/>
             <a:r>
-              <a:rPr lang="en-US" dirty="0" smtClean="0"/>
+              <a:rPr lang="en-US" dirty="0"/>
               <a:t>Users get high performance (e.g., high availability and good consistency) if they query servers closet to them</a:t>
             </a:r>
           </a:p>
           <a:p>
             <a:pPr lvl="2"/>
             <a:r>
-              <a:rPr lang="en-US" dirty="0" smtClean="0"/>
+              <a:rPr lang="en-US" dirty="0"/>
               <a:t>Poorer performance if a New York user query </a:t>
             </a:r>
             <a:r>
-              <a:rPr lang="en-US" dirty="0" err="1" smtClean="0"/>
+              <a:rPr lang="en-US" dirty="0" err="1"/>
               <a:t>Craglist</a:t>
             </a:r>
             <a:r>
-              <a:rPr lang="en-US" dirty="0" smtClean="0"/>
+              <a:rPr lang="en-US" dirty="0"/>
               <a:t> in San Francisco</a:t>
             </a:r>
           </a:p>
@@ -18528,13 +17906,6 @@
   <p:clrMapOvr>
     <a:masterClrMapping/>
   </p:clrMapOvr>
-  <p:timing>
-    <p:tnLst>
-      <p:par>
-        <p:cTn id="1" dur="indefinite" restart="never" nodeType="tmRoot"/>
-      </p:par>
-    </p:tnLst>
-  </p:timing>
 </p:sld>
 </file>
 
@@ -18571,10 +17942,9 @@
           <a:lstStyle/>
           <a:p>
             <a:r>
-              <a:rPr lang="en-US" dirty="0" smtClean="0"/>
+              <a:rPr lang="en-US" dirty="0"/>
               <a:t>Partitioning Examples</a:t>
             </a:r>
-            <a:endParaRPr lang="en-US" dirty="0"/>
           </a:p>
         </p:txBody>
       </p:sp>
@@ -18599,7 +17969,7 @@
               <a:buNone/>
             </a:pPr>
             <a:r>
-              <a:rPr lang="en-US" dirty="0" smtClean="0"/>
+              <a:rPr lang="en-US" dirty="0"/>
               <a:t>Hierarchical Partitioning</a:t>
             </a:r>
           </a:p>
@@ -18609,33 +17979,33 @@
               <a:buChar char="•"/>
             </a:pPr>
             <a:r>
-              <a:rPr lang="en-US" dirty="0" smtClean="0"/>
+              <a:rPr lang="en-US" dirty="0"/>
               <a:t>Large global service with local “extensions”</a:t>
             </a:r>
           </a:p>
           <a:p>
             <a:r>
-              <a:rPr lang="en-US" dirty="0" smtClean="0"/>
+              <a:rPr lang="en-US" dirty="0"/>
               <a:t>Different location in hierarchy may use different consistency</a:t>
             </a:r>
           </a:p>
           <a:p>
             <a:r>
-              <a:rPr lang="en-US" dirty="0" smtClean="0"/>
+              <a:rPr lang="en-US" dirty="0"/>
               <a:t>Example: </a:t>
             </a:r>
           </a:p>
           <a:p>
             <a:pPr lvl="1"/>
             <a:r>
-              <a:rPr lang="en-US" dirty="0" smtClean="0"/>
+              <a:rPr lang="en-US" dirty="0"/>
               <a:t>Local servers (better connected) guarantee more consistency and availability</a:t>
             </a:r>
           </a:p>
           <a:p>
             <a:pPr lvl="1"/>
             <a:r>
-              <a:rPr lang="en-US" dirty="0" smtClean="0"/>
+              <a:rPr lang="en-US" dirty="0"/>
               <a:t>Global servers has more partition and relax one of the requirement</a:t>
             </a:r>
           </a:p>
@@ -18651,13 +18021,6 @@
   <p:clrMapOvr>
     <a:masterClrMapping/>
   </p:clrMapOvr>
-  <p:timing>
-    <p:tnLst>
-      <p:par>
-        <p:cTn id="1" dur="indefinite" restart="never" nodeType="tmRoot"/>
-      </p:par>
-    </p:tnLst>
-  </p:timing>
 </p:sld>
 </file>
 
@@ -18696,10 +18059,9 @@
           <a:lstStyle/>
           <a:p>
             <a:r>
-              <a:rPr lang="en-US" dirty="0" smtClean="0"/>
+              <a:rPr lang="en-US" dirty="0"/>
               <a:t>What if there are no partitions?</a:t>
             </a:r>
-            <a:endParaRPr lang="en-US" dirty="0"/>
           </a:p>
         </p:txBody>
       </p:sp>
@@ -18726,83 +18088,75 @@
           <a:lstStyle/>
           <a:p>
             <a:r>
-              <a:rPr lang="en-US" dirty="0" smtClean="0"/>
+              <a:rPr lang="en-US" dirty="0"/>
               <a:t>Tradeoff between </a:t>
             </a:r>
             <a:r>
               <a:rPr lang="en-US" b="1" dirty="0"/>
-              <a:t>C</a:t>
-            </a:r>
-            <a:r>
-              <a:rPr lang="en-US" b="1" dirty="0" smtClean="0"/>
-              <a:t>onsistency</a:t>
-            </a:r>
-            <a:r>
-              <a:rPr lang="en-US" dirty="0" smtClean="0"/>
+              <a:t>Consistency</a:t>
+            </a:r>
+            <a:r>
+              <a:rPr lang="en-US" dirty="0"/>
               <a:t> and </a:t>
             </a:r>
             <a:r>
               <a:rPr lang="en-US" b="1" dirty="0"/>
-              <a:t>L</a:t>
-            </a:r>
-            <a:r>
-              <a:rPr lang="en-US" b="1" dirty="0" smtClean="0"/>
-              <a:t>atency</a:t>
-            </a:r>
-            <a:r>
-              <a:rPr lang="en-US" dirty="0" smtClean="0"/>
+              <a:t>Latency</a:t>
+            </a:r>
+            <a:r>
+              <a:rPr lang="en-US" dirty="0"/>
               <a:t>:</a:t>
             </a:r>
           </a:p>
           <a:p>
             <a:r>
-              <a:rPr lang="en-US" dirty="0" smtClean="0"/>
+              <a:rPr lang="en-US" dirty="0"/>
               <a:t>Caused by the </a:t>
             </a:r>
             <a:r>
-              <a:rPr lang="en-US" b="1" dirty="0" smtClean="0"/>
+              <a:rPr lang="en-US" b="1" dirty="0"/>
               <a:t>possibility of failure </a:t>
             </a:r>
             <a:r>
-              <a:rPr lang="en-US" dirty="0" smtClean="0"/>
+              <a:rPr lang="en-US" dirty="0"/>
               <a:t>in distributed systems</a:t>
             </a:r>
           </a:p>
           <a:p>
             <a:pPr lvl="1"/>
             <a:r>
-              <a:rPr lang="en-US" dirty="0" smtClean="0"/>
+              <a:rPr lang="en-US" dirty="0"/>
               <a:t>High availability -&gt; replicate data -&gt; consistency problem</a:t>
             </a:r>
           </a:p>
           <a:p>
             <a:r>
-              <a:rPr lang="en-US" dirty="0" smtClean="0"/>
+              <a:rPr lang="en-US" dirty="0"/>
               <a:t>Basic idea:</a:t>
             </a:r>
           </a:p>
           <a:p>
             <a:pPr lvl="1"/>
             <a:r>
-              <a:rPr lang="en-US" dirty="0" smtClean="0"/>
+              <a:rPr lang="en-US" dirty="0"/>
               <a:t>Availability and latency are arguably </a:t>
             </a:r>
             <a:r>
-              <a:rPr lang="en-US" b="1" dirty="0" smtClean="0"/>
+              <a:rPr lang="en-US" b="1" dirty="0"/>
               <a:t>the same thing</a:t>
             </a:r>
             <a:r>
-              <a:rPr lang="en-US" dirty="0" smtClean="0"/>
+              <a:rPr lang="en-US" dirty="0"/>
               <a:t>: unavailable -&gt; extreme high latency</a:t>
             </a:r>
           </a:p>
           <a:p>
             <a:pPr lvl="1"/>
             <a:r>
-              <a:rPr lang="en-US" dirty="0" smtClean="0"/>
+              <a:rPr lang="en-US" dirty="0"/>
               <a:t>Achieving different levels of consistency/availability takes different amount of time</a:t>
             </a:r>
-            <a:endParaRPr lang="en-US" b="1" dirty="0" smtClean="0"/>
+            <a:endParaRPr lang="en-US" b="1" dirty="0"/>
           </a:p>
           <a:p>
             <a:endParaRPr lang="en-US" dirty="0"/>
@@ -18819,13 +18173,6 @@
   <p:clrMapOvr>
     <a:masterClrMapping/>
   </p:clrMapOvr>
-  <p:timing>
-    <p:tnLst>
-      <p:par>
-        <p:cTn id="1" dur="indefinite" restart="never" nodeType="tmRoot"/>
-      </p:par>
-    </p:tnLst>
-  </p:timing>
 </p:sld>
 </file>
 
@@ -18862,10 +18209,9 @@
           <a:lstStyle/>
           <a:p>
             <a:r>
-              <a:rPr lang="en-US" dirty="0" smtClean="0"/>
+              <a:rPr lang="en-US" dirty="0"/>
               <a:t>CAP -&gt; PACELC</a:t>
             </a:r>
-            <a:endParaRPr lang="en-US" dirty="0"/>
           </a:p>
         </p:txBody>
       </p:sp>
@@ -18887,7 +18233,7 @@
           <a:lstStyle/>
           <a:p>
             <a:r>
-              <a:rPr lang="en-US" dirty="0" smtClean="0"/>
+              <a:rPr lang="en-US" dirty="0"/>
               <a:t>A more complete description of the space of potential tradeoffs for distributed system:</a:t>
             </a:r>
           </a:p>
@@ -18895,27 +18241,11 @@
             <a:pPr lvl="1"/>
             <a:r>
               <a:rPr lang="en-US" dirty="0"/>
-              <a:t>I</a:t>
-            </a:r>
-            <a:r>
-              <a:rPr lang="en-US" dirty="0" smtClean="0"/>
-              <a:t>f </a:t>
-            </a:r>
-            <a:r>
-              <a:rPr lang="en-US" dirty="0"/>
-              <a:t>there is </a:t>
-            </a:r>
-            <a:r>
-              <a:rPr lang="en-US" dirty="0" smtClean="0"/>
-              <a:t>a </a:t>
-            </a:r>
-            <a:r>
-              <a:rPr lang="en-US" b="1" dirty="0" smtClean="0"/>
-              <a:t>partition </a:t>
+              <a:t>If there is a </a:t>
             </a:r>
             <a:r>
               <a:rPr lang="en-US" b="1" dirty="0"/>
-              <a:t>(P)</a:t>
+              <a:t>partition (P)</a:t>
             </a:r>
             <a:r>
               <a:rPr lang="en-US" dirty="0"/>
@@ -18923,15 +18253,7 @@
             </a:r>
             <a:r>
               <a:rPr lang="en-US" b="1" dirty="0"/>
-              <a:t>availability </a:t>
-            </a:r>
-            <a:r>
-              <a:rPr lang="en-US" b="1" dirty="0" smtClean="0"/>
-              <a:t>and consistency </a:t>
-            </a:r>
-            <a:r>
-              <a:rPr lang="en-US" b="1" dirty="0"/>
-              <a:t>(A and C)</a:t>
+              <a:t>availability and consistency (A and C)</a:t>
             </a:r>
             <a:r>
               <a:rPr lang="en-US" dirty="0"/>
@@ -18943,23 +18265,7 @@
             </a:r>
             <a:r>
               <a:rPr lang="en-US" dirty="0"/>
-              <a:t>, when the system is </a:t>
-            </a:r>
-            <a:r>
-              <a:rPr lang="en-US" dirty="0" smtClean="0"/>
-              <a:t>running normally </a:t>
-            </a:r>
-            <a:r>
-              <a:rPr lang="en-US" dirty="0"/>
-              <a:t>in the absence of partitions, how does the </a:t>
-            </a:r>
-            <a:r>
-              <a:rPr lang="en-US" dirty="0" smtClean="0"/>
-              <a:t>system trade </a:t>
-            </a:r>
-            <a:r>
-              <a:rPr lang="en-US" dirty="0"/>
-              <a:t>off </a:t>
+              <a:t>, when the system is running normally in the absence of partitions, how does the system trade off </a:t>
             </a:r>
             <a:r>
               <a:rPr lang="en-US" b="1" dirty="0"/>
@@ -18995,14 +18301,13 @@
           <a:lstStyle/>
           <a:p>
             <a:r>
-              <a:rPr lang="en-US" dirty="0" err="1" smtClean="0"/>
+              <a:rPr lang="en-US" dirty="0" err="1"/>
               <a:t>Abadi</a:t>
             </a:r>
             <a:r>
-              <a:rPr lang="en-US" dirty="0" smtClean="0"/>
+              <a:rPr lang="en-US" dirty="0"/>
               <a:t>, Daniel J. "Consistency tradeoffs in modern distributed database system design." Computer-IEEE Computer Magazine 45.2 (2012): 37.</a:t>
             </a:r>
-            <a:endParaRPr lang="en-US" dirty="0"/>
           </a:p>
         </p:txBody>
       </p:sp>
@@ -19016,13 +18321,6 @@
   <p:clrMapOvr>
     <a:masterClrMapping/>
   </p:clrMapOvr>
-  <p:timing>
-    <p:tnLst>
-      <p:par>
-        <p:cTn id="1" dur="indefinite" restart="never" nodeType="tmRoot"/>
-      </p:par>
-    </p:tnLst>
-  </p:timing>
 </p:sld>
 </file>
 
@@ -19064,10 +18362,9 @@
           <a:lstStyle/>
           <a:p>
             <a:r>
-              <a:rPr lang="en-US" dirty="0" smtClean="0"/>
+              <a:rPr lang="en-US" dirty="0"/>
               <a:t>PACELC</a:t>
             </a:r>
-            <a:endParaRPr lang="en-US" dirty="0"/>
           </a:p>
         </p:txBody>
       </p:sp>
@@ -19161,10 +18458,9 @@
           <a:p>
             <a:pPr algn="ctr"/>
             <a:r>
-              <a:rPr lang="en-US" sz="6000" b="1" dirty="0" smtClean="0"/>
+              <a:rPr lang="en-US" sz="6000" b="1" dirty="0"/>
               <a:t>A</a:t>
             </a:r>
-            <a:endParaRPr lang="en-US" sz="6000" b="1" dirty="0"/>
           </a:p>
         </p:txBody>
       </p:sp>
@@ -19334,18 +18630,13 @@
           <a:p>
             <a:pPr algn="ctr"/>
             <a:r>
-              <a:rPr lang="en-US" sz="2800" b="1" dirty="0" smtClean="0">
+              <a:rPr lang="en-US" sz="2800" b="1" dirty="0">
                 <a:solidFill>
                   <a:srgbClr val="000000"/>
                 </a:solidFill>
               </a:rPr>
               <a:t>Partitioned </a:t>
             </a:r>
-            <a:endParaRPr lang="en-US" sz="2800" b="1" dirty="0">
-              <a:solidFill>
-                <a:srgbClr val="000000"/>
-              </a:solidFill>
-            </a:endParaRPr>
           </a:p>
         </p:txBody>
       </p:sp>
@@ -19384,18 +18675,13 @@
           <a:p>
             <a:pPr algn="ctr"/>
             <a:r>
-              <a:rPr lang="en-US" sz="2800" b="1" dirty="0" smtClean="0">
+              <a:rPr lang="en-US" sz="2800" b="1" dirty="0">
                 <a:solidFill>
                   <a:srgbClr val="000000"/>
                 </a:solidFill>
               </a:rPr>
               <a:t>Normal </a:t>
             </a:r>
-            <a:endParaRPr lang="en-US" sz="2800" b="1" dirty="0">
-              <a:solidFill>
-                <a:srgbClr val="000000"/>
-              </a:solidFill>
-            </a:endParaRPr>
           </a:p>
         </p:txBody>
       </p:sp>
@@ -19409,13 +18695,6 @@
   <p:clrMapOvr>
     <a:masterClrMapping/>
   </p:clrMapOvr>
-  <p:timing>
-    <p:tnLst>
-      <p:par>
-        <p:cTn id="1" dur="indefinite" restart="never" nodeType="tmRoot"/>
-      </p:par>
-    </p:tnLst>
-  </p:timing>
 </p:sld>
 </file>
 
@@ -19457,10 +18736,9 @@
           <a:lstStyle/>
           <a:p>
             <a:r>
-              <a:rPr lang="en-US" dirty="0" smtClean="0"/>
+              <a:rPr lang="en-US" dirty="0"/>
               <a:t>Examples</a:t>
             </a:r>
-            <a:endParaRPr lang="en-US" dirty="0"/>
           </a:p>
         </p:txBody>
       </p:sp>
@@ -19487,33 +18765,33 @@
           <a:lstStyle/>
           <a:p>
             <a:r>
-              <a:rPr lang="en-US" sz="2600" b="1" dirty="0" smtClean="0"/>
+              <a:rPr lang="en-US" sz="2600" b="1" dirty="0"/>
               <a:t>PA/EL Systems: </a:t>
             </a:r>
             <a:r>
-              <a:rPr lang="en-US" sz="2600" dirty="0" smtClean="0"/>
+              <a:rPr lang="en-US" sz="2600" dirty="0"/>
               <a:t>Give up both Cs for availability and lower latency</a:t>
             </a:r>
           </a:p>
           <a:p>
             <a:pPr lvl="1"/>
             <a:r>
-              <a:rPr lang="en-US" sz="2600" dirty="0" smtClean="0"/>
+              <a:rPr lang="en-US" sz="2600" dirty="0"/>
               <a:t>Dynamo, Cassandra, </a:t>
             </a:r>
             <a:r>
-              <a:rPr lang="en-US" sz="2600" dirty="0" err="1" smtClean="0"/>
+              <a:rPr lang="en-US" sz="2600" dirty="0" err="1"/>
               <a:t>Riak</a:t>
             </a:r>
-            <a:endParaRPr lang="en-US" sz="2600" dirty="0" smtClean="0"/>
-          </a:p>
-          <a:p>
-            <a:r>
-              <a:rPr lang="en-US" sz="2600" b="1" dirty="0" smtClean="0"/>
+            <a:endParaRPr lang="en-US" sz="2600" dirty="0"/>
+          </a:p>
+          <a:p>
+            <a:r>
+              <a:rPr lang="en-US" sz="2600" b="1" dirty="0"/>
               <a:t>PC/EC Systems: </a:t>
             </a:r>
             <a:r>
-              <a:rPr lang="en-US" sz="2600" dirty="0" smtClean="0"/>
+              <a:rPr lang="en-US" sz="2600" dirty="0"/>
               <a:t>Refuse to give up consistency and pay the cost of availability and latency</a:t>
             </a:r>
           </a:p>
@@ -19528,58 +18806,57 @@
               <a:t>, </a:t>
             </a:r>
             <a:r>
-              <a:rPr lang="en-US" sz="2600" dirty="0" err="1" smtClean="0"/>
+              <a:rPr lang="en-US" sz="2600" dirty="0" err="1"/>
               <a:t>Hbase</a:t>
             </a:r>
             <a:r>
-              <a:rPr lang="en-US" sz="2600" dirty="0" smtClean="0"/>
+              <a:rPr lang="en-US" sz="2600" dirty="0"/>
               <a:t>, </a:t>
             </a:r>
             <a:r>
-              <a:rPr lang="en-US" sz="2600" dirty="0" err="1" smtClean="0"/>
+              <a:rPr lang="en-US" sz="2600" dirty="0" err="1"/>
               <a:t>VoltDB</a:t>
             </a:r>
             <a:r>
-              <a:rPr lang="en-US" sz="2600" dirty="0" smtClean="0"/>
+              <a:rPr lang="en-US" sz="2600" dirty="0"/>
               <a:t>/H-Store</a:t>
             </a:r>
-            <a:endParaRPr lang="en-US" sz="2600" b="1" dirty="0" smtClean="0"/>
-          </a:p>
-          <a:p>
-            <a:r>
-              <a:rPr lang="en-US" sz="2600" b="1" dirty="0" smtClean="0"/>
+            <a:endParaRPr lang="en-US" sz="2600" b="1" dirty="0"/>
+          </a:p>
+          <a:p>
+            <a:r>
+              <a:rPr lang="en-US" sz="2600" b="1" dirty="0"/>
               <a:t>PA/EC Systems: </a:t>
             </a:r>
             <a:r>
-              <a:rPr lang="en-US" sz="2600" dirty="0" smtClean="0"/>
+              <a:rPr lang="en-US" sz="2600" dirty="0"/>
               <a:t>Give up consistency when a partition happens and keep consistency in normal operations</a:t>
             </a:r>
           </a:p>
           <a:p>
             <a:pPr lvl="1"/>
             <a:r>
-              <a:rPr lang="en-US" sz="2600" dirty="0" err="1" smtClean="0"/>
+              <a:rPr lang="en-US" sz="2600" dirty="0" err="1"/>
               <a:t>MongoDB</a:t>
             </a:r>
-            <a:endParaRPr lang="en-US" sz="2600" dirty="0" smtClean="0"/>
-          </a:p>
-          <a:p>
-            <a:r>
-              <a:rPr lang="en-US" sz="2600" b="1" dirty="0" smtClean="0"/>
+            <a:endParaRPr lang="en-US" sz="2600" dirty="0"/>
+          </a:p>
+          <a:p>
+            <a:r>
+              <a:rPr lang="en-US" sz="2600" b="1" dirty="0"/>
               <a:t>PC/EL System: </a:t>
             </a:r>
             <a:r>
-              <a:rPr lang="en-US" sz="2600" dirty="0" smtClean="0"/>
+              <a:rPr lang="en-US" sz="2600" dirty="0"/>
               <a:t>Keep consistency if a partition occurs but gives up consistency for latency in normal operations</a:t>
             </a:r>
           </a:p>
           <a:p>
             <a:pPr lvl="1"/>
             <a:r>
-              <a:rPr lang="en-US" sz="2600" dirty="0" smtClean="0"/>
+              <a:rPr lang="en-US" sz="2600" dirty="0"/>
               <a:t>Yahoo! PNUTS</a:t>
             </a:r>
-            <a:endParaRPr lang="en-US" sz="2600" dirty="0"/>
           </a:p>
         </p:txBody>
       </p:sp>
@@ -19593,13 +18870,6 @@
   <p:clrMapOvr>
     <a:masterClrMapping/>
   </p:clrMapOvr>
-  <p:timing>
-    <p:tnLst>
-      <p:par>
-        <p:cTn id="1" dur="indefinite" restart="never" nodeType="tmRoot"/>
-      </p:par>
-    </p:tnLst>
-  </p:timing>
 </p:sld>
 </file>
 
@@ -19645,25 +18915,25 @@
           <a:lstStyle/>
           <a:p>
             <a:r>
-              <a:rPr lang="en-US" sz="2200" b="1" u="sng" dirty="0" smtClean="0">
+              <a:rPr lang="en-US" sz="2200" b="1" u="sng" dirty="0">
                 <a:latin typeface="Tahoma" charset="0"/>
               </a:rPr>
               <a:t>Contact:</a:t>
             </a:r>
             <a:r>
-              <a:rPr lang="en-US" sz="2200" b="1" dirty="0" smtClean="0">
+              <a:rPr lang="en-US" sz="2200" b="1" dirty="0">
                 <a:latin typeface="Tahoma" charset="0"/>
               </a:rPr>
               <a:t> Prof. Dong Wang: </a:t>
             </a:r>
             <a:r>
-              <a:rPr lang="en-US" sz="2200" b="1" dirty="0" smtClean="0">
+              <a:rPr lang="en-US" sz="2200" b="1" dirty="0">
                 <a:latin typeface="Tahoma" charset="0"/>
                 <a:hlinkClick r:id="rId2"/>
               </a:rPr>
               <a:t>dwang5@nd.edu</a:t>
             </a:r>
-            <a:endParaRPr lang="en-US" sz="2200" b="1" dirty="0" smtClean="0">
+            <a:endParaRPr lang="en-US" sz="2200" b="1" dirty="0">
               <a:latin typeface="Tahoma" charset="0"/>
             </a:endParaRPr>
           </a:p>
@@ -19672,19 +18942,12 @@
               <a:rPr lang="en-US" dirty="0">
                 <a:hlinkClick r:id="rId3"/>
               </a:rPr>
-              <a:t>http://www3.nd.edu/~dwang5/teach/spring15/</a:t>
-            </a:r>
-            <a:r>
-              <a:rPr lang="en-US" dirty="0" smtClean="0">
-                <a:hlinkClick r:id="rId3"/>
-              </a:rPr>
-              <a:t>spring15_wang_flyer.pdf</a:t>
-            </a:r>
-            <a:r>
-              <a:rPr lang="en-US" dirty="0" smtClean="0"/>
+              <a:t>http://www3.nd.edu/~dwang5/teach/spring15/spring15_wang_flyer.pdf</a:t>
+            </a:r>
+            <a:r>
+              <a:rPr lang="en-US" dirty="0"/>
               <a:t>  </a:t>
             </a:r>
-            <a:endParaRPr lang="en-US" dirty="0"/>
           </a:p>
         </p:txBody>
       </p:sp>
@@ -19711,13 +18974,13 @@
           <a:lstStyle/>
           <a:p>
             <a:r>
-              <a:rPr lang="en-US" sz="3200" b="1" u="sng" dirty="0" smtClean="0">
+              <a:rPr lang="en-US" sz="3200" b="1" u="sng" dirty="0">
                 <a:latin typeface="Tahoma" charset="0"/>
               </a:rPr>
               <a:t>CSE 40437/60437</a:t>
             </a:r>
             <a:r>
-              <a:rPr lang="en-US" sz="3200" u="sng" dirty="0" smtClean="0">
+              <a:rPr lang="en-US" sz="3200" u="sng" dirty="0">
                 <a:latin typeface="Tahoma" charset="0"/>
               </a:rPr>
               <a:t>, Spring 2015: </a:t>
@@ -19725,7 +18988,7 @@
           </a:p>
           <a:p>
             <a:r>
-              <a:rPr lang="en-US" sz="2800" b="1" dirty="0" smtClean="0">
+              <a:rPr lang="en-US" sz="2800" b="1" dirty="0">
                 <a:latin typeface="Tahoma" charset="0"/>
               </a:rPr>
               <a:t>Social Sensing &amp; Cyber-Physical Systems </a:t>
@@ -19785,14 +19048,11 @@
           <a:p>
             <a:pPr algn="ctr"/>
             <a:r>
-              <a:rPr lang="en-US" sz="2800" dirty="0" smtClean="0">
+              <a:rPr lang="en-US" sz="2800" dirty="0">
                 <a:cs typeface="Arial" charset="0"/>
               </a:rPr>
               <a:t>Systems</a:t>
             </a:r>
-            <a:endParaRPr lang="en-US" sz="2800" dirty="0">
-              <a:cs typeface="Arial" charset="0"/>
-            </a:endParaRPr>
           </a:p>
           <a:p>
             <a:pPr algn="ctr"/>
@@ -19886,19 +19146,7 @@
               <a:rPr lang="en-US" sz="1600" dirty="0">
                 <a:latin typeface="Tahoma" charset="0"/>
               </a:rPr>
-              <a:t> </a:t>
-            </a:r>
-            <a:r>
-              <a:rPr lang="en-US" sz="1600" dirty="0" smtClean="0">
-                <a:latin typeface="Tahoma" charset="0"/>
-              </a:rPr>
-              <a:t>Embedded Computing </a:t>
-            </a:r>
-            <a:r>
-              <a:rPr lang="en-US" sz="1600" dirty="0">
-                <a:latin typeface="Tahoma" charset="0"/>
-              </a:rPr>
-              <a:t>Systems</a:t>
+              <a:t> Embedded Computing Systems</a:t>
             </a:r>
           </a:p>
         </p:txBody>
@@ -20091,14 +19339,11 @@
               <a:buNone/>
             </a:pPr>
             <a:r>
-              <a:rPr lang="en-US" sz="1600" dirty="0" smtClean="0">
+              <a:rPr lang="en-US" sz="1600" dirty="0">
                 <a:latin typeface="Tahoma" charset="0"/>
               </a:rPr>
               <a:t>Green Navigation Systems</a:t>
             </a:r>
-            <a:endParaRPr lang="en-US" sz="1600" dirty="0">
-              <a:latin typeface="Tahoma" charset="0"/>
-            </a:endParaRPr>
           </a:p>
         </p:txBody>
       </p:sp>
@@ -20320,14 +19565,11 @@
               <a:buNone/>
             </a:pPr>
             <a:r>
-              <a:rPr lang="en-US" sz="1600" dirty="0" smtClean="0">
+              <a:rPr lang="en-US" sz="1600" dirty="0">
                 <a:latin typeface="Tahoma" charset="0"/>
               </a:rPr>
               <a:t>Zero-Energy Buildings</a:t>
             </a:r>
-            <a:endParaRPr lang="en-US" sz="1600" dirty="0">
-              <a:latin typeface="Tahoma" charset="0"/>
-            </a:endParaRPr>
           </a:p>
         </p:txBody>
       </p:sp>
@@ -20549,14 +19791,11 @@
               <a:buNone/>
             </a:pPr>
             <a:r>
-              <a:rPr lang="en-US" sz="1600" dirty="0" smtClean="0">
+              <a:rPr lang="en-US" sz="1600" dirty="0">
                 <a:latin typeface="Tahoma" charset="0"/>
               </a:rPr>
               <a:t>Smart Grids</a:t>
             </a:r>
-            <a:endParaRPr lang="en-US" sz="1600" dirty="0">
-              <a:latin typeface="Tahoma" charset="0"/>
-            </a:endParaRPr>
           </a:p>
         </p:txBody>
       </p:sp>
@@ -20780,14 +20019,11 @@
               <a:buNone/>
             </a:pPr>
             <a:r>
-              <a:rPr lang="en-US" sz="1600" dirty="0" smtClean="0">
+              <a:rPr lang="en-US" sz="1600" dirty="0">
                 <a:latin typeface="Tahoma" charset="0"/>
               </a:rPr>
               <a:t>Body Area Networks</a:t>
             </a:r>
-            <a:endParaRPr lang="en-US" sz="1600" dirty="0">
-              <a:latin typeface="Tahoma" charset="0"/>
-            </a:endParaRPr>
           </a:p>
         </p:txBody>
       </p:sp>
@@ -20979,14 +20215,11 @@
               <a:buNone/>
             </a:pPr>
             <a:r>
-              <a:rPr lang="en-US" sz="1600" b="1" dirty="0" smtClean="0">
+              <a:rPr lang="en-US" sz="1600" b="1" dirty="0">
                 <a:latin typeface="Tahoma" charset="0"/>
               </a:rPr>
               <a:t>Social Sensing</a:t>
             </a:r>
-            <a:endParaRPr lang="en-US" sz="1600" b="1" dirty="0">
-              <a:latin typeface="Tahoma" charset="0"/>
-            </a:endParaRPr>
           </a:p>
         </p:txBody>
       </p:sp>
@@ -21369,13 +20602,6 @@
   <p:clrMapOvr>
     <a:masterClrMapping/>
   </p:clrMapOvr>
-  <p:timing>
-    <p:tnLst>
-      <p:par>
-        <p:cTn id="1" dur="indefinite" restart="never" nodeType="tmRoot"/>
-      </p:par>
-    </p:tnLst>
-  </p:timing>
 </p:sld>
 </file>
 
@@ -21421,25 +20647,25 @@
           <a:lstStyle/>
           <a:p>
             <a:r>
-              <a:rPr lang="en-US" sz="2200" b="1" u="sng" dirty="0" smtClean="0">
+              <a:rPr lang="en-US" sz="2200" b="1" u="sng" dirty="0">
                 <a:latin typeface="Tahoma" charset="0"/>
               </a:rPr>
               <a:t>Contact:</a:t>
             </a:r>
             <a:r>
-              <a:rPr lang="en-US" sz="2200" b="1" dirty="0" smtClean="0">
+              <a:rPr lang="en-US" sz="2200" b="1" dirty="0">
                 <a:latin typeface="Tahoma" charset="0"/>
               </a:rPr>
               <a:t> Prof. Dong Wang: </a:t>
             </a:r>
             <a:r>
-              <a:rPr lang="en-US" sz="2200" b="1" dirty="0" smtClean="0">
+              <a:rPr lang="en-US" sz="2200" b="1" dirty="0">
                 <a:latin typeface="Tahoma" charset="0"/>
                 <a:hlinkClick r:id="rId2"/>
               </a:rPr>
               <a:t>dwang5@nd.edu</a:t>
             </a:r>
-            <a:endParaRPr lang="en-US" sz="2200" b="1" dirty="0" smtClean="0">
+            <a:endParaRPr lang="en-US" sz="2200" b="1" dirty="0">
               <a:latin typeface="Tahoma" charset="0"/>
             </a:endParaRPr>
           </a:p>
@@ -21448,19 +20674,12 @@
               <a:rPr lang="en-US" dirty="0">
                 <a:hlinkClick r:id="rId3"/>
               </a:rPr>
-              <a:t>http://www3.nd.edu/~dwang5/teach/spring15/</a:t>
-            </a:r>
-            <a:r>
-              <a:rPr lang="en-US" dirty="0" smtClean="0">
-                <a:hlinkClick r:id="rId3"/>
-              </a:rPr>
-              <a:t>spring15_wang_flyer.pdf</a:t>
-            </a:r>
-            <a:r>
-              <a:rPr lang="en-US" dirty="0" smtClean="0"/>
+              <a:t>http://www3.nd.edu/~dwang5/teach/spring15/spring15_wang_flyer.pdf</a:t>
+            </a:r>
+            <a:r>
+              <a:rPr lang="en-US" dirty="0"/>
               <a:t>  </a:t>
             </a:r>
-            <a:endParaRPr lang="en-US" dirty="0"/>
           </a:p>
         </p:txBody>
       </p:sp>
@@ -21487,13 +20706,13 @@
           <a:lstStyle/>
           <a:p>
             <a:r>
-              <a:rPr lang="en-US" sz="3200" b="1" u="sng" dirty="0" smtClean="0">
+              <a:rPr lang="en-US" sz="3200" b="1" u="sng" dirty="0">
                 <a:latin typeface="Tahoma" charset="0"/>
               </a:rPr>
               <a:t>CSE 40437/60437</a:t>
             </a:r>
             <a:r>
-              <a:rPr lang="en-US" sz="3200" u="sng" dirty="0" smtClean="0">
+              <a:rPr lang="en-US" sz="3200" u="sng" dirty="0">
                 <a:latin typeface="Tahoma" charset="0"/>
               </a:rPr>
               <a:t>, Spring 2015: </a:t>
@@ -21501,7 +20720,7 @@
           </a:p>
           <a:p>
             <a:r>
-              <a:rPr lang="en-US" sz="2800" b="1" dirty="0" smtClean="0">
+              <a:rPr lang="en-US" sz="2800" b="1" dirty="0">
                 <a:latin typeface="Tahoma" charset="0"/>
               </a:rPr>
               <a:t>Social Sensing &amp; Cyber-Physical Systems </a:t>
@@ -21561,14 +20780,11 @@
           <a:p>
             <a:pPr algn="ctr"/>
             <a:r>
-              <a:rPr lang="en-US" sz="2800" dirty="0" smtClean="0">
+              <a:rPr lang="en-US" sz="2800" dirty="0">
                 <a:cs typeface="Arial" charset="0"/>
               </a:rPr>
               <a:t>Systems</a:t>
             </a:r>
-            <a:endParaRPr lang="en-US" sz="2800" dirty="0">
-              <a:cs typeface="Arial" charset="0"/>
-            </a:endParaRPr>
           </a:p>
           <a:p>
             <a:pPr algn="ctr"/>
@@ -21662,19 +20878,7 @@
               <a:rPr lang="en-US" sz="1600" dirty="0">
                 <a:latin typeface="Tahoma" charset="0"/>
               </a:rPr>
-              <a:t> </a:t>
-            </a:r>
-            <a:r>
-              <a:rPr lang="en-US" sz="1600" dirty="0" smtClean="0">
-                <a:latin typeface="Tahoma" charset="0"/>
-              </a:rPr>
-              <a:t>Embedded Computing </a:t>
-            </a:r>
-            <a:r>
-              <a:rPr lang="en-US" sz="1600" dirty="0">
-                <a:latin typeface="Tahoma" charset="0"/>
-              </a:rPr>
-              <a:t>Systems</a:t>
+              <a:t> Embedded Computing Systems</a:t>
             </a:r>
           </a:p>
         </p:txBody>
@@ -21867,14 +21071,11 @@
               <a:buNone/>
             </a:pPr>
             <a:r>
-              <a:rPr lang="en-US" sz="1600" dirty="0" smtClean="0">
+              <a:rPr lang="en-US" sz="1600" dirty="0">
                 <a:latin typeface="Tahoma" charset="0"/>
               </a:rPr>
               <a:t>Green Navigation Systems</a:t>
             </a:r>
-            <a:endParaRPr lang="en-US" sz="1600" dirty="0">
-              <a:latin typeface="Tahoma" charset="0"/>
-            </a:endParaRPr>
           </a:p>
         </p:txBody>
       </p:sp>
@@ -22096,14 +21297,11 @@
               <a:buNone/>
             </a:pPr>
             <a:r>
-              <a:rPr lang="en-US" sz="1600" dirty="0" smtClean="0">
+              <a:rPr lang="en-US" sz="1600" dirty="0">
                 <a:latin typeface="Tahoma" charset="0"/>
               </a:rPr>
               <a:t>Zero-Energy Buildings</a:t>
             </a:r>
-            <a:endParaRPr lang="en-US" sz="1600" dirty="0">
-              <a:latin typeface="Tahoma" charset="0"/>
-            </a:endParaRPr>
           </a:p>
         </p:txBody>
       </p:sp>
@@ -22325,14 +21523,11 @@
               <a:buNone/>
             </a:pPr>
             <a:r>
-              <a:rPr lang="en-US" sz="1600" dirty="0" smtClean="0">
+              <a:rPr lang="en-US" sz="1600" dirty="0">
                 <a:latin typeface="Tahoma" charset="0"/>
               </a:rPr>
               <a:t>Smart Grids</a:t>
             </a:r>
-            <a:endParaRPr lang="en-US" sz="1600" dirty="0">
-              <a:latin typeface="Tahoma" charset="0"/>
-            </a:endParaRPr>
           </a:p>
         </p:txBody>
       </p:sp>
@@ -22556,14 +21751,11 @@
               <a:buNone/>
             </a:pPr>
             <a:r>
-              <a:rPr lang="en-US" sz="1600" dirty="0" smtClean="0">
+              <a:rPr lang="en-US" sz="1600" dirty="0">
                 <a:latin typeface="Tahoma" charset="0"/>
               </a:rPr>
               <a:t>Body Area Networks</a:t>
             </a:r>
-            <a:endParaRPr lang="en-US" sz="1600" dirty="0">
-              <a:latin typeface="Tahoma" charset="0"/>
-            </a:endParaRPr>
           </a:p>
         </p:txBody>
       </p:sp>
@@ -22755,14 +21947,11 @@
               <a:buNone/>
             </a:pPr>
             <a:r>
-              <a:rPr lang="en-US" sz="1600" dirty="0" smtClean="0">
+              <a:rPr lang="en-US" sz="1600" dirty="0">
                 <a:latin typeface="Tahoma" charset="0"/>
               </a:rPr>
               <a:t>Social Sensing</a:t>
             </a:r>
-            <a:endParaRPr lang="en-US" sz="1600" dirty="0">
-              <a:latin typeface="Tahoma" charset="0"/>
-            </a:endParaRPr>
           </a:p>
         </p:txBody>
       </p:sp>
@@ -23159,10 +22348,9 @@
           <a:p>
             <a:pPr algn="ctr"/>
             <a:r>
-              <a:rPr lang="en-US" sz="4000" dirty="0" smtClean="0"/>
+              <a:rPr lang="en-US" sz="4000" dirty="0"/>
               <a:t>Energy</a:t>
             </a:r>
-            <a:endParaRPr lang="en-US" sz="4000" dirty="0"/>
           </a:p>
         </p:txBody>
       </p:sp>
@@ -23407,10 +22595,9 @@
           <a:p>
             <a:pPr algn="ctr"/>
             <a:r>
-              <a:rPr lang="en-US" sz="4000" dirty="0" smtClean="0"/>
+              <a:rPr lang="en-US" sz="4000" dirty="0"/>
               <a:t>Time</a:t>
             </a:r>
-            <a:endParaRPr lang="en-US" sz="4000" dirty="0"/>
           </a:p>
         </p:txBody>
       </p:sp>
@@ -23655,10 +22842,9 @@
           <a:p>
             <a:pPr algn="ctr"/>
             <a:r>
-              <a:rPr lang="en-US" sz="4000" dirty="0" smtClean="0"/>
+              <a:rPr lang="en-US" sz="4000" dirty="0"/>
               <a:t>Data</a:t>
             </a:r>
-            <a:endParaRPr lang="en-US" sz="4000" dirty="0"/>
           </a:p>
         </p:txBody>
       </p:sp>
@@ -23903,10 +23089,9 @@
           <a:p>
             <a:pPr algn="ctr"/>
             <a:r>
-              <a:rPr lang="en-US" sz="4000" dirty="0" smtClean="0"/>
+              <a:rPr lang="en-US" sz="4000" dirty="0"/>
               <a:t>Social</a:t>
             </a:r>
-            <a:endParaRPr lang="en-US" sz="4000" dirty="0"/>
           </a:p>
         </p:txBody>
       </p:sp>
@@ -23920,13 +23105,6 @@
   <p:clrMapOvr>
     <a:masterClrMapping/>
   </p:clrMapOvr>
-  <p:timing>
-    <p:tnLst>
-      <p:par>
-        <p:cTn id="1" dur="indefinite" restart="never" nodeType="tmRoot"/>
-      </p:par>
-    </p:tnLst>
-  </p:timing>
 </p:sld>
 </file>
 
@@ -24448,14 +23626,11 @@
               <a:buNone/>
             </a:pPr>
             <a:r>
-              <a:rPr lang="en-US" sz="1800" dirty="0" smtClean="0">
+              <a:rPr lang="en-US" sz="1800" dirty="0">
                 <a:latin typeface="Tahoma" charset="0"/>
               </a:rPr>
               <a:t>News and Public Sources</a:t>
             </a:r>
-            <a:endParaRPr lang="en-US" sz="1800" dirty="0">
-              <a:latin typeface="Tahoma" charset="0"/>
-            </a:endParaRPr>
           </a:p>
         </p:txBody>
       </p:sp>
@@ -25480,10 +24655,9 @@
             <a:p>
               <a:pPr algn="ctr"/>
               <a:r>
-                <a:rPr lang="en-US" sz="1600" b="1" dirty="0" smtClean="0"/>
+                <a:rPr lang="en-US" sz="1600" b="1" dirty="0"/>
                 <a:t>Stock Prediction (Money)</a:t>
               </a:r>
-              <a:endParaRPr lang="en-US" sz="1600" b="1" dirty="0"/>
             </a:p>
           </p:txBody>
         </p:sp>
@@ -25550,10 +24724,9 @@
             <a:p>
               <a:pPr algn="ctr"/>
               <a:r>
-                <a:rPr lang="en-US" sz="1600" b="1" dirty="0" smtClean="0"/>
+                <a:rPr lang="en-US" sz="1600" b="1" dirty="0"/>
                 <a:t>Traffic Monitoring (Time)</a:t>
               </a:r>
-              <a:endParaRPr lang="en-US" sz="1600" b="1" dirty="0"/>
             </a:p>
           </p:txBody>
         </p:sp>
@@ -25596,10 +24769,9 @@
             <a:p>
               <a:pPr algn="ctr"/>
               <a:r>
-                <a:rPr lang="en-US" sz="1600" b="1" dirty="0" smtClean="0"/>
+                <a:rPr lang="en-US" sz="1600" b="1" dirty="0"/>
                 <a:t>Disaster Response (Lives)</a:t>
               </a:r>
-              <a:endParaRPr lang="en-US" sz="1600" b="1" dirty="0"/>
             </a:p>
           </p:txBody>
         </p:sp>
@@ -25652,10 +24824,9 @@
           <a:p>
             <a:pPr algn="ctr"/>
             <a:r>
-              <a:rPr lang="en-US" sz="1600" b="1" dirty="0" smtClean="0"/>
+              <a:rPr lang="en-US" sz="1600" b="1" dirty="0"/>
               <a:t>Geo Tagging (Smart City)</a:t>
             </a:r>
-            <a:endParaRPr lang="en-US" sz="1600" b="1" dirty="0"/>
           </a:p>
         </p:txBody>
       </p:sp>
@@ -25714,25 +24885,25 @@
           <a:lstStyle/>
           <a:p>
             <a:r>
-              <a:rPr lang="en-US" sz="2200" b="1" u="sng" dirty="0" smtClean="0">
+              <a:rPr lang="en-US" sz="2200" b="1" u="sng" dirty="0">
                 <a:latin typeface="Tahoma" charset="0"/>
               </a:rPr>
               <a:t>Contact:</a:t>
             </a:r>
             <a:r>
-              <a:rPr lang="en-US" sz="2200" b="1" dirty="0" smtClean="0">
+              <a:rPr lang="en-US" sz="2200" b="1" dirty="0">
                 <a:latin typeface="Tahoma" charset="0"/>
               </a:rPr>
               <a:t> Prof. Dong Wang: </a:t>
             </a:r>
             <a:r>
-              <a:rPr lang="en-US" sz="2200" b="1" dirty="0" smtClean="0">
+              <a:rPr lang="en-US" sz="2200" b="1" dirty="0">
                 <a:latin typeface="Tahoma" charset="0"/>
                 <a:hlinkClick r:id="rId17"/>
               </a:rPr>
               <a:t>dwang5@nd.edu</a:t>
             </a:r>
-            <a:endParaRPr lang="en-US" sz="2200" b="1" dirty="0" smtClean="0">
+            <a:endParaRPr lang="en-US" sz="2200" b="1" dirty="0">
               <a:latin typeface="Tahoma" charset="0"/>
             </a:endParaRPr>
           </a:p>
@@ -25741,19 +24912,12 @@
               <a:rPr lang="en-US" dirty="0">
                 <a:hlinkClick r:id="rId18"/>
               </a:rPr>
-              <a:t>http://www3.nd.edu/~dwang5/teach/spring15/</a:t>
-            </a:r>
-            <a:r>
-              <a:rPr lang="en-US" dirty="0" smtClean="0">
-                <a:hlinkClick r:id="rId18"/>
-              </a:rPr>
-              <a:t>spring15_wang_flyer.pdf</a:t>
-            </a:r>
-            <a:r>
-              <a:rPr lang="en-US" dirty="0" smtClean="0"/>
+              <a:t>http://www3.nd.edu/~dwang5/teach/spring15/spring15_wang_flyer.pdf</a:t>
+            </a:r>
+            <a:r>
+              <a:rPr lang="en-US" dirty="0"/>
               <a:t>  </a:t>
             </a:r>
-            <a:endParaRPr lang="en-US" dirty="0"/>
           </a:p>
         </p:txBody>
       </p:sp>
@@ -25798,18 +24962,13 @@
               <a:defRPr/>
             </a:pPr>
             <a:r>
-              <a:rPr lang="en-US" sz="2000" b="1" kern="0" dirty="0" smtClean="0">
+              <a:rPr lang="en-US" sz="2000" b="1" kern="0" dirty="0">
                 <a:latin typeface="+mn-lt"/>
                 <a:ea typeface="+mn-ea"/>
                 <a:cs typeface="+mn-cs"/>
               </a:rPr>
               <a:t>Applications</a:t>
             </a:r>
-            <a:endParaRPr lang="en-US" sz="2000" b="1" kern="0" dirty="0">
-              <a:latin typeface="+mn-lt"/>
-              <a:ea typeface="+mn-ea"/>
-              <a:cs typeface="+mn-cs"/>
-            </a:endParaRPr>
           </a:p>
         </p:txBody>
       </p:sp>
@@ -26126,14 +25285,11 @@
               <a:buNone/>
             </a:pPr>
             <a:r>
-              <a:rPr lang="en-US" sz="1800" dirty="0" smtClean="0">
+              <a:rPr lang="en-US" sz="1800" dirty="0">
                 <a:latin typeface="Tahoma" charset="0"/>
               </a:rPr>
               <a:t>Sensors</a:t>
             </a:r>
-            <a:endParaRPr lang="en-US" sz="1800" dirty="0">
-              <a:latin typeface="Tahoma" charset="0"/>
-            </a:endParaRPr>
           </a:p>
         </p:txBody>
       </p:sp>
@@ -26301,14 +25457,11 @@
               <a:buNone/>
             </a:pPr>
             <a:r>
-              <a:rPr lang="en-US" sz="1800" dirty="0" smtClean="0">
+              <a:rPr lang="en-US" sz="1800" dirty="0">
                 <a:latin typeface="Tahoma" charset="0"/>
               </a:rPr>
               <a:t>People</a:t>
             </a:r>
-            <a:endParaRPr lang="en-US" sz="1800" dirty="0">
-              <a:latin typeface="Tahoma" charset="0"/>
-            </a:endParaRPr>
           </a:p>
         </p:txBody>
       </p:sp>
@@ -26335,13 +25488,13 @@
           <a:lstStyle/>
           <a:p>
             <a:r>
-              <a:rPr lang="en-US" sz="3200" b="1" u="sng" dirty="0" smtClean="0">
+              <a:rPr lang="en-US" sz="3200" b="1" u="sng" dirty="0">
                 <a:latin typeface="Tahoma" charset="0"/>
               </a:rPr>
               <a:t>CSE 40437/60437</a:t>
             </a:r>
             <a:r>
-              <a:rPr lang="en-US" sz="3200" u="sng" dirty="0" smtClean="0">
+              <a:rPr lang="en-US" sz="3200" u="sng" dirty="0">
                 <a:latin typeface="Tahoma" charset="0"/>
               </a:rPr>
               <a:t>, Spring 2015: </a:t>
@@ -26349,7 +25502,7 @@
           </a:p>
           <a:p>
             <a:r>
-              <a:rPr lang="en-US" sz="2800" b="1" dirty="0" smtClean="0">
+              <a:rPr lang="en-US" sz="2800" b="1" dirty="0">
                 <a:latin typeface="Tahoma" charset="0"/>
               </a:rPr>
               <a:t>Social Sensing &amp; Cyber-Physical Systems </a:t>
@@ -26367,13 +25520,6 @@
   <p:clrMapOvr>
     <a:masterClrMapping/>
   </p:clrMapOvr>
-  <p:timing>
-    <p:tnLst>
-      <p:par>
-        <p:cTn id="1" dur="indefinite" restart="never" nodeType="tmRoot"/>
-      </p:par>
-    </p:tnLst>
-  </p:timing>
 </p:sld>
 </file>
 
@@ -26424,7 +25570,7 @@
               <a:buChar char="•"/>
             </a:pPr>
             <a:r>
-              <a:rPr lang="en-IN" dirty="0" smtClean="0"/>
+              <a:rPr lang="en-IN" dirty="0"/>
               <a:t>Blogs website</a:t>
             </a:r>
           </a:p>
@@ -26437,7 +25583,7 @@
               <a:buChar char="•"/>
             </a:pPr>
             <a:r>
-              <a:rPr lang="en-IN" dirty="0" smtClean="0"/>
+              <a:rPr lang="en-IN" dirty="0"/>
               <a:t>Multiplayer online games</a:t>
             </a:r>
           </a:p>
@@ -26450,7 +25596,7 @@
               <a:buChar char="•"/>
             </a:pPr>
             <a:r>
-              <a:rPr lang="en-IN" dirty="0" smtClean="0"/>
+              <a:rPr lang="en-IN" dirty="0"/>
               <a:t>Stock trading platforms</a:t>
             </a:r>
           </a:p>
@@ -26463,7 +25609,7 @@
               <a:buChar char="•"/>
             </a:pPr>
             <a:r>
-              <a:rPr lang="en-IN" dirty="0" smtClean="0"/>
+              <a:rPr lang="en-IN" dirty="0"/>
               <a:t>Video streaming sites</a:t>
             </a:r>
           </a:p>
@@ -26476,7 +25622,7 @@
               <a:buChar char="•"/>
             </a:pPr>
             <a:r>
-              <a:rPr lang="en-IN" dirty="0" smtClean="0"/>
+              <a:rPr lang="en-IN" dirty="0"/>
               <a:t>Ticket booking system</a:t>
             </a:r>
           </a:p>
@@ -26489,7 +25635,7 @@
               <a:buChar char="•"/>
             </a:pPr>
             <a:r>
-              <a:rPr lang="en-IN" dirty="0" smtClean="0"/>
+              <a:rPr lang="en-IN" dirty="0"/>
               <a:t>Video chat application</a:t>
             </a:r>
           </a:p>
@@ -26502,12 +25648,12 @@
               <a:buChar char="•"/>
             </a:pPr>
             <a:r>
-              <a:rPr lang="en-IN" dirty="0" smtClean="0"/>
+              <a:rPr lang="en-IN" dirty="0"/>
               <a:t>Bank</a:t>
             </a:r>
           </a:p>
           <a:p>
-            <a:endParaRPr lang="en-IN" dirty="0" smtClean="0"/>
+            <a:endParaRPr lang="en-IN" dirty="0"/>
           </a:p>
           <a:p>
             <a:endParaRPr lang="en-IN" dirty="0"/>
@@ -26544,7 +25690,7 @@
               <a:buAutoNum type="arabicPeriod"/>
             </a:pPr>
             <a:r>
-              <a:rPr lang="en-IN" dirty="0" smtClean="0">
+              <a:rPr lang="en-IN" dirty="0">
                 <a:solidFill>
                   <a:srgbClr val="0070C0"/>
                 </a:solidFill>
@@ -26561,7 +25707,7 @@
               <a:buAutoNum type="arabicPeriod"/>
             </a:pPr>
             <a:r>
-              <a:rPr lang="en-IN" dirty="0" smtClean="0">
+              <a:rPr lang="en-IN" dirty="0">
                 <a:solidFill>
                   <a:srgbClr val="0070C0"/>
                 </a:solidFill>
@@ -26644,10 +25790,9 @@
           <a:lstStyle/>
           <a:p>
             <a:r>
-              <a:rPr lang="en-US" dirty="0" smtClean="0"/>
+              <a:rPr lang="en-US" dirty="0"/>
               <a:t>Thank you!</a:t>
             </a:r>
-            <a:endParaRPr lang="en-US" dirty="0"/>
           </a:p>
         </p:txBody>
       </p:sp>
@@ -26661,13 +25806,6 @@
   <p:clrMapOvr>
     <a:masterClrMapping/>
   </p:clrMapOvr>
-  <p:timing>
-    <p:tnLst>
-      <p:par>
-        <p:cTn id="1" dur="indefinite" restart="never" nodeType="tmRoot"/>
-      </p:par>
-    </p:tnLst>
-  </p:timing>
 </p:sld>
 </file>
 
@@ -26696,8 +25834,8 @@
         </p:nvSpPr>
         <p:spPr>
           <a:xfrm>
-            <a:off x="395536" y="116632"/>
-            <a:ext cx="8352928" cy="6555641"/>
+            <a:off x="0" y="116632"/>
+            <a:ext cx="9252520" cy="6782882"/>
           </a:xfrm>
           <a:prstGeom prst="rect">
             <a:avLst/>
@@ -26709,13 +25847,16 @@
           </a:bodyPr>
           <a:lstStyle/>
           <a:p>
-            <a:r>
-              <a:rPr lang="en-IN" b="1" dirty="0" smtClean="0"/>
+            <a:endParaRPr lang="en-IN" b="1" dirty="0"/>
+          </a:p>
+          <a:p>
+            <a:r>
+              <a:rPr lang="en-IN" b="1" dirty="0"/>
               <a:t>Simple API</a:t>
             </a:r>
           </a:p>
           <a:p>
-            <a:endParaRPr lang="en-IN" dirty="0" smtClean="0"/>
+            <a:endParaRPr lang="en-IN" dirty="0"/>
           </a:p>
           <a:p>
             <a:pPr marL="285750" indent="-285750">
@@ -26726,7 +25867,7 @@
               <a:buChar char="•"/>
             </a:pPr>
             <a:r>
-              <a:rPr lang="en-IN" dirty="0" smtClean="0"/>
+              <a:rPr lang="en-IN" dirty="0"/>
               <a:t>Offers easy to use interfaces for storage and querying data provided</a:t>
             </a:r>
           </a:p>
@@ -26739,7 +25880,7 @@
               <a:buChar char="•"/>
             </a:pPr>
             <a:r>
-              <a:rPr lang="en-IN" dirty="0" smtClean="0"/>
+              <a:rPr lang="en-IN" dirty="0"/>
               <a:t>APIs allow low-level data manipulation &amp; selection methods</a:t>
             </a:r>
           </a:p>
@@ -26752,7 +25893,7 @@
               <a:buChar char="•"/>
             </a:pPr>
             <a:r>
-              <a:rPr lang="en-IN" dirty="0" smtClean="0"/>
+              <a:rPr lang="en-IN" dirty="0"/>
               <a:t>Text-based protocols mostly used with HTTP REST with JSON</a:t>
             </a:r>
           </a:p>
@@ -26765,7 +25906,7 @@
               <a:buChar char="•"/>
             </a:pPr>
             <a:r>
-              <a:rPr lang="en-IN" dirty="0" smtClean="0"/>
+              <a:rPr lang="en-IN" dirty="0"/>
               <a:t>Mostly used no standard based NoSQL query language</a:t>
             </a:r>
           </a:p>
@@ -26778,7 +25919,7 @@
               <a:buChar char="•"/>
             </a:pPr>
             <a:r>
-              <a:rPr lang="en-IN" dirty="0" smtClean="0"/>
+              <a:rPr lang="en-IN" dirty="0"/>
               <a:t>Web-enabled databases running as internet-facing services</a:t>
             </a:r>
           </a:p>
@@ -26788,7 +25929,7 @@
                 <a:spcPct val="150000"/>
               </a:lnSpc>
             </a:pPr>
-            <a:endParaRPr lang="en-US" sz="2000" b="1" dirty="0" smtClean="0"/>
+            <a:endParaRPr lang="en-US" sz="2000" b="1" dirty="0"/>
           </a:p>
           <a:p>
             <a:pPr>
@@ -26797,7 +25938,7 @@
               </a:lnSpc>
             </a:pPr>
             <a:r>
-              <a:rPr lang="en-US" sz="2000" b="1" dirty="0" smtClean="0"/>
+              <a:rPr lang="en-US" sz="2000" b="1" dirty="0"/>
               <a:t>Distributed</a:t>
             </a:r>
           </a:p>
@@ -26810,7 +25951,7 @@
               <a:buChar char="•"/>
             </a:pPr>
             <a:r>
-              <a:rPr lang="en-US" dirty="0" smtClean="0"/>
+              <a:rPr lang="en-US" dirty="0"/>
               <a:t>Multiple NoSQL databases can be executed in a distributed fashion</a:t>
             </a:r>
           </a:p>
@@ -26823,7 +25964,7 @@
               <a:buChar char="•"/>
             </a:pPr>
             <a:r>
-              <a:rPr lang="en-US" dirty="0" smtClean="0"/>
+              <a:rPr lang="en-US" dirty="0"/>
               <a:t>Offers auto-scaling and fail-over capabilities</a:t>
             </a:r>
           </a:p>
@@ -26836,7 +25977,7 @@
               <a:buChar char="•"/>
             </a:pPr>
             <a:r>
-              <a:rPr lang="en-US" dirty="0" smtClean="0"/>
+              <a:rPr lang="en-US" dirty="0"/>
               <a:t>Often ACID concept can be sacrificed for scalability and throughput</a:t>
             </a:r>
           </a:p>
@@ -26849,7 +25990,7 @@
               <a:buChar char="•"/>
             </a:pPr>
             <a:r>
-              <a:rPr lang="en-US" dirty="0" smtClean="0"/>
+              <a:rPr lang="en-US" dirty="0"/>
               <a:t>Mostly no synchronous replication between distributed nodes Asynchronous Multi-Master Replication, peer-to-peer, HDFS Replication</a:t>
             </a:r>
           </a:p>
@@ -26862,7 +26003,7 @@
               <a:buChar char="•"/>
             </a:pPr>
             <a:r>
-              <a:rPr lang="en-US" dirty="0" smtClean="0"/>
+              <a:rPr lang="en-US" dirty="0"/>
               <a:t>Only providing eventual consistency</a:t>
             </a:r>
           </a:p>
@@ -26875,7 +26016,7 @@
               <a:buChar char="•"/>
             </a:pPr>
             <a:r>
-              <a:rPr lang="en-US" dirty="0" smtClean="0"/>
+              <a:rPr lang="en-US" dirty="0"/>
               <a:t>Shared Nothing Architecture. This enables less coordination and higher distribution.</a:t>
             </a:r>
             <a:endParaRPr lang="en-IN" dirty="0"/>
@@ -26892,13 +26033,6 @@
   <p:clrMapOvr>
     <a:masterClrMapping/>
   </p:clrMapOvr>
-  <p:timing>
-    <p:tnLst>
-      <p:par>
-        <p:cTn id="1" dur="indefinite" restart="never" nodeType="tmRoot"/>
-      </p:par>
-    </p:tnLst>
-  </p:timing>
 </p:sld>
 </file>
 
@@ -26998,13 +26132,6 @@
   <p:clrMapOvr>
     <a:masterClrMapping/>
   </p:clrMapOvr>
-  <p:timing>
-    <p:tnLst>
-      <p:par>
-        <p:cTn id="1" dur="indefinite" restart="never" nodeType="tmRoot"/>
-      </p:par>
-    </p:tnLst>
-  </p:timing>
 </p:sld>
 </file>
 
